--- a/CMSIS/DoxyGen/RTOS2/src/images/TheoryOfOperation.pptx
+++ b/CMSIS/DoxyGen/RTOS2/src/images/TheoryOfOperation.pptx
@@ -4,11 +4,15 @@
   <p:sldMasterIdLst>
     <p:sldMasterId id="2147483648" r:id="rId1"/>
   </p:sldMasterIdLst>
+  <p:notesMasterIdLst>
+    <p:notesMasterId r:id="rId7"/>
+  </p:notesMasterIdLst>
   <p:sldIdLst>
-    <p:sldId id="256" r:id="rId2"/>
-    <p:sldId id="257" r:id="rId3"/>
-    <p:sldId id="258" r:id="rId4"/>
-    <p:sldId id="259" r:id="rId5"/>
+    <p:sldId id="413" r:id="rId2"/>
+    <p:sldId id="256" r:id="rId3"/>
+    <p:sldId id="257" r:id="rId4"/>
+    <p:sldId id="258" r:id="rId5"/>
+    <p:sldId id="259" r:id="rId6"/>
   </p:sldIdLst>
   <p:sldSz cx="9144000" cy="5715000" type="screen16x10"/>
   <p:notesSz cx="6858000" cy="9144000"/>
@@ -107,7 +111,463 @@
       </a:defRPr>
     </a:lvl9pPr>
   </p:defaultTextStyle>
+  <p:extLst>
+    <p:ext uri="{EFAFB233-063F-42B5-8137-9DF3F51BA10A}">
+      <p15:sldGuideLst xmlns:p15="http://schemas.microsoft.com/office/powerpoint/2012/main">
+        <p15:guide id="1" orient="horz" pos="1800">
+          <p15:clr>
+            <a:srgbClr val="A4A3A4"/>
+          </p15:clr>
+        </p15:guide>
+        <p15:guide id="2" pos="2880">
+          <p15:clr>
+            <a:srgbClr val="A4A3A4"/>
+          </p15:clr>
+        </p15:guide>
+      </p15:sldGuideLst>
+    </p:ext>
+  </p:extLst>
 </p:presentation>
+</file>
+
+<file path=ppt/notesMasters/notesMaster1.xml><?xml version="1.0" encoding="utf-8"?>
+<p:notesMaster xmlns:a="http://schemas.openxmlformats.org/drawingml/2006/main" xmlns:r="http://schemas.openxmlformats.org/officeDocument/2006/relationships" xmlns:p="http://schemas.openxmlformats.org/presentationml/2006/main">
+  <p:cSld>
+    <p:bg>
+      <p:bgRef idx="1001">
+        <a:schemeClr val="bg1"/>
+      </p:bgRef>
+    </p:bg>
+    <p:spTree>
+      <p:nvGrpSpPr>
+        <p:cNvPr id="1" name=""/>
+        <p:cNvGrpSpPr/>
+        <p:nvPr/>
+      </p:nvGrpSpPr>
+      <p:grpSpPr>
+        <a:xfrm>
+          <a:off x="0" y="0"/>
+          <a:ext cx="0" cy="0"/>
+          <a:chOff x="0" y="0"/>
+          <a:chExt cx="0" cy="0"/>
+        </a:xfrm>
+      </p:grpSpPr>
+      <p:sp>
+        <p:nvSpPr>
+          <p:cNvPr id="2" name="Header Placeholder 1"/>
+          <p:cNvSpPr>
+            <a:spLocks noGrp="1"/>
+          </p:cNvSpPr>
+          <p:nvPr>
+            <p:ph type="hdr" sz="quarter"/>
+          </p:nvPr>
+        </p:nvSpPr>
+        <p:spPr>
+          <a:xfrm>
+            <a:off x="0" y="0"/>
+            <a:ext cx="2971800" cy="458788"/>
+          </a:xfrm>
+          <a:prstGeom prst="rect">
+            <a:avLst/>
+          </a:prstGeom>
+        </p:spPr>
+        <p:txBody>
+          <a:bodyPr vert="horz" lIns="91440" tIns="45720" rIns="91440" bIns="45720" rtlCol="0"/>
+          <a:lstStyle>
+            <a:lvl1pPr algn="l">
+              <a:defRPr sz="1200"/>
+            </a:lvl1pPr>
+          </a:lstStyle>
+          <a:p>
+            <a:endParaRPr lang="en-GB"/>
+          </a:p>
+        </p:txBody>
+      </p:sp>
+      <p:sp>
+        <p:nvSpPr>
+          <p:cNvPr id="3" name="Date Placeholder 2"/>
+          <p:cNvSpPr>
+            <a:spLocks noGrp="1"/>
+          </p:cNvSpPr>
+          <p:nvPr>
+            <p:ph type="dt" idx="1"/>
+          </p:nvPr>
+        </p:nvSpPr>
+        <p:spPr>
+          <a:xfrm>
+            <a:off x="3884613" y="0"/>
+            <a:ext cx="2971800" cy="458788"/>
+          </a:xfrm>
+          <a:prstGeom prst="rect">
+            <a:avLst/>
+          </a:prstGeom>
+        </p:spPr>
+        <p:txBody>
+          <a:bodyPr vert="horz" lIns="91440" tIns="45720" rIns="91440" bIns="45720" rtlCol="0"/>
+          <a:lstStyle>
+            <a:lvl1pPr algn="r">
+              <a:defRPr sz="1200"/>
+            </a:lvl1pPr>
+          </a:lstStyle>
+          <a:p>
+            <a:fld id="{F2723D89-7C3D-4C59-9392-B3CEB873B9CD}" type="datetimeFigureOut">
+              <a:rPr lang="en-GB" smtClean="0"/>
+              <a:t>07/08/2023</a:t>
+            </a:fld>
+            <a:endParaRPr lang="en-GB"/>
+          </a:p>
+        </p:txBody>
+      </p:sp>
+      <p:sp>
+        <p:nvSpPr>
+          <p:cNvPr id="4" name="Slide Image Placeholder 3"/>
+          <p:cNvSpPr>
+            <a:spLocks noGrp="1" noRot="1" noChangeAspect="1"/>
+          </p:cNvSpPr>
+          <p:nvPr>
+            <p:ph type="sldImg" idx="2"/>
+          </p:nvPr>
+        </p:nvSpPr>
+        <p:spPr>
+          <a:xfrm>
+            <a:off x="960438" y="1143000"/>
+            <a:ext cx="4937125" cy="3086100"/>
+          </a:xfrm>
+          <a:prstGeom prst="rect">
+            <a:avLst/>
+          </a:prstGeom>
+          <a:noFill/>
+          <a:ln w="12700">
+            <a:solidFill>
+              <a:prstClr val="black"/>
+            </a:solidFill>
+          </a:ln>
+        </p:spPr>
+        <p:txBody>
+          <a:bodyPr vert="horz" lIns="91440" tIns="45720" rIns="91440" bIns="45720" rtlCol="0" anchor="ctr"/>
+          <a:lstStyle/>
+          <a:p>
+            <a:endParaRPr lang="en-GB"/>
+          </a:p>
+        </p:txBody>
+      </p:sp>
+      <p:sp>
+        <p:nvSpPr>
+          <p:cNvPr id="5" name="Notes Placeholder 4"/>
+          <p:cNvSpPr>
+            <a:spLocks noGrp="1"/>
+          </p:cNvSpPr>
+          <p:nvPr>
+            <p:ph type="body" sz="quarter" idx="3"/>
+          </p:nvPr>
+        </p:nvSpPr>
+        <p:spPr>
+          <a:xfrm>
+            <a:off x="685800" y="4400550"/>
+            <a:ext cx="5486400" cy="3600450"/>
+          </a:xfrm>
+          <a:prstGeom prst="rect">
+            <a:avLst/>
+          </a:prstGeom>
+        </p:spPr>
+        <p:txBody>
+          <a:bodyPr vert="horz" lIns="91440" tIns="45720" rIns="91440" bIns="45720" rtlCol="0"/>
+          <a:lstStyle/>
+          <a:p>
+            <a:pPr lvl="0"/>
+            <a:r>
+              <a:rPr lang="en-US"/>
+              <a:t>Click to edit Master text styles</a:t>
+            </a:r>
+          </a:p>
+          <a:p>
+            <a:pPr lvl="1"/>
+            <a:r>
+              <a:rPr lang="en-US"/>
+              <a:t>Second level</a:t>
+            </a:r>
+          </a:p>
+          <a:p>
+            <a:pPr lvl="2"/>
+            <a:r>
+              <a:rPr lang="en-US"/>
+              <a:t>Third level</a:t>
+            </a:r>
+          </a:p>
+          <a:p>
+            <a:pPr lvl="3"/>
+            <a:r>
+              <a:rPr lang="en-US"/>
+              <a:t>Fourth level</a:t>
+            </a:r>
+          </a:p>
+          <a:p>
+            <a:pPr lvl="4"/>
+            <a:r>
+              <a:rPr lang="en-US"/>
+              <a:t>Fifth level</a:t>
+            </a:r>
+            <a:endParaRPr lang="en-GB"/>
+          </a:p>
+        </p:txBody>
+      </p:sp>
+      <p:sp>
+        <p:nvSpPr>
+          <p:cNvPr id="6" name="Footer Placeholder 5"/>
+          <p:cNvSpPr>
+            <a:spLocks noGrp="1"/>
+          </p:cNvSpPr>
+          <p:nvPr>
+            <p:ph type="ftr" sz="quarter" idx="4"/>
+          </p:nvPr>
+        </p:nvSpPr>
+        <p:spPr>
+          <a:xfrm>
+            <a:off x="0" y="8685213"/>
+            <a:ext cx="2971800" cy="458787"/>
+          </a:xfrm>
+          <a:prstGeom prst="rect">
+            <a:avLst/>
+          </a:prstGeom>
+        </p:spPr>
+        <p:txBody>
+          <a:bodyPr vert="horz" lIns="91440" tIns="45720" rIns="91440" bIns="45720" rtlCol="0" anchor="b"/>
+          <a:lstStyle>
+            <a:lvl1pPr algn="l">
+              <a:defRPr sz="1200"/>
+            </a:lvl1pPr>
+          </a:lstStyle>
+          <a:p>
+            <a:endParaRPr lang="en-GB"/>
+          </a:p>
+        </p:txBody>
+      </p:sp>
+      <p:sp>
+        <p:nvSpPr>
+          <p:cNvPr id="7" name="Slide Number Placeholder 6"/>
+          <p:cNvSpPr>
+            <a:spLocks noGrp="1"/>
+          </p:cNvSpPr>
+          <p:nvPr>
+            <p:ph type="sldNum" sz="quarter" idx="5"/>
+          </p:nvPr>
+        </p:nvSpPr>
+        <p:spPr>
+          <a:xfrm>
+            <a:off x="3884613" y="8685213"/>
+            <a:ext cx="2971800" cy="458787"/>
+          </a:xfrm>
+          <a:prstGeom prst="rect">
+            <a:avLst/>
+          </a:prstGeom>
+        </p:spPr>
+        <p:txBody>
+          <a:bodyPr vert="horz" lIns="91440" tIns="45720" rIns="91440" bIns="45720" rtlCol="0" anchor="b"/>
+          <a:lstStyle>
+            <a:lvl1pPr algn="r">
+              <a:defRPr sz="1200"/>
+            </a:lvl1pPr>
+          </a:lstStyle>
+          <a:p>
+            <a:fld id="{54575347-5F0D-47E6-9B79-039C30A83FDF}" type="slidenum">
+              <a:rPr lang="en-GB" smtClean="0"/>
+              <a:t>‹#›</a:t>
+            </a:fld>
+            <a:endParaRPr lang="en-GB"/>
+          </a:p>
+        </p:txBody>
+      </p:sp>
+    </p:spTree>
+    <p:extLst>
+      <p:ext uri="{BB962C8B-B14F-4D97-AF65-F5344CB8AC3E}">
+        <p14:creationId xmlns:p14="http://schemas.microsoft.com/office/powerpoint/2010/main" val="2519937137"/>
+      </p:ext>
+    </p:extLst>
+  </p:cSld>
+  <p:clrMap bg1="lt1" tx1="dk1" bg2="lt2" tx2="dk2" accent1="accent1" accent2="accent2" accent3="accent3" accent4="accent4" accent5="accent5" accent6="accent6" hlink="hlink" folHlink="folHlink"/>
+  <p:notesStyle>
+    <a:lvl1pPr marL="0" algn="l" defTabSz="914400" rtl="0" eaLnBrk="1" latinLnBrk="0" hangingPunct="1">
+      <a:defRPr sz="1200" kern="1200">
+        <a:solidFill>
+          <a:schemeClr val="tx1"/>
+        </a:solidFill>
+        <a:latin typeface="+mn-lt"/>
+        <a:ea typeface="+mn-ea"/>
+        <a:cs typeface="+mn-cs"/>
+      </a:defRPr>
+    </a:lvl1pPr>
+    <a:lvl2pPr marL="457200" algn="l" defTabSz="914400" rtl="0" eaLnBrk="1" latinLnBrk="0" hangingPunct="1">
+      <a:defRPr sz="1200" kern="1200">
+        <a:solidFill>
+          <a:schemeClr val="tx1"/>
+        </a:solidFill>
+        <a:latin typeface="+mn-lt"/>
+        <a:ea typeface="+mn-ea"/>
+        <a:cs typeface="+mn-cs"/>
+      </a:defRPr>
+    </a:lvl2pPr>
+    <a:lvl3pPr marL="914400" algn="l" defTabSz="914400" rtl="0" eaLnBrk="1" latinLnBrk="0" hangingPunct="1">
+      <a:defRPr sz="1200" kern="1200">
+        <a:solidFill>
+          <a:schemeClr val="tx1"/>
+        </a:solidFill>
+        <a:latin typeface="+mn-lt"/>
+        <a:ea typeface="+mn-ea"/>
+        <a:cs typeface="+mn-cs"/>
+      </a:defRPr>
+    </a:lvl3pPr>
+    <a:lvl4pPr marL="1371600" algn="l" defTabSz="914400" rtl="0" eaLnBrk="1" latinLnBrk="0" hangingPunct="1">
+      <a:defRPr sz="1200" kern="1200">
+        <a:solidFill>
+          <a:schemeClr val="tx1"/>
+        </a:solidFill>
+        <a:latin typeface="+mn-lt"/>
+        <a:ea typeface="+mn-ea"/>
+        <a:cs typeface="+mn-cs"/>
+      </a:defRPr>
+    </a:lvl4pPr>
+    <a:lvl5pPr marL="1828800" algn="l" defTabSz="914400" rtl="0" eaLnBrk="1" latinLnBrk="0" hangingPunct="1">
+      <a:defRPr sz="1200" kern="1200">
+        <a:solidFill>
+          <a:schemeClr val="tx1"/>
+        </a:solidFill>
+        <a:latin typeface="+mn-lt"/>
+        <a:ea typeface="+mn-ea"/>
+        <a:cs typeface="+mn-cs"/>
+      </a:defRPr>
+    </a:lvl5pPr>
+    <a:lvl6pPr marL="2286000" algn="l" defTabSz="914400" rtl="0" eaLnBrk="1" latinLnBrk="0" hangingPunct="1">
+      <a:defRPr sz="1200" kern="1200">
+        <a:solidFill>
+          <a:schemeClr val="tx1"/>
+        </a:solidFill>
+        <a:latin typeface="+mn-lt"/>
+        <a:ea typeface="+mn-ea"/>
+        <a:cs typeface="+mn-cs"/>
+      </a:defRPr>
+    </a:lvl6pPr>
+    <a:lvl7pPr marL="2743200" algn="l" defTabSz="914400" rtl="0" eaLnBrk="1" latinLnBrk="0" hangingPunct="1">
+      <a:defRPr sz="1200" kern="1200">
+        <a:solidFill>
+          <a:schemeClr val="tx1"/>
+        </a:solidFill>
+        <a:latin typeface="+mn-lt"/>
+        <a:ea typeface="+mn-ea"/>
+        <a:cs typeface="+mn-cs"/>
+      </a:defRPr>
+    </a:lvl7pPr>
+    <a:lvl8pPr marL="3200400" algn="l" defTabSz="914400" rtl="0" eaLnBrk="1" latinLnBrk="0" hangingPunct="1">
+      <a:defRPr sz="1200" kern="1200">
+        <a:solidFill>
+          <a:schemeClr val="tx1"/>
+        </a:solidFill>
+        <a:latin typeface="+mn-lt"/>
+        <a:ea typeface="+mn-ea"/>
+        <a:cs typeface="+mn-cs"/>
+      </a:defRPr>
+    </a:lvl8pPr>
+    <a:lvl9pPr marL="3657600" algn="l" defTabSz="914400" rtl="0" eaLnBrk="1" latinLnBrk="0" hangingPunct="1">
+      <a:defRPr sz="1200" kern="1200">
+        <a:solidFill>
+          <a:schemeClr val="tx1"/>
+        </a:solidFill>
+        <a:latin typeface="+mn-lt"/>
+        <a:ea typeface="+mn-ea"/>
+        <a:cs typeface="+mn-cs"/>
+      </a:defRPr>
+    </a:lvl9pPr>
+  </p:notesStyle>
+</p:notesMaster>
+</file>
+
+<file path=ppt/notesSlides/notesSlide1.xml><?xml version="1.0" encoding="utf-8"?>
+<p:notes xmlns:a="http://schemas.openxmlformats.org/drawingml/2006/main" xmlns:r="http://schemas.openxmlformats.org/officeDocument/2006/relationships" xmlns:p="http://schemas.openxmlformats.org/presentationml/2006/main">
+  <p:cSld>
+    <p:spTree>
+      <p:nvGrpSpPr>
+        <p:cNvPr id="1" name=""/>
+        <p:cNvGrpSpPr/>
+        <p:nvPr/>
+      </p:nvGrpSpPr>
+      <p:grpSpPr>
+        <a:xfrm>
+          <a:off x="0" y="0"/>
+          <a:ext cx="0" cy="0"/>
+          <a:chOff x="0" y="0"/>
+          <a:chExt cx="0" cy="0"/>
+        </a:xfrm>
+      </p:grpSpPr>
+      <p:sp>
+        <p:nvSpPr>
+          <p:cNvPr id="2" name="Slide Image Placeholder 1"/>
+          <p:cNvSpPr>
+            <a:spLocks noGrp="1" noRot="1" noChangeAspect="1"/>
+          </p:cNvSpPr>
+          <p:nvPr>
+            <p:ph type="sldImg"/>
+          </p:nvPr>
+        </p:nvSpPr>
+        <p:spPr/>
+      </p:sp>
+      <p:sp>
+        <p:nvSpPr>
+          <p:cNvPr id="3" name="Notes Placeholder 2"/>
+          <p:cNvSpPr>
+            <a:spLocks noGrp="1"/>
+          </p:cNvSpPr>
+          <p:nvPr>
+            <p:ph type="body" idx="1"/>
+          </p:nvPr>
+        </p:nvSpPr>
+        <p:spPr/>
+        <p:txBody>
+          <a:bodyPr/>
+          <a:lstStyle/>
+          <a:p>
+            <a:endParaRPr lang="en-US" dirty="0"/>
+          </a:p>
+        </p:txBody>
+      </p:sp>
+      <p:sp>
+        <p:nvSpPr>
+          <p:cNvPr id="4" name="Slide Number Placeholder 3"/>
+          <p:cNvSpPr>
+            <a:spLocks noGrp="1"/>
+          </p:cNvSpPr>
+          <p:nvPr>
+            <p:ph type="sldNum" sz="quarter" idx="10"/>
+          </p:nvPr>
+        </p:nvSpPr>
+        <p:spPr/>
+        <p:txBody>
+          <a:bodyPr/>
+          <a:lstStyle/>
+          <a:p>
+            <a:pPr>
+              <a:defRPr/>
+            </a:pPr>
+            <a:fld id="{3B16354E-6974-4833-AB87-3220A0835E84}" type="slidenum">
+              <a:rPr lang="en-US" altLang="en-US" smtClean="0"/>
+              <a:pPr>
+                <a:defRPr/>
+              </a:pPr>
+              <a:t>1</a:t>
+            </a:fld>
+            <a:endParaRPr lang="en-US" altLang="en-US"/>
+          </a:p>
+        </p:txBody>
+      </p:sp>
+    </p:spTree>
+    <p:extLst>
+      <p:ext uri="{BB962C8B-B14F-4D97-AF65-F5344CB8AC3E}">
+        <p14:creationId xmlns:p14="http://schemas.microsoft.com/office/powerpoint/2010/main" val="1274123559"/>
+      </p:ext>
+    </p:extLst>
+  </p:cSld>
+  <p:clrMapOvr>
+    <a:masterClrMapping/>
+  </p:clrMapOvr>
+</p:notes>
 </file>
 
 <file path=ppt/slideLayouts/slideLayout1.xml><?xml version="1.0" encoding="utf-8"?>
@@ -148,10 +608,9 @@
           <a:lstStyle/>
           <a:p>
             <a:r>
-              <a:rPr lang="en-US" smtClean="0"/>
+              <a:rPr lang="en-US"/>
               <a:t>Click to edit Master title style</a:t>
             </a:r>
-            <a:endParaRPr lang="en-US"/>
           </a:p>
         </p:txBody>
       </p:sp>
@@ -267,10 +726,9 @@
           </a:lstStyle>
           <a:p>
             <a:r>
-              <a:rPr lang="en-US" smtClean="0"/>
+              <a:rPr lang="en-US"/>
               <a:t>Click to edit Master subtitle style</a:t>
             </a:r>
-            <a:endParaRPr lang="en-US"/>
           </a:p>
         </p:txBody>
       </p:sp>
@@ -292,7 +750,7 @@
             <a:fld id="{1D8BD707-D9CF-40AE-B4C6-C98DA3205C09}" type="datetimeFigureOut">
               <a:rPr lang="en-US" smtClean="0"/>
               <a:pPr/>
-              <a:t>4/11/2017</a:t>
+              <a:t>8/7/2023</a:t>
             </a:fld>
             <a:endParaRPr lang="en-US"/>
           </a:p>
@@ -382,10 +840,9 @@
           <a:lstStyle/>
           <a:p>
             <a:r>
-              <a:rPr lang="en-US" smtClean="0"/>
+              <a:rPr lang="en-US"/>
               <a:t>Click to edit Master title style</a:t>
             </a:r>
-            <a:endParaRPr lang="en-US"/>
           </a:p>
         </p:txBody>
       </p:sp>
@@ -406,38 +863,37 @@
           <a:p>
             <a:pPr lvl="0"/>
             <a:r>
-              <a:rPr lang="en-US" smtClean="0"/>
+              <a:rPr lang="en-US"/>
               <a:t>Click to edit Master text styles</a:t>
             </a:r>
           </a:p>
           <a:p>
             <a:pPr lvl="1"/>
             <a:r>
-              <a:rPr lang="en-US" smtClean="0"/>
+              <a:rPr lang="en-US"/>
               <a:t>Second level</a:t>
             </a:r>
           </a:p>
           <a:p>
             <a:pPr lvl="2"/>
             <a:r>
-              <a:rPr lang="en-US" smtClean="0"/>
+              <a:rPr lang="en-US"/>
               <a:t>Third level</a:t>
             </a:r>
           </a:p>
           <a:p>
             <a:pPr lvl="3"/>
             <a:r>
-              <a:rPr lang="en-US" smtClean="0"/>
+              <a:rPr lang="en-US"/>
               <a:t>Fourth level</a:t>
             </a:r>
           </a:p>
           <a:p>
             <a:pPr lvl="4"/>
             <a:r>
-              <a:rPr lang="en-US" smtClean="0"/>
+              <a:rPr lang="en-US"/>
               <a:t>Fifth level</a:t>
             </a:r>
-            <a:endParaRPr lang="en-US"/>
           </a:p>
         </p:txBody>
       </p:sp>
@@ -459,7 +915,7 @@
             <a:fld id="{1D8BD707-D9CF-40AE-B4C6-C98DA3205C09}" type="datetimeFigureOut">
               <a:rPr lang="en-US" smtClean="0"/>
               <a:pPr/>
-              <a:t>4/11/2017</a:t>
+              <a:t>8/7/2023</a:t>
             </a:fld>
             <a:endParaRPr lang="en-US"/>
           </a:p>
@@ -554,10 +1010,9 @@
           <a:lstStyle/>
           <a:p>
             <a:r>
-              <a:rPr lang="en-US" smtClean="0"/>
+              <a:rPr lang="en-US"/>
               <a:t>Click to edit Master title style</a:t>
             </a:r>
-            <a:endParaRPr lang="en-US"/>
           </a:p>
         </p:txBody>
       </p:sp>
@@ -583,38 +1038,37 @@
           <a:p>
             <a:pPr lvl="0"/>
             <a:r>
-              <a:rPr lang="en-US" smtClean="0"/>
+              <a:rPr lang="en-US"/>
               <a:t>Click to edit Master text styles</a:t>
             </a:r>
           </a:p>
           <a:p>
             <a:pPr lvl="1"/>
             <a:r>
-              <a:rPr lang="en-US" smtClean="0"/>
+              <a:rPr lang="en-US"/>
               <a:t>Second level</a:t>
             </a:r>
           </a:p>
           <a:p>
             <a:pPr lvl="2"/>
             <a:r>
-              <a:rPr lang="en-US" smtClean="0"/>
+              <a:rPr lang="en-US"/>
               <a:t>Third level</a:t>
             </a:r>
           </a:p>
           <a:p>
             <a:pPr lvl="3"/>
             <a:r>
-              <a:rPr lang="en-US" smtClean="0"/>
+              <a:rPr lang="en-US"/>
               <a:t>Fourth level</a:t>
             </a:r>
           </a:p>
           <a:p>
             <a:pPr lvl="4"/>
             <a:r>
-              <a:rPr lang="en-US" smtClean="0"/>
+              <a:rPr lang="en-US"/>
               <a:t>Fifth level</a:t>
             </a:r>
-            <a:endParaRPr lang="en-US"/>
           </a:p>
         </p:txBody>
       </p:sp>
@@ -636,7 +1090,7 @@
             <a:fld id="{1D8BD707-D9CF-40AE-B4C6-C98DA3205C09}" type="datetimeFigureOut">
               <a:rPr lang="en-US" smtClean="0"/>
               <a:pPr/>
-              <a:t>4/11/2017</a:t>
+              <a:t>8/7/2023</a:t>
             </a:fld>
             <a:endParaRPr lang="en-US"/>
           </a:p>
@@ -686,6 +1140,253 @@
         </p:txBody>
       </p:sp>
     </p:spTree>
+  </p:cSld>
+  <p:clrMapOvr>
+    <a:masterClrMapping/>
+  </p:clrMapOvr>
+</p:sldLayout>
+</file>
+
+<file path=ppt/slideLayouts/slideLayout12.xml><?xml version="1.0" encoding="utf-8"?>
+<p:sldLayout xmlns:a="http://schemas.openxmlformats.org/drawingml/2006/main" xmlns:r="http://schemas.openxmlformats.org/officeDocument/2006/relationships" xmlns:p="http://schemas.openxmlformats.org/presentationml/2006/main" userDrawn="1">
+  <p:cSld name="1 column slide w/ Sub">
+    <p:spTree>
+      <p:nvGrpSpPr>
+        <p:cNvPr id="1" name=""/>
+        <p:cNvGrpSpPr/>
+        <p:nvPr/>
+      </p:nvGrpSpPr>
+      <p:grpSpPr>
+        <a:xfrm>
+          <a:off x="0" y="0"/>
+          <a:ext cx="0" cy="0"/>
+          <a:chOff x="0" y="0"/>
+          <a:chExt cx="0" cy="0"/>
+        </a:xfrm>
+      </p:grpSpPr>
+      <p:sp>
+        <p:nvSpPr>
+          <p:cNvPr id="2" name="Title 1"/>
+          <p:cNvSpPr>
+            <a:spLocks noGrp="1"/>
+          </p:cNvSpPr>
+          <p:nvPr>
+            <p:ph type="title" hasCustomPrompt="1"/>
+          </p:nvPr>
+        </p:nvSpPr>
+        <p:spPr>
+          <a:xfrm>
+            <a:off x="359569" y="398585"/>
+            <a:ext cx="8424863" cy="427358"/>
+          </a:xfrm>
+        </p:spPr>
+        <p:txBody>
+          <a:bodyPr anchor="t"/>
+          <a:lstStyle/>
+          <a:p>
+            <a:r>
+              <a:rPr lang="en-US" dirty="0"/>
+              <a:t>Click to Edit Title Style</a:t>
+            </a:r>
+          </a:p>
+        </p:txBody>
+      </p:sp>
+      <p:sp>
+        <p:nvSpPr>
+          <p:cNvPr id="44" name="Text Placeholder 43"/>
+          <p:cNvSpPr>
+            <a:spLocks noGrp="1"/>
+          </p:cNvSpPr>
+          <p:nvPr>
+            <p:ph type="body" sz="quarter" idx="13" hasCustomPrompt="1"/>
+          </p:nvPr>
+        </p:nvSpPr>
+        <p:spPr>
+          <a:xfrm>
+            <a:off x="359569" y="825943"/>
+            <a:ext cx="8424863" cy="287073"/>
+          </a:xfrm>
+        </p:spPr>
+        <p:txBody>
+          <a:bodyPr/>
+          <a:lstStyle>
+            <a:lvl1pPr marL="0" indent="0">
+              <a:buNone/>
+              <a:defRPr lang="en-US" sz="1800">
+                <a:solidFill>
+                  <a:schemeClr val="accent6"/>
+                </a:solidFill>
+              </a:defRPr>
+            </a:lvl1pPr>
+          </a:lstStyle>
+          <a:p>
+            <a:pPr lvl="0"/>
+            <a:r>
+              <a:rPr lang="en-US" dirty="0"/>
+              <a:t>Click to edit text styles</a:t>
+            </a:r>
+          </a:p>
+        </p:txBody>
+      </p:sp>
+      <p:sp>
+        <p:nvSpPr>
+          <p:cNvPr id="7" name="Text Placeholder 2"/>
+          <p:cNvSpPr>
+            <a:spLocks noGrp="1"/>
+          </p:cNvSpPr>
+          <p:nvPr>
+            <p:ph idx="1" hasCustomPrompt="1"/>
+          </p:nvPr>
+        </p:nvSpPr>
+        <p:spPr>
+          <a:xfrm>
+            <a:off x="359569" y="1295408"/>
+            <a:ext cx="8424863" cy="3794361"/>
+          </a:xfrm>
+          <a:prstGeom prst="rect">
+            <a:avLst/>
+          </a:prstGeom>
+        </p:spPr>
+        <p:txBody>
+          <a:bodyPr/>
+          <a:lstStyle>
+            <a:lvl1pPr marL="257175" indent="-257175">
+              <a:lnSpc>
+                <a:spcPct val="100000"/>
+              </a:lnSpc>
+              <a:spcBef>
+                <a:spcPts val="450"/>
+              </a:spcBef>
+              <a:spcAft>
+                <a:spcPts val="0"/>
+              </a:spcAft>
+              <a:buClr>
+                <a:schemeClr val="accent1"/>
+              </a:buClr>
+              <a:buFontTx/>
+              <a:buBlip>
+                <a:blip r:embed="rId2">
+                  <a:extLst>
+                    <a:ext uri="{96DAC541-7B7A-43D3-8B79-37D633B846F1}">
+                      <asvg:svgBlip xmlns:asvg="http://schemas.microsoft.com/office/drawing/2016/SVG/main" r:embed="rId3"/>
+                    </a:ext>
+                  </a:extLst>
+                </a:blip>
+              </a:buBlip>
+              <a:defRPr sz="1800">
+                <a:solidFill>
+                  <a:schemeClr val="tx2"/>
+                </a:solidFill>
+              </a:defRPr>
+            </a:lvl1pPr>
+            <a:lvl2pPr>
+              <a:lnSpc>
+                <a:spcPct val="100000"/>
+              </a:lnSpc>
+              <a:spcAft>
+                <a:spcPts val="0"/>
+              </a:spcAft>
+              <a:buClr>
+                <a:schemeClr val="accent1"/>
+              </a:buClr>
+              <a:defRPr sz="1500">
+                <a:solidFill>
+                  <a:schemeClr val="tx2"/>
+                </a:solidFill>
+              </a:defRPr>
+            </a:lvl2pPr>
+            <a:lvl3pPr>
+              <a:lnSpc>
+                <a:spcPct val="100000"/>
+              </a:lnSpc>
+              <a:spcAft>
+                <a:spcPts val="0"/>
+              </a:spcAft>
+              <a:buClr>
+                <a:schemeClr val="accent1"/>
+              </a:buClr>
+              <a:defRPr>
+                <a:solidFill>
+                  <a:schemeClr val="tx2"/>
+                </a:solidFill>
+              </a:defRPr>
+            </a:lvl3pPr>
+            <a:lvl4pPr>
+              <a:lnSpc>
+                <a:spcPct val="100000"/>
+              </a:lnSpc>
+              <a:spcAft>
+                <a:spcPts val="0"/>
+              </a:spcAft>
+              <a:buClr>
+                <a:schemeClr val="accent1"/>
+              </a:buClr>
+              <a:defRPr>
+                <a:solidFill>
+                  <a:schemeClr val="tx2"/>
+                </a:solidFill>
+              </a:defRPr>
+            </a:lvl4pPr>
+            <a:lvl5pPr>
+              <a:lnSpc>
+                <a:spcPct val="100000"/>
+              </a:lnSpc>
+              <a:spcAft>
+                <a:spcPts val="0"/>
+              </a:spcAft>
+              <a:buClr>
+                <a:schemeClr val="accent1"/>
+              </a:buClr>
+              <a:defRPr>
+                <a:solidFill>
+                  <a:schemeClr val="tx2"/>
+                </a:solidFill>
+              </a:defRPr>
+            </a:lvl5pPr>
+          </a:lstStyle>
+          <a:p>
+            <a:pPr lvl="0"/>
+            <a:r>
+              <a:rPr lang="en-US" dirty="0"/>
+              <a:t>Click to edit text styles</a:t>
+            </a:r>
+          </a:p>
+          <a:p>
+            <a:pPr lvl="1"/>
+            <a:r>
+              <a:rPr lang="en-US" dirty="0"/>
+              <a:t>Second level</a:t>
+            </a:r>
+          </a:p>
+          <a:p>
+            <a:pPr lvl="2"/>
+            <a:r>
+              <a:rPr lang="en-US" dirty="0"/>
+              <a:t>Third level</a:t>
+            </a:r>
+          </a:p>
+          <a:p>
+            <a:pPr lvl="3"/>
+            <a:r>
+              <a:rPr lang="en-US" dirty="0"/>
+              <a:t>Fourth level</a:t>
+            </a:r>
+          </a:p>
+          <a:p>
+            <a:pPr lvl="4"/>
+            <a:r>
+              <a:rPr lang="en-US" dirty="0"/>
+              <a:t>Fifth level</a:t>
+            </a:r>
+          </a:p>
+        </p:txBody>
+      </p:sp>
+    </p:spTree>
+    <p:extLst>
+      <p:ext uri="{BB962C8B-B14F-4D97-AF65-F5344CB8AC3E}">
+        <p14:creationId xmlns:p14="http://schemas.microsoft.com/office/powerpoint/2010/main" val="3924617516"/>
+      </p:ext>
+    </p:extLst>
   </p:cSld>
   <p:clrMapOvr>
     <a:masterClrMapping/>
@@ -726,10 +1427,9 @@
           <a:lstStyle/>
           <a:p>
             <a:r>
-              <a:rPr lang="en-US" smtClean="0"/>
+              <a:rPr lang="en-US"/>
               <a:t>Click to edit Master title style</a:t>
             </a:r>
-            <a:endParaRPr lang="en-US"/>
           </a:p>
         </p:txBody>
       </p:sp>
@@ -750,38 +1450,37 @@
           <a:p>
             <a:pPr lvl="0"/>
             <a:r>
-              <a:rPr lang="en-US" smtClean="0"/>
+              <a:rPr lang="en-US"/>
               <a:t>Click to edit Master text styles</a:t>
             </a:r>
           </a:p>
           <a:p>
             <a:pPr lvl="1"/>
             <a:r>
-              <a:rPr lang="en-US" smtClean="0"/>
+              <a:rPr lang="en-US"/>
               <a:t>Second level</a:t>
             </a:r>
           </a:p>
           <a:p>
             <a:pPr lvl="2"/>
             <a:r>
-              <a:rPr lang="en-US" smtClean="0"/>
+              <a:rPr lang="en-US"/>
               <a:t>Third level</a:t>
             </a:r>
           </a:p>
           <a:p>
             <a:pPr lvl="3"/>
             <a:r>
-              <a:rPr lang="en-US" smtClean="0"/>
+              <a:rPr lang="en-US"/>
               <a:t>Fourth level</a:t>
             </a:r>
           </a:p>
           <a:p>
             <a:pPr lvl="4"/>
             <a:r>
-              <a:rPr lang="en-US" smtClean="0"/>
+              <a:rPr lang="en-US"/>
               <a:t>Fifth level</a:t>
             </a:r>
-            <a:endParaRPr lang="en-US"/>
           </a:p>
         </p:txBody>
       </p:sp>
@@ -803,7 +1502,7 @@
             <a:fld id="{1D8BD707-D9CF-40AE-B4C6-C98DA3205C09}" type="datetimeFigureOut">
               <a:rPr lang="en-US" smtClean="0"/>
               <a:pPr/>
-              <a:t>4/11/2017</a:t>
+              <a:t>8/7/2023</a:t>
             </a:fld>
             <a:endParaRPr lang="en-US"/>
           </a:p>
@@ -902,10 +1601,9 @@
           </a:lstStyle>
           <a:p>
             <a:r>
-              <a:rPr lang="en-US" smtClean="0"/>
+              <a:rPr lang="en-US"/>
               <a:t>Click to edit Master title style</a:t>
             </a:r>
-            <a:endParaRPr lang="en-US"/>
           </a:p>
         </p:txBody>
       </p:sp>
@@ -1022,7 +1720,7 @@
           <a:p>
             <a:pPr lvl="0"/>
             <a:r>
-              <a:rPr lang="en-US" smtClean="0"/>
+              <a:rPr lang="en-US"/>
               <a:t>Click to edit Master text styles</a:t>
             </a:r>
           </a:p>
@@ -1046,7 +1744,7 @@
             <a:fld id="{1D8BD707-D9CF-40AE-B4C6-C98DA3205C09}" type="datetimeFigureOut">
               <a:rPr lang="en-US" smtClean="0"/>
               <a:pPr/>
-              <a:t>4/11/2017</a:t>
+              <a:t>8/7/2023</a:t>
             </a:fld>
             <a:endParaRPr lang="en-US"/>
           </a:p>
@@ -1136,10 +1834,9 @@
           <a:lstStyle/>
           <a:p>
             <a:r>
-              <a:rPr lang="en-US" smtClean="0"/>
+              <a:rPr lang="en-US"/>
               <a:t>Click to edit Master title style</a:t>
             </a:r>
-            <a:endParaRPr lang="en-US"/>
           </a:p>
         </p:txBody>
       </p:sp>
@@ -1193,38 +1890,37 @@
           <a:p>
             <a:pPr lvl="0"/>
             <a:r>
-              <a:rPr lang="en-US" smtClean="0"/>
+              <a:rPr lang="en-US"/>
               <a:t>Click to edit Master text styles</a:t>
             </a:r>
           </a:p>
           <a:p>
             <a:pPr lvl="1"/>
             <a:r>
-              <a:rPr lang="en-US" smtClean="0"/>
+              <a:rPr lang="en-US"/>
               <a:t>Second level</a:t>
             </a:r>
           </a:p>
           <a:p>
             <a:pPr lvl="2"/>
             <a:r>
-              <a:rPr lang="en-US" smtClean="0"/>
+              <a:rPr lang="en-US"/>
               <a:t>Third level</a:t>
             </a:r>
           </a:p>
           <a:p>
             <a:pPr lvl="3"/>
             <a:r>
-              <a:rPr lang="en-US" smtClean="0"/>
+              <a:rPr lang="en-US"/>
               <a:t>Fourth level</a:t>
             </a:r>
           </a:p>
           <a:p>
             <a:pPr lvl="4"/>
             <a:r>
-              <a:rPr lang="en-US" smtClean="0"/>
+              <a:rPr lang="en-US"/>
               <a:t>Fifth level</a:t>
             </a:r>
-            <a:endParaRPr lang="en-US"/>
           </a:p>
         </p:txBody>
       </p:sp>
@@ -1278,38 +1974,37 @@
           <a:p>
             <a:pPr lvl="0"/>
             <a:r>
-              <a:rPr lang="en-US" smtClean="0"/>
+              <a:rPr lang="en-US"/>
               <a:t>Click to edit Master text styles</a:t>
             </a:r>
           </a:p>
           <a:p>
             <a:pPr lvl="1"/>
             <a:r>
-              <a:rPr lang="en-US" smtClean="0"/>
+              <a:rPr lang="en-US"/>
               <a:t>Second level</a:t>
             </a:r>
           </a:p>
           <a:p>
             <a:pPr lvl="2"/>
             <a:r>
-              <a:rPr lang="en-US" smtClean="0"/>
+              <a:rPr lang="en-US"/>
               <a:t>Third level</a:t>
             </a:r>
           </a:p>
           <a:p>
             <a:pPr lvl="3"/>
             <a:r>
-              <a:rPr lang="en-US" smtClean="0"/>
+              <a:rPr lang="en-US"/>
               <a:t>Fourth level</a:t>
             </a:r>
           </a:p>
           <a:p>
             <a:pPr lvl="4"/>
             <a:r>
-              <a:rPr lang="en-US" smtClean="0"/>
+              <a:rPr lang="en-US"/>
               <a:t>Fifth level</a:t>
             </a:r>
-            <a:endParaRPr lang="en-US"/>
           </a:p>
         </p:txBody>
       </p:sp>
@@ -1331,7 +2026,7 @@
             <a:fld id="{1D8BD707-D9CF-40AE-B4C6-C98DA3205C09}" type="datetimeFigureOut">
               <a:rPr lang="en-US" smtClean="0"/>
               <a:pPr/>
-              <a:t>4/11/2017</a:t>
+              <a:t>8/7/2023</a:t>
             </a:fld>
             <a:endParaRPr lang="en-US"/>
           </a:p>
@@ -1425,10 +2120,9 @@
           </a:lstStyle>
           <a:p>
             <a:r>
-              <a:rPr lang="en-US" smtClean="0"/>
+              <a:rPr lang="en-US"/>
               <a:t>Click to edit Master title style</a:t>
             </a:r>
-            <a:endParaRPr lang="en-US"/>
           </a:p>
         </p:txBody>
       </p:sp>
@@ -1491,7 +2185,7 @@
           <a:p>
             <a:pPr lvl="0"/>
             <a:r>
-              <a:rPr lang="en-US" smtClean="0"/>
+              <a:rPr lang="en-US"/>
               <a:t>Click to edit Master text styles</a:t>
             </a:r>
           </a:p>
@@ -1547,38 +2241,37 @@
           <a:p>
             <a:pPr lvl="0"/>
             <a:r>
-              <a:rPr lang="en-US" smtClean="0"/>
+              <a:rPr lang="en-US"/>
               <a:t>Click to edit Master text styles</a:t>
             </a:r>
           </a:p>
           <a:p>
             <a:pPr lvl="1"/>
             <a:r>
-              <a:rPr lang="en-US" smtClean="0"/>
+              <a:rPr lang="en-US"/>
               <a:t>Second level</a:t>
             </a:r>
           </a:p>
           <a:p>
             <a:pPr lvl="2"/>
             <a:r>
-              <a:rPr lang="en-US" smtClean="0"/>
+              <a:rPr lang="en-US"/>
               <a:t>Third level</a:t>
             </a:r>
           </a:p>
           <a:p>
             <a:pPr lvl="3"/>
             <a:r>
-              <a:rPr lang="en-US" smtClean="0"/>
+              <a:rPr lang="en-US"/>
               <a:t>Fourth level</a:t>
             </a:r>
           </a:p>
           <a:p>
             <a:pPr lvl="4"/>
             <a:r>
-              <a:rPr lang="en-US" smtClean="0"/>
+              <a:rPr lang="en-US"/>
               <a:t>Fifth level</a:t>
             </a:r>
-            <a:endParaRPr lang="en-US"/>
           </a:p>
         </p:txBody>
       </p:sp>
@@ -1641,7 +2334,7 @@
           <a:p>
             <a:pPr lvl="0"/>
             <a:r>
-              <a:rPr lang="en-US" smtClean="0"/>
+              <a:rPr lang="en-US"/>
               <a:t>Click to edit Master text styles</a:t>
             </a:r>
           </a:p>
@@ -1697,38 +2390,37 @@
           <a:p>
             <a:pPr lvl="0"/>
             <a:r>
-              <a:rPr lang="en-US" smtClean="0"/>
+              <a:rPr lang="en-US"/>
               <a:t>Click to edit Master text styles</a:t>
             </a:r>
           </a:p>
           <a:p>
             <a:pPr lvl="1"/>
             <a:r>
-              <a:rPr lang="en-US" smtClean="0"/>
+              <a:rPr lang="en-US"/>
               <a:t>Second level</a:t>
             </a:r>
           </a:p>
           <a:p>
             <a:pPr lvl="2"/>
             <a:r>
-              <a:rPr lang="en-US" smtClean="0"/>
+              <a:rPr lang="en-US"/>
               <a:t>Third level</a:t>
             </a:r>
           </a:p>
           <a:p>
             <a:pPr lvl="3"/>
             <a:r>
-              <a:rPr lang="en-US" smtClean="0"/>
+              <a:rPr lang="en-US"/>
               <a:t>Fourth level</a:t>
             </a:r>
           </a:p>
           <a:p>
             <a:pPr lvl="4"/>
             <a:r>
-              <a:rPr lang="en-US" smtClean="0"/>
+              <a:rPr lang="en-US"/>
               <a:t>Fifth level</a:t>
             </a:r>
-            <a:endParaRPr lang="en-US"/>
           </a:p>
         </p:txBody>
       </p:sp>
@@ -1750,7 +2442,7 @@
             <a:fld id="{1D8BD707-D9CF-40AE-B4C6-C98DA3205C09}" type="datetimeFigureOut">
               <a:rPr lang="en-US" smtClean="0"/>
               <a:pPr/>
-              <a:t>4/11/2017</a:t>
+              <a:t>8/7/2023</a:t>
             </a:fld>
             <a:endParaRPr lang="en-US"/>
           </a:p>
@@ -1840,10 +2532,9 @@
           <a:lstStyle/>
           <a:p>
             <a:r>
-              <a:rPr lang="en-US" smtClean="0"/>
+              <a:rPr lang="en-US"/>
               <a:t>Click to edit Master title style</a:t>
             </a:r>
-            <a:endParaRPr lang="en-US"/>
           </a:p>
         </p:txBody>
       </p:sp>
@@ -1865,7 +2556,7 @@
             <a:fld id="{1D8BD707-D9CF-40AE-B4C6-C98DA3205C09}" type="datetimeFigureOut">
               <a:rPr lang="en-US" smtClean="0"/>
               <a:pPr/>
-              <a:t>4/11/2017</a:t>
+              <a:t>8/7/2023</a:t>
             </a:fld>
             <a:endParaRPr lang="en-US"/>
           </a:p>
@@ -1957,7 +2648,7 @@
             <a:fld id="{1D8BD707-D9CF-40AE-B4C6-C98DA3205C09}" type="datetimeFigureOut">
               <a:rPr lang="en-US" smtClean="0"/>
               <a:pPr/>
-              <a:t>4/11/2017</a:t>
+              <a:t>8/7/2023</a:t>
             </a:fld>
             <a:endParaRPr lang="en-US"/>
           </a:p>
@@ -2056,10 +2747,9 @@
           </a:lstStyle>
           <a:p>
             <a:r>
-              <a:rPr lang="en-US" smtClean="0"/>
+              <a:rPr lang="en-US"/>
               <a:t>Click to edit Master title style</a:t>
             </a:r>
-            <a:endParaRPr lang="en-US"/>
           </a:p>
         </p:txBody>
       </p:sp>
@@ -2113,38 +2803,37 @@
           <a:p>
             <a:pPr lvl="0"/>
             <a:r>
-              <a:rPr lang="en-US" smtClean="0"/>
+              <a:rPr lang="en-US"/>
               <a:t>Click to edit Master text styles</a:t>
             </a:r>
           </a:p>
           <a:p>
             <a:pPr lvl="1"/>
             <a:r>
-              <a:rPr lang="en-US" smtClean="0"/>
+              <a:rPr lang="en-US"/>
               <a:t>Second level</a:t>
             </a:r>
           </a:p>
           <a:p>
             <a:pPr lvl="2"/>
             <a:r>
-              <a:rPr lang="en-US" smtClean="0"/>
+              <a:rPr lang="en-US"/>
               <a:t>Third level</a:t>
             </a:r>
           </a:p>
           <a:p>
             <a:pPr lvl="3"/>
             <a:r>
-              <a:rPr lang="en-US" smtClean="0"/>
+              <a:rPr lang="en-US"/>
               <a:t>Fourth level</a:t>
             </a:r>
           </a:p>
           <a:p>
             <a:pPr lvl="4"/>
             <a:r>
-              <a:rPr lang="en-US" smtClean="0"/>
+              <a:rPr lang="en-US"/>
               <a:t>Fifth level</a:t>
             </a:r>
-            <a:endParaRPr lang="en-US"/>
           </a:p>
         </p:txBody>
       </p:sp>
@@ -2207,7 +2896,7 @@
           <a:p>
             <a:pPr lvl="0"/>
             <a:r>
-              <a:rPr lang="en-US" smtClean="0"/>
+              <a:rPr lang="en-US"/>
               <a:t>Click to edit Master text styles</a:t>
             </a:r>
           </a:p>
@@ -2231,7 +2920,7 @@
             <a:fld id="{1D8BD707-D9CF-40AE-B4C6-C98DA3205C09}" type="datetimeFigureOut">
               <a:rPr lang="en-US" smtClean="0"/>
               <a:pPr/>
-              <a:t>4/11/2017</a:t>
+              <a:t>8/7/2023</a:t>
             </a:fld>
             <a:endParaRPr lang="en-US"/>
           </a:p>
@@ -2330,10 +3019,9 @@
           </a:lstStyle>
           <a:p>
             <a:r>
-              <a:rPr lang="en-US" smtClean="0"/>
+              <a:rPr lang="en-US"/>
               <a:t>Click to edit Master title style</a:t>
             </a:r>
-            <a:endParaRPr lang="en-US"/>
           </a:p>
         </p:txBody>
       </p:sp>
@@ -2457,7 +3145,7 @@
           <a:p>
             <a:pPr lvl="0"/>
             <a:r>
-              <a:rPr lang="en-US" smtClean="0"/>
+              <a:rPr lang="en-US"/>
               <a:t>Click to edit Master text styles</a:t>
             </a:r>
           </a:p>
@@ -2481,7 +3169,7 @@
             <a:fld id="{1D8BD707-D9CF-40AE-B4C6-C98DA3205C09}" type="datetimeFigureOut">
               <a:rPr lang="en-US" smtClean="0"/>
               <a:pPr/>
-              <a:t>4/11/2017</a:t>
+              <a:t>8/7/2023</a:t>
             </a:fld>
             <a:endParaRPr lang="en-US"/>
           </a:p>
@@ -2586,10 +3274,9 @@
           <a:lstStyle/>
           <a:p>
             <a:r>
-              <a:rPr lang="en-US" smtClean="0"/>
+              <a:rPr lang="en-US"/>
               <a:t>Click to edit Master title style</a:t>
             </a:r>
-            <a:endParaRPr lang="en-US"/>
           </a:p>
         </p:txBody>
       </p:sp>
@@ -2620,38 +3307,37 @@
           <a:p>
             <a:pPr lvl="0"/>
             <a:r>
-              <a:rPr lang="en-US" smtClean="0"/>
+              <a:rPr lang="en-US"/>
               <a:t>Click to edit Master text styles</a:t>
             </a:r>
           </a:p>
           <a:p>
             <a:pPr lvl="1"/>
             <a:r>
-              <a:rPr lang="en-US" smtClean="0"/>
+              <a:rPr lang="en-US"/>
               <a:t>Second level</a:t>
             </a:r>
           </a:p>
           <a:p>
             <a:pPr lvl="2"/>
             <a:r>
-              <a:rPr lang="en-US" smtClean="0"/>
+              <a:rPr lang="en-US"/>
               <a:t>Third level</a:t>
             </a:r>
           </a:p>
           <a:p>
             <a:pPr lvl="3"/>
             <a:r>
-              <a:rPr lang="en-US" smtClean="0"/>
+              <a:rPr lang="en-US"/>
               <a:t>Fourth level</a:t>
             </a:r>
           </a:p>
           <a:p>
             <a:pPr lvl="4"/>
             <a:r>
-              <a:rPr lang="en-US" smtClean="0"/>
+              <a:rPr lang="en-US"/>
               <a:t>Fifth level</a:t>
             </a:r>
-            <a:endParaRPr lang="en-US"/>
           </a:p>
         </p:txBody>
       </p:sp>
@@ -2691,7 +3377,7 @@
             <a:fld id="{1D8BD707-D9CF-40AE-B4C6-C98DA3205C09}" type="datetimeFigureOut">
               <a:rPr lang="en-US" smtClean="0"/>
               <a:pPr/>
-              <a:t>4/11/2017</a:t>
+              <a:t>8/7/2023</a:t>
             </a:fld>
             <a:endParaRPr lang="en-US"/>
           </a:p>
@@ -2791,6 +3477,7 @@
     <p:sldLayoutId id="2147483657" r:id="rId9"/>
     <p:sldLayoutId id="2147483658" r:id="rId10"/>
     <p:sldLayoutId id="2147483659" r:id="rId11"/>
+    <p:sldLayoutId id="2147483660" r:id="rId12"/>
   </p:sldLayoutIdLst>
   <p:txStyles>
     <p:titleStyle>
@@ -3062,32 +3749,325 @@
           <a:chExt cx="0" cy="0"/>
         </a:xfrm>
       </p:grpSpPr>
+      <p:sp>
+        <p:nvSpPr>
+          <p:cNvPr id="3" name="Title 2">
+            <a:extLst>
+              <a:ext uri="{FF2B5EF4-FFF2-40B4-BE49-F238E27FC236}">
+                <a16:creationId xmlns:a16="http://schemas.microsoft.com/office/drawing/2014/main" id="{4FEC56CB-B2BA-49CA-B7D9-83128DBBAE56}"/>
+              </a:ext>
+            </a:extLst>
+          </p:cNvPr>
+          <p:cNvSpPr>
+            <a:spLocks noGrp="1"/>
+          </p:cNvSpPr>
+          <p:nvPr>
+            <p:ph type="title"/>
+          </p:nvPr>
+        </p:nvSpPr>
+        <p:spPr/>
+        <p:txBody>
+          <a:bodyPr>
+            <a:normAutofit fontScale="90000"/>
+          </a:bodyPr>
+          <a:lstStyle/>
+          <a:p>
+            <a:r>
+              <a:rPr lang="en-US" dirty="0"/>
+              <a:t>CMSIS-RTOS2</a:t>
+            </a:r>
+          </a:p>
+        </p:txBody>
+      </p:sp>
+      <p:sp>
+        <p:nvSpPr>
+          <p:cNvPr id="9" name="Rectangle 8">
+            <a:extLst>
+              <a:ext uri="{FF2B5EF4-FFF2-40B4-BE49-F238E27FC236}">
+                <a16:creationId xmlns:a16="http://schemas.microsoft.com/office/drawing/2014/main" id="{C4FBA1DF-A54D-4446-B72E-55901B365D52}"/>
+              </a:ext>
+            </a:extLst>
+          </p:cNvPr>
+          <p:cNvSpPr/>
+          <p:nvPr/>
+        </p:nvSpPr>
+        <p:spPr bwMode="auto">
+          <a:xfrm>
+            <a:off x="2123088" y="1634744"/>
+            <a:ext cx="2700000" cy="432000"/>
+          </a:xfrm>
+          <a:prstGeom prst="rect">
+            <a:avLst/>
+          </a:prstGeom>
+          <a:solidFill>
+            <a:schemeClr val="bg1">
+              <a:lumMod val="65000"/>
+            </a:schemeClr>
+          </a:solidFill>
+          <a:ln w="19050" cap="flat" cmpd="sng" algn="ctr">
+            <a:noFill/>
+            <a:prstDash val="solid"/>
+            <a:round/>
+            <a:headEnd type="none" w="med" len="med"/>
+            <a:tailEnd type="none" w="med" len="med"/>
+          </a:ln>
+          <a:effectLst/>
+        </p:spPr>
+        <p:txBody>
+          <a:bodyPr wrap="none" anchor="ctr"/>
+          <a:lstStyle/>
+          <a:p>
+            <a:pPr algn="ctr">
+              <a:defRPr/>
+            </a:pPr>
+            <a:r>
+              <a:rPr lang="en-US" sz="1500" dirty="0">
+                <a:solidFill>
+                  <a:schemeClr val="bg1"/>
+                </a:solidFill>
+              </a:rPr>
+              <a:t>Application/Middleware</a:t>
+            </a:r>
+            <a:endParaRPr lang="en-US" sz="1500" dirty="0">
+              <a:solidFill>
+                <a:schemeClr val="bg1"/>
+              </a:solidFill>
+              <a:latin typeface="Courier New" pitchFamily="49" charset="0"/>
+              <a:cs typeface="Courier New" pitchFamily="49" charset="0"/>
+            </a:endParaRPr>
+          </a:p>
+        </p:txBody>
+      </p:sp>
+      <p:sp>
+        <p:nvSpPr>
+          <p:cNvPr id="11" name="Rectangle 10">
+            <a:extLst>
+              <a:ext uri="{FF2B5EF4-FFF2-40B4-BE49-F238E27FC236}">
+                <a16:creationId xmlns:a16="http://schemas.microsoft.com/office/drawing/2014/main" id="{A1E9281F-0F54-4FC6-A1A5-27C9D5E5B281}"/>
+              </a:ext>
+            </a:extLst>
+          </p:cNvPr>
+          <p:cNvSpPr/>
+          <p:nvPr/>
+        </p:nvSpPr>
+        <p:spPr bwMode="auto">
+          <a:xfrm>
+            <a:off x="2155199" y="2460789"/>
+            <a:ext cx="2158125" cy="439806"/>
+          </a:xfrm>
+          <a:prstGeom prst="rect">
+            <a:avLst/>
+          </a:prstGeom>
+          <a:solidFill>
+            <a:schemeClr val="accent5"/>
+          </a:solidFill>
+          <a:ln w="19050" cap="flat" cmpd="sng" algn="ctr">
+            <a:noFill/>
+            <a:prstDash val="solid"/>
+            <a:round/>
+            <a:headEnd type="none" w="med" len="med"/>
+            <a:tailEnd type="none" w="med" len="med"/>
+          </a:ln>
+          <a:effectLst/>
+        </p:spPr>
+        <p:txBody>
+          <a:bodyPr wrap="none" anchor="ctr"/>
+          <a:lstStyle/>
+          <a:p>
+            <a:pPr algn="ctr">
+              <a:defRPr/>
+            </a:pPr>
+            <a:r>
+              <a:rPr lang="en-US" altLang="en-US" sz="1350" dirty="0">
+                <a:solidFill>
+                  <a:schemeClr val="bg1"/>
+                </a:solidFill>
+              </a:rPr>
+              <a:t>CMSIS-RTOS2 API</a:t>
+            </a:r>
+          </a:p>
+          <a:p>
+            <a:pPr algn="ctr">
+              <a:defRPr/>
+            </a:pPr>
+            <a:r>
+              <a:rPr lang="en-US" altLang="en-US" sz="1250" dirty="0">
+                <a:solidFill>
+                  <a:schemeClr val="bg1"/>
+                </a:solidFill>
+              </a:rPr>
+              <a:t>cmsis_os2.h</a:t>
+            </a:r>
+          </a:p>
+        </p:txBody>
+      </p:sp>
+      <p:sp>
+        <p:nvSpPr>
+          <p:cNvPr id="19" name="Rectangle 18">
+            <a:extLst>
+              <a:ext uri="{FF2B5EF4-FFF2-40B4-BE49-F238E27FC236}">
+                <a16:creationId xmlns:a16="http://schemas.microsoft.com/office/drawing/2014/main" id="{1DB17302-66D4-08CA-B3F0-C9CBF5800631}"/>
+              </a:ext>
+            </a:extLst>
+          </p:cNvPr>
+          <p:cNvSpPr/>
+          <p:nvPr/>
+        </p:nvSpPr>
+        <p:spPr bwMode="auto">
+          <a:xfrm>
+            <a:off x="5029200" y="3094739"/>
+            <a:ext cx="1066800" cy="432000"/>
+          </a:xfrm>
+          <a:prstGeom prst="rect">
+            <a:avLst/>
+          </a:prstGeom>
+          <a:solidFill>
+            <a:schemeClr val="accent5"/>
+          </a:solidFill>
+          <a:ln w="19050" cap="flat" cmpd="sng" algn="ctr">
+            <a:noFill/>
+            <a:prstDash val="solid"/>
+            <a:round/>
+            <a:headEnd type="none" w="med" len="med"/>
+            <a:tailEnd type="none" w="med" len="med"/>
+          </a:ln>
+          <a:effectLst/>
+        </p:spPr>
+        <p:txBody>
+          <a:bodyPr wrap="none" anchor="ctr"/>
+          <a:lstStyle/>
+          <a:p>
+            <a:pPr algn="ctr">
+              <a:defRPr/>
+            </a:pPr>
+            <a:r>
+              <a:rPr lang="en-US" altLang="en-US" sz="1200" dirty="0">
+                <a:solidFill>
+                  <a:schemeClr val="bg1"/>
+                </a:solidFill>
+              </a:rPr>
+              <a:t>OS Tick API</a:t>
+            </a:r>
+          </a:p>
+          <a:p>
+            <a:pPr algn="ctr">
+              <a:defRPr/>
+            </a:pPr>
+            <a:r>
+              <a:rPr lang="en-US" altLang="en-US" sz="1100" dirty="0">
+                <a:solidFill>
+                  <a:schemeClr val="bg1"/>
+                </a:solidFill>
+              </a:rPr>
+              <a:t>os_tick.h</a:t>
+            </a:r>
+          </a:p>
+        </p:txBody>
+      </p:sp>
+      <p:sp>
+        <p:nvSpPr>
+          <p:cNvPr id="20" name="Rectangle 19">
+            <a:extLst>
+              <a:ext uri="{FF2B5EF4-FFF2-40B4-BE49-F238E27FC236}">
+                <a16:creationId xmlns:a16="http://schemas.microsoft.com/office/drawing/2014/main" id="{AF023912-3A36-4108-C11F-E335C2C74A90}"/>
+              </a:ext>
+            </a:extLst>
+          </p:cNvPr>
+          <p:cNvSpPr/>
+          <p:nvPr/>
+        </p:nvSpPr>
+        <p:spPr bwMode="auto">
+          <a:xfrm>
+            <a:off x="5029200" y="3512815"/>
+            <a:ext cx="1066800" cy="432000"/>
+          </a:xfrm>
+          <a:prstGeom prst="rect">
+            <a:avLst/>
+          </a:prstGeom>
+          <a:solidFill>
+            <a:srgbClr val="128CAB"/>
+          </a:solidFill>
+          <a:ln w="19050" cap="flat" cmpd="sng" algn="ctr">
+            <a:noFill/>
+            <a:prstDash val="solid"/>
+            <a:round/>
+            <a:headEnd type="none" w="med" len="med"/>
+            <a:tailEnd type="none" w="med" len="med"/>
+          </a:ln>
+          <a:effectLst/>
+        </p:spPr>
+        <p:txBody>
+          <a:bodyPr wrap="none" anchor="ctr"/>
+          <a:lstStyle/>
+          <a:p>
+            <a:pPr algn="ctr">
+              <a:defRPr/>
+            </a:pPr>
+            <a:r>
+              <a:rPr lang="en-US" altLang="en-US" sz="1200" dirty="0">
+                <a:solidFill>
+                  <a:schemeClr val="bg1"/>
+                </a:solidFill>
+              </a:rPr>
+              <a:t>Implementation</a:t>
+            </a:r>
+          </a:p>
+          <a:p>
+            <a:pPr algn="ctr">
+              <a:defRPr/>
+            </a:pPr>
+            <a:r>
+              <a:rPr lang="en-US" altLang="en-US" sz="1100" dirty="0">
+                <a:solidFill>
+                  <a:schemeClr val="bg1"/>
+                </a:solidFill>
+              </a:rPr>
+              <a:t>os_systick.c, …</a:t>
+            </a:r>
+          </a:p>
+        </p:txBody>
+      </p:sp>
       <p:cxnSp>
         <p:nvCxnSpPr>
-          <p:cNvPr id="66" name="Straight Arrow Connector 65"/>
-          <p:cNvCxnSpPr/>
+          <p:cNvPr id="24" name="Straight Arrow Connector 23">
+            <a:extLst>
+              <a:ext uri="{FF2B5EF4-FFF2-40B4-BE49-F238E27FC236}">
+                <a16:creationId xmlns:a16="http://schemas.microsoft.com/office/drawing/2014/main" id="{D3F8DAFB-2C87-5D60-669A-B6C9B88B8D9E}"/>
+              </a:ext>
+            </a:extLst>
+          </p:cNvPr>
+          <p:cNvCxnSpPr>
+            <a:cxnSpLocks/>
+            <a:endCxn id="19" idx="1"/>
+          </p:cNvCxnSpPr>
           <p:nvPr/>
         </p:nvCxnSpPr>
         <p:spPr>
           <a:xfrm>
-            <a:off x="606643" y="4746494"/>
-            <a:ext cx="7696200" cy="0"/>
+            <a:off x="4855198" y="3310739"/>
+            <a:ext cx="174002" cy="0"/>
           </a:xfrm>
           <a:prstGeom prst="straightConnector1">
             <a:avLst/>
           </a:prstGeom>
-          <a:ln>
-            <a:tailEnd type="arrow"/>
+          <a:ln w="31750" cmpd="sng">
+            <a:solidFill>
+              <a:srgbClr val="8EB4E3"/>
+            </a:solidFill>
+            <a:prstDash val="solid"/>
+            <a:headEnd type="none" w="med" len="med"/>
+            <a:tailEnd type="triangle"/>
           </a:ln>
+          <a:effectLst/>
         </p:spPr>
         <p:style>
-          <a:lnRef idx="1">
+          <a:lnRef idx="2">
             <a:schemeClr val="accent1"/>
           </a:lnRef>
           <a:fillRef idx="0">
             <a:schemeClr val="accent1"/>
           </a:fillRef>
-          <a:effectRef idx="0">
+          <a:effectRef idx="1">
             <a:schemeClr val="accent1"/>
           </a:effectRef>
           <a:fontRef idx="minor">
@@ -3095,49 +4075,22 @@
           </a:fontRef>
         </p:style>
       </p:cxnSp>
-      <p:cxnSp>
-        <p:nvCxnSpPr>
-          <p:cNvPr id="67" name="Straight Arrow Connector 66"/>
-          <p:cNvCxnSpPr/>
-          <p:nvPr/>
-        </p:nvCxnSpPr>
-        <p:spPr>
-          <a:xfrm flipV="1">
-            <a:off x="682843" y="1104900"/>
-            <a:ext cx="1588" cy="3793994"/>
-          </a:xfrm>
-          <a:prstGeom prst="straightConnector1">
-            <a:avLst/>
-          </a:prstGeom>
-          <a:ln>
-            <a:tailEnd type="arrow"/>
-          </a:ln>
-        </p:spPr>
-        <p:style>
-          <a:lnRef idx="1">
-            <a:schemeClr val="accent1"/>
-          </a:lnRef>
-          <a:fillRef idx="0">
-            <a:schemeClr val="accent1"/>
-          </a:fillRef>
-          <a:effectRef idx="0">
-            <a:schemeClr val="accent1"/>
-          </a:effectRef>
-          <a:fontRef idx="minor">
-            <a:schemeClr val="tx1"/>
-          </a:fontRef>
-        </p:style>
-      </p:cxnSp>
-      <p:sp>
-        <p:nvSpPr>
-          <p:cNvPr id="68" name="TextBox 67"/>
+      <p:sp>
+        <p:nvSpPr>
+          <p:cNvPr id="28" name="TextBox 27">
+            <a:extLst>
+              <a:ext uri="{FF2B5EF4-FFF2-40B4-BE49-F238E27FC236}">
+                <a16:creationId xmlns:a16="http://schemas.microsoft.com/office/drawing/2014/main" id="{04F87BB5-0FA7-07C2-7C58-BBDD11602C84}"/>
+              </a:ext>
+            </a:extLst>
+          </p:cNvPr>
           <p:cNvSpPr txBox="1"/>
           <p:nvPr/>
         </p:nvSpPr>
         <p:spPr>
           <a:xfrm>
-            <a:off x="248254" y="647700"/>
-            <a:ext cx="872355" cy="369332"/>
+            <a:off x="4536369" y="2245282"/>
+            <a:ext cx="1807462" cy="276999"/>
           </a:xfrm>
           <a:prstGeom prst="rect">
             <a:avLst/>
@@ -3145,29 +4098,190 @@
           <a:noFill/>
         </p:spPr>
         <p:txBody>
-          <a:bodyPr wrap="none" rtlCol="0">
+          <a:bodyPr wrap="square" rtlCol="0">
             <a:spAutoFit/>
           </a:bodyPr>
           <a:lstStyle/>
           <a:p>
             <a:r>
-              <a:rPr lang="en-GB" dirty="0" smtClean="0"/>
-              <a:t>Priority</a:t>
-            </a:r>
-            <a:endParaRPr lang="en-GB" dirty="0"/>
-          </a:p>
-        </p:txBody>
-      </p:sp>
-      <p:sp>
-        <p:nvSpPr>
-          <p:cNvPr id="69" name="TextBox 68"/>
+              <a:rPr lang="en-GB" sz="1200" dirty="0"/>
+              <a:t>Kernel-specific operations</a:t>
+            </a:r>
+          </a:p>
+        </p:txBody>
+      </p:sp>
+      <p:sp>
+        <p:nvSpPr>
+          <p:cNvPr id="29" name="Rectangle 37">
+            <a:extLst>
+              <a:ext uri="{FF2B5EF4-FFF2-40B4-BE49-F238E27FC236}">
+                <a16:creationId xmlns:a16="http://schemas.microsoft.com/office/drawing/2014/main" id="{18FF1C6F-A484-D4FB-3A1F-65387CE88D36}"/>
+              </a:ext>
+            </a:extLst>
+          </p:cNvPr>
+          <p:cNvSpPr>
+            <a:spLocks noChangeArrowheads="1"/>
+          </p:cNvSpPr>
+          <p:nvPr/>
+        </p:nvSpPr>
+        <p:spPr bwMode="auto">
+          <a:xfrm>
+            <a:off x="2155199" y="4045207"/>
+            <a:ext cx="3972912" cy="507734"/>
+          </a:xfrm>
+          <a:prstGeom prst="rect">
+            <a:avLst/>
+          </a:prstGeom>
+          <a:solidFill>
+            <a:schemeClr val="tx1">
+              <a:lumMod val="75000"/>
+              <a:lumOff val="25000"/>
+            </a:schemeClr>
+          </a:solidFill>
+          <a:ln>
+            <a:noFill/>
+          </a:ln>
+        </p:spPr>
+        <p:txBody>
+          <a:bodyPr wrap="none" anchor="ctr"/>
+          <a:lstStyle>
+            <a:lvl1pPr eaLnBrk="0" hangingPunct="0">
+              <a:defRPr sz="1400" b="1">
+                <a:solidFill>
+                  <a:srgbClr val="000000"/>
+                </a:solidFill>
+                <a:latin typeface="Arial" charset="0"/>
+                <a:ea typeface="MS PGothic" pitchFamily="34" charset="-128"/>
+              </a:defRPr>
+            </a:lvl1pPr>
+            <a:lvl2pPr marL="742950" indent="-285750" eaLnBrk="0" hangingPunct="0">
+              <a:defRPr sz="1400" b="1">
+                <a:solidFill>
+                  <a:srgbClr val="000000"/>
+                </a:solidFill>
+                <a:latin typeface="Arial" charset="0"/>
+                <a:ea typeface="MS PGothic" pitchFamily="34" charset="-128"/>
+              </a:defRPr>
+            </a:lvl2pPr>
+            <a:lvl3pPr marL="1143000" indent="-228600" eaLnBrk="0" hangingPunct="0">
+              <a:defRPr sz="1400" b="1">
+                <a:solidFill>
+                  <a:srgbClr val="000000"/>
+                </a:solidFill>
+                <a:latin typeface="Arial" charset="0"/>
+                <a:ea typeface="MS PGothic" pitchFamily="34" charset="-128"/>
+              </a:defRPr>
+            </a:lvl3pPr>
+            <a:lvl4pPr marL="1600200" indent="-228600" eaLnBrk="0" hangingPunct="0">
+              <a:defRPr sz="1400" b="1">
+                <a:solidFill>
+                  <a:srgbClr val="000000"/>
+                </a:solidFill>
+                <a:latin typeface="Arial" charset="0"/>
+                <a:ea typeface="MS PGothic" pitchFamily="34" charset="-128"/>
+              </a:defRPr>
+            </a:lvl4pPr>
+            <a:lvl5pPr marL="2057400" indent="-228600" eaLnBrk="0" hangingPunct="0">
+              <a:defRPr sz="1400" b="1">
+                <a:solidFill>
+                  <a:srgbClr val="000000"/>
+                </a:solidFill>
+                <a:latin typeface="Arial" charset="0"/>
+                <a:ea typeface="MS PGothic" pitchFamily="34" charset="-128"/>
+              </a:defRPr>
+            </a:lvl5pPr>
+            <a:lvl6pPr marL="2514600" indent="-228600" eaLnBrk="0" fontAlgn="base" hangingPunct="0">
+              <a:spcBef>
+                <a:spcPct val="0"/>
+              </a:spcBef>
+              <a:spcAft>
+                <a:spcPct val="0"/>
+              </a:spcAft>
+              <a:defRPr sz="1400" b="1">
+                <a:solidFill>
+                  <a:srgbClr val="000000"/>
+                </a:solidFill>
+                <a:latin typeface="Arial" charset="0"/>
+                <a:ea typeface="MS PGothic" pitchFamily="34" charset="-128"/>
+              </a:defRPr>
+            </a:lvl6pPr>
+            <a:lvl7pPr marL="2971800" indent="-228600" eaLnBrk="0" fontAlgn="base" hangingPunct="0">
+              <a:spcBef>
+                <a:spcPct val="0"/>
+              </a:spcBef>
+              <a:spcAft>
+                <a:spcPct val="0"/>
+              </a:spcAft>
+              <a:defRPr sz="1400" b="1">
+                <a:solidFill>
+                  <a:srgbClr val="000000"/>
+                </a:solidFill>
+                <a:latin typeface="Arial" charset="0"/>
+                <a:ea typeface="MS PGothic" pitchFamily="34" charset="-128"/>
+              </a:defRPr>
+            </a:lvl7pPr>
+            <a:lvl8pPr marL="3429000" indent="-228600" eaLnBrk="0" fontAlgn="base" hangingPunct="0">
+              <a:spcBef>
+                <a:spcPct val="0"/>
+              </a:spcBef>
+              <a:spcAft>
+                <a:spcPct val="0"/>
+              </a:spcAft>
+              <a:defRPr sz="1400" b="1">
+                <a:solidFill>
+                  <a:srgbClr val="000000"/>
+                </a:solidFill>
+                <a:latin typeface="Arial" charset="0"/>
+                <a:ea typeface="MS PGothic" pitchFamily="34" charset="-128"/>
+              </a:defRPr>
+            </a:lvl8pPr>
+            <a:lvl9pPr marL="3886200" indent="-228600" eaLnBrk="0" fontAlgn="base" hangingPunct="0">
+              <a:spcBef>
+                <a:spcPct val="0"/>
+              </a:spcBef>
+              <a:spcAft>
+                <a:spcPct val="0"/>
+              </a:spcAft>
+              <a:defRPr sz="1400" b="1">
+                <a:solidFill>
+                  <a:srgbClr val="000000"/>
+                </a:solidFill>
+                <a:latin typeface="Arial" charset="0"/>
+                <a:ea typeface="MS PGothic" pitchFamily="34" charset="-128"/>
+              </a:defRPr>
+            </a:lvl9pPr>
+          </a:lstStyle>
+          <a:p>
+            <a:pPr algn="ctr" eaLnBrk="1" hangingPunct="1"/>
+            <a:r>
+              <a:rPr lang="en-US" altLang="en-US" sz="1500" b="0" dirty="0">
+                <a:solidFill>
+                  <a:schemeClr val="bg1"/>
+                </a:solidFill>
+                <a:latin typeface="+mn-lt"/>
+                <a:ea typeface="+mn-ea"/>
+              </a:rPr>
+              <a:t>Arm Cortex processor</a:t>
+            </a:r>
+          </a:p>
+        </p:txBody>
+      </p:sp>
+      <p:sp>
+        <p:nvSpPr>
+          <p:cNvPr id="34" name="TextBox 33">
+            <a:extLst>
+              <a:ext uri="{FF2B5EF4-FFF2-40B4-BE49-F238E27FC236}">
+                <a16:creationId xmlns:a16="http://schemas.microsoft.com/office/drawing/2014/main" id="{DD3D79E6-3D4C-EAB9-1678-79D074D4A482}"/>
+              </a:ext>
+            </a:extLst>
+          </p:cNvPr>
           <p:cNvSpPr txBox="1"/>
           <p:nvPr/>
         </p:nvSpPr>
         <p:spPr>
           <a:xfrm>
-            <a:off x="8074245" y="4765387"/>
-            <a:ext cx="649537" cy="369332"/>
+            <a:off x="1466833" y="2121287"/>
+            <a:ext cx="1905000" cy="276999"/>
           </a:xfrm>
           <a:prstGeom prst="rect">
             <a:avLst/>
@@ -3175,59 +4289,34 @@
           <a:noFill/>
         </p:spPr>
         <p:txBody>
-          <a:bodyPr wrap="none" rtlCol="0">
+          <a:bodyPr wrap="square" rtlCol="0">
             <a:spAutoFit/>
           </a:bodyPr>
           <a:lstStyle/>
           <a:p>
             <a:r>
-              <a:rPr lang="en-GB" dirty="0" smtClean="0"/>
-              <a:t>Time</a:t>
-            </a:r>
-            <a:endParaRPr lang="en-GB" dirty="0"/>
-          </a:p>
-        </p:txBody>
-      </p:sp>
-      <p:cxnSp>
-        <p:nvCxnSpPr>
-          <p:cNvPr id="70" name="Straight Connector 69"/>
-          <p:cNvCxnSpPr/>
-          <p:nvPr/>
-        </p:nvCxnSpPr>
-        <p:spPr>
-          <a:xfrm>
-            <a:off x="563936" y="2999940"/>
-            <a:ext cx="131377" cy="0"/>
-          </a:xfrm>
-          <a:prstGeom prst="line">
-            <a:avLst/>
-          </a:prstGeom>
-        </p:spPr>
-        <p:style>
-          <a:lnRef idx="1">
-            <a:schemeClr val="accent1"/>
-          </a:lnRef>
-          <a:fillRef idx="0">
-            <a:schemeClr val="accent1"/>
-          </a:fillRef>
-          <a:effectRef idx="0">
-            <a:schemeClr val="accent1"/>
-          </a:effectRef>
-          <a:fontRef idx="minor">
-            <a:schemeClr val="tx1"/>
-          </a:fontRef>
-        </p:style>
-      </p:cxnSp>
-      <p:sp>
-        <p:nvSpPr>
-          <p:cNvPr id="71" name="TextBox 70"/>
+              <a:rPr lang="en-GB" sz="1200" dirty="0"/>
+              <a:t>Generic RTOS operations</a:t>
+            </a:r>
+          </a:p>
+        </p:txBody>
+      </p:sp>
+      <p:sp>
+        <p:nvSpPr>
+          <p:cNvPr id="35" name="TextBox 34">
+            <a:extLst>
+              <a:ext uri="{FF2B5EF4-FFF2-40B4-BE49-F238E27FC236}">
+                <a16:creationId xmlns:a16="http://schemas.microsoft.com/office/drawing/2014/main" id="{2AE29434-9DA3-CE73-E78E-63CB9C8E88FD}"/>
+              </a:ext>
+            </a:extLst>
+          </p:cNvPr>
           <p:cNvSpPr txBox="1"/>
           <p:nvPr/>
         </p:nvSpPr>
         <p:spPr>
-          <a:xfrm rot="16200000">
-            <a:off x="-127249" y="1700943"/>
-            <a:ext cx="1239442" cy="307777"/>
+          <a:xfrm>
+            <a:off x="4966713" y="2831665"/>
+            <a:ext cx="1272913" cy="276999"/>
           </a:xfrm>
           <a:prstGeom prst="rect">
             <a:avLst/>
@@ -3235,68 +4324,52 @@
           <a:noFill/>
         </p:spPr>
         <p:txBody>
-          <a:bodyPr wrap="none" rtlCol="0">
+          <a:bodyPr wrap="square" rtlCol="0">
             <a:spAutoFit/>
           </a:bodyPr>
           <a:lstStyle/>
           <a:p>
             <a:r>
-              <a:rPr lang="en-GB" sz="1400" dirty="0" smtClean="0"/>
-              <a:t>Handler Mode</a:t>
-            </a:r>
-            <a:endParaRPr lang="en-GB" sz="1400" dirty="0"/>
-          </a:p>
-        </p:txBody>
-      </p:sp>
-      <p:sp>
-        <p:nvSpPr>
-          <p:cNvPr id="72" name="TextBox 71"/>
-          <p:cNvSpPr txBox="1"/>
-          <p:nvPr/>
-        </p:nvSpPr>
-        <p:spPr>
-          <a:xfrm rot="16200000">
-            <a:off x="-67231" y="3820215"/>
-            <a:ext cx="1171346" cy="307777"/>
-          </a:xfrm>
-          <a:prstGeom prst="rect">
-            <a:avLst/>
-          </a:prstGeom>
-          <a:noFill/>
-        </p:spPr>
-        <p:txBody>
-          <a:bodyPr wrap="none" rtlCol="0">
-            <a:spAutoFit/>
-          </a:bodyPr>
-          <a:lstStyle/>
-          <a:p>
-            <a:r>
-              <a:rPr lang="en-GB" sz="1400" dirty="0" smtClean="0"/>
-              <a:t>Thread Mode</a:t>
-            </a:r>
-            <a:endParaRPr lang="en-GB" sz="1400" dirty="0"/>
-          </a:p>
-        </p:txBody>
-      </p:sp>
-      <p:sp>
-        <p:nvSpPr>
-          <p:cNvPr id="73" name="Rectangle 72"/>
+              <a:rPr lang="en-GB" sz="1200" dirty="0"/>
+              <a:t>Kernel tick timer</a:t>
+            </a:r>
+          </a:p>
+        </p:txBody>
+      </p:sp>
+      <p:sp>
+        <p:nvSpPr>
+          <p:cNvPr id="36" name="Arrow: Down 35">
+            <a:extLst>
+              <a:ext uri="{FF2B5EF4-FFF2-40B4-BE49-F238E27FC236}">
+                <a16:creationId xmlns:a16="http://schemas.microsoft.com/office/drawing/2014/main" id="{F75674DD-5578-0587-6E88-F0F2416150F6}"/>
+              </a:ext>
+            </a:extLst>
+          </p:cNvPr>
           <p:cNvSpPr/>
           <p:nvPr/>
         </p:nvSpPr>
         <p:spPr>
           <a:xfrm>
-            <a:off x="738023" y="4289294"/>
-            <a:ext cx="618546" cy="381000"/>
-          </a:xfrm>
-          <a:prstGeom prst="rect">
-            <a:avLst/>
-          </a:prstGeom>
+            <a:off x="3202393" y="2066744"/>
+            <a:ext cx="162909" cy="392086"/>
+          </a:xfrm>
+          <a:prstGeom prst="downArrow">
+            <a:avLst/>
+          </a:prstGeom>
+          <a:solidFill>
+            <a:schemeClr val="tx2">
+              <a:lumMod val="40000"/>
+              <a:lumOff val="60000"/>
+            </a:schemeClr>
+          </a:solidFill>
+          <a:ln>
+            <a:noFill/>
+          </a:ln>
         </p:spPr>
         <p:style>
           <a:lnRef idx="2">
             <a:schemeClr val="accent1">
-              <a:shade val="50000"/>
+              <a:shade val="15000"/>
             </a:schemeClr>
           </a:lnRef>
           <a:fillRef idx="1">
@@ -3310,37 +4383,48 @@
           </a:fontRef>
         </p:style>
         <p:txBody>
-          <a:bodyPr lIns="36000" rIns="36000" rtlCol="0" anchor="ctr" anchorCtr="1"/>
+          <a:bodyPr rtlCol="0" anchor="ctr"/>
           <a:lstStyle/>
           <a:p>
             <a:pPr algn="ctr"/>
-            <a:r>
-              <a:rPr lang="en-GB" sz="1400" dirty="0" smtClean="0"/>
-              <a:t>2</a:t>
-            </a:r>
-            <a:endParaRPr lang="en-GB" sz="1400" dirty="0"/>
-          </a:p>
-        </p:txBody>
-      </p:sp>
-      <p:sp>
-        <p:nvSpPr>
-          <p:cNvPr id="74" name="Rectangle 73"/>
+            <a:endParaRPr lang="en-GB" dirty="0"/>
+          </a:p>
+        </p:txBody>
+      </p:sp>
+      <p:sp>
+        <p:nvSpPr>
+          <p:cNvPr id="37" name="Arrow: Down 36">
+            <a:extLst>
+              <a:ext uri="{FF2B5EF4-FFF2-40B4-BE49-F238E27FC236}">
+                <a16:creationId xmlns:a16="http://schemas.microsoft.com/office/drawing/2014/main" id="{C1697B64-7AA4-1316-E201-CD2A26092697}"/>
+              </a:ext>
+            </a:extLst>
+          </p:cNvPr>
           <p:cNvSpPr/>
           <p:nvPr/>
         </p:nvSpPr>
         <p:spPr>
           <a:xfrm>
-            <a:off x="2979500" y="3762503"/>
-            <a:ext cx="256339" cy="381000"/>
-          </a:xfrm>
-          <a:prstGeom prst="rect">
-            <a:avLst/>
-          </a:prstGeom>
+            <a:off x="4457687" y="2066744"/>
+            <a:ext cx="162909" cy="833851"/>
+          </a:xfrm>
+          <a:prstGeom prst="downArrow">
+            <a:avLst/>
+          </a:prstGeom>
+          <a:solidFill>
+            <a:schemeClr val="tx2">
+              <a:lumMod val="40000"/>
+              <a:lumOff val="60000"/>
+            </a:schemeClr>
+          </a:solidFill>
+          <a:ln>
+            <a:noFill/>
+          </a:ln>
         </p:spPr>
         <p:style>
           <a:lnRef idx="2">
             <a:schemeClr val="accent1">
-              <a:shade val="50000"/>
+              <a:shade val="15000"/>
             </a:schemeClr>
           </a:lnRef>
           <a:fillRef idx="1">
@@ -3354,769 +4438,271 @@
           </a:fontRef>
         </p:style>
         <p:txBody>
-          <a:bodyPr lIns="36000" rIns="36000" rtlCol="0" anchor="ctr" anchorCtr="1"/>
+          <a:bodyPr rtlCol="0" anchor="ctr"/>
           <a:lstStyle/>
           <a:p>
             <a:pPr algn="ctr"/>
-            <a:r>
-              <a:rPr lang="en-GB" sz="1400" dirty="0" smtClean="0"/>
-              <a:t>3</a:t>
-            </a:r>
-            <a:endParaRPr lang="en-GB" sz="1400" dirty="0"/>
-          </a:p>
-        </p:txBody>
-      </p:sp>
-      <p:sp>
-        <p:nvSpPr>
-          <p:cNvPr id="75" name="Rectangle 74"/>
-          <p:cNvSpPr/>
-          <p:nvPr/>
-        </p:nvSpPr>
-        <p:spPr>
-          <a:xfrm>
-            <a:off x="1351828" y="2537188"/>
-            <a:ext cx="138710" cy="381000"/>
+            <a:endParaRPr lang="en-GB"/>
+          </a:p>
+        </p:txBody>
+      </p:sp>
+      <p:sp>
+        <p:nvSpPr>
+          <p:cNvPr id="7" name="Rectangle 37">
+            <a:extLst>
+              <a:ext uri="{FF2B5EF4-FFF2-40B4-BE49-F238E27FC236}">
+                <a16:creationId xmlns:a16="http://schemas.microsoft.com/office/drawing/2014/main" id="{A831FC35-17A5-4720-BBA6-5253D216EE63}"/>
+              </a:ext>
+            </a:extLst>
+          </p:cNvPr>
+          <p:cNvSpPr>
+            <a:spLocks noChangeArrowheads="1"/>
+          </p:cNvSpPr>
+          <p:nvPr/>
+        </p:nvSpPr>
+        <p:spPr bwMode="auto">
+          <a:xfrm>
+            <a:off x="2155199" y="2891524"/>
+            <a:ext cx="2699999" cy="1053291"/>
           </a:xfrm>
           <a:prstGeom prst="rect">
             <a:avLst/>
           </a:prstGeom>
-        </p:spPr>
-        <p:style>
-          <a:lnRef idx="2">
-            <a:schemeClr val="accent6">
-              <a:shade val="50000"/>
+          <a:solidFill>
+            <a:schemeClr val="accent1">
+              <a:lumMod val="50000"/>
             </a:schemeClr>
-          </a:lnRef>
-          <a:fillRef idx="1">
-            <a:schemeClr val="accent6"/>
-          </a:fillRef>
-          <a:effectRef idx="0">
-            <a:schemeClr val="accent6"/>
-          </a:effectRef>
-          <a:fontRef idx="minor">
-            <a:schemeClr val="lt1"/>
-          </a:fontRef>
-        </p:style>
-        <p:txBody>
-          <a:bodyPr lIns="36000" rIns="36000" rtlCol="0" anchor="ctr" anchorCtr="1"/>
-          <a:lstStyle/>
-          <a:p>
-            <a:pPr algn="ctr"/>
-            <a:endParaRPr lang="en-GB" sz="1400" dirty="0"/>
-          </a:p>
-        </p:txBody>
-      </p:sp>
-      <p:sp>
-        <p:nvSpPr>
-          <p:cNvPr id="76" name="Rectangle 75"/>
-          <p:cNvSpPr/>
-          <p:nvPr/>
-        </p:nvSpPr>
-        <p:spPr>
-          <a:xfrm>
-            <a:off x="1495279" y="4289294"/>
-            <a:ext cx="731570" cy="381000"/>
+          </a:solidFill>
+          <a:ln>
+            <a:noFill/>
+          </a:ln>
+        </p:spPr>
+        <p:txBody>
+          <a:bodyPr wrap="none" anchor="ctr"/>
+          <a:lstStyle>
+            <a:lvl1pPr eaLnBrk="0" hangingPunct="0">
+              <a:defRPr sz="1400" b="1">
+                <a:solidFill>
+                  <a:srgbClr val="000000"/>
+                </a:solidFill>
+                <a:latin typeface="Arial" charset="0"/>
+                <a:ea typeface="MS PGothic" pitchFamily="34" charset="-128"/>
+              </a:defRPr>
+            </a:lvl1pPr>
+            <a:lvl2pPr marL="742950" indent="-285750" eaLnBrk="0" hangingPunct="0">
+              <a:defRPr sz="1400" b="1">
+                <a:solidFill>
+                  <a:srgbClr val="000000"/>
+                </a:solidFill>
+                <a:latin typeface="Arial" charset="0"/>
+                <a:ea typeface="MS PGothic" pitchFamily="34" charset="-128"/>
+              </a:defRPr>
+            </a:lvl2pPr>
+            <a:lvl3pPr marL="1143000" indent="-228600" eaLnBrk="0" hangingPunct="0">
+              <a:defRPr sz="1400" b="1">
+                <a:solidFill>
+                  <a:srgbClr val="000000"/>
+                </a:solidFill>
+                <a:latin typeface="Arial" charset="0"/>
+                <a:ea typeface="MS PGothic" pitchFamily="34" charset="-128"/>
+              </a:defRPr>
+            </a:lvl3pPr>
+            <a:lvl4pPr marL="1600200" indent="-228600" eaLnBrk="0" hangingPunct="0">
+              <a:defRPr sz="1400" b="1">
+                <a:solidFill>
+                  <a:srgbClr val="000000"/>
+                </a:solidFill>
+                <a:latin typeface="Arial" charset="0"/>
+                <a:ea typeface="MS PGothic" pitchFamily="34" charset="-128"/>
+              </a:defRPr>
+            </a:lvl4pPr>
+            <a:lvl5pPr marL="2057400" indent="-228600" eaLnBrk="0" hangingPunct="0">
+              <a:defRPr sz="1400" b="1">
+                <a:solidFill>
+                  <a:srgbClr val="000000"/>
+                </a:solidFill>
+                <a:latin typeface="Arial" charset="0"/>
+                <a:ea typeface="MS PGothic" pitchFamily="34" charset="-128"/>
+              </a:defRPr>
+            </a:lvl5pPr>
+            <a:lvl6pPr marL="2514600" indent="-228600" eaLnBrk="0" fontAlgn="base" hangingPunct="0">
+              <a:spcBef>
+                <a:spcPct val="0"/>
+              </a:spcBef>
+              <a:spcAft>
+                <a:spcPct val="0"/>
+              </a:spcAft>
+              <a:defRPr sz="1400" b="1">
+                <a:solidFill>
+                  <a:srgbClr val="000000"/>
+                </a:solidFill>
+                <a:latin typeface="Arial" charset="0"/>
+                <a:ea typeface="MS PGothic" pitchFamily="34" charset="-128"/>
+              </a:defRPr>
+            </a:lvl6pPr>
+            <a:lvl7pPr marL="2971800" indent="-228600" eaLnBrk="0" fontAlgn="base" hangingPunct="0">
+              <a:spcBef>
+                <a:spcPct val="0"/>
+              </a:spcBef>
+              <a:spcAft>
+                <a:spcPct val="0"/>
+              </a:spcAft>
+              <a:defRPr sz="1400" b="1">
+                <a:solidFill>
+                  <a:srgbClr val="000000"/>
+                </a:solidFill>
+                <a:latin typeface="Arial" charset="0"/>
+                <a:ea typeface="MS PGothic" pitchFamily="34" charset="-128"/>
+              </a:defRPr>
+            </a:lvl7pPr>
+            <a:lvl8pPr marL="3429000" indent="-228600" eaLnBrk="0" fontAlgn="base" hangingPunct="0">
+              <a:spcBef>
+                <a:spcPct val="0"/>
+              </a:spcBef>
+              <a:spcAft>
+                <a:spcPct val="0"/>
+              </a:spcAft>
+              <a:defRPr sz="1400" b="1">
+                <a:solidFill>
+                  <a:srgbClr val="000000"/>
+                </a:solidFill>
+                <a:latin typeface="Arial" charset="0"/>
+                <a:ea typeface="MS PGothic" pitchFamily="34" charset="-128"/>
+              </a:defRPr>
+            </a:lvl8pPr>
+            <a:lvl9pPr marL="3886200" indent="-228600" eaLnBrk="0" fontAlgn="base" hangingPunct="0">
+              <a:spcBef>
+                <a:spcPct val="0"/>
+              </a:spcBef>
+              <a:spcAft>
+                <a:spcPct val="0"/>
+              </a:spcAft>
+              <a:defRPr sz="1400" b="1">
+                <a:solidFill>
+                  <a:srgbClr val="000000"/>
+                </a:solidFill>
+                <a:latin typeface="Arial" charset="0"/>
+                <a:ea typeface="MS PGothic" pitchFamily="34" charset="-128"/>
+              </a:defRPr>
+            </a:lvl9pPr>
+          </a:lstStyle>
+          <a:p>
+            <a:pPr algn="ctr" eaLnBrk="1" hangingPunct="1"/>
+            <a:endParaRPr lang="en-US" altLang="en-US" sz="1500" b="0" dirty="0">
+              <a:solidFill>
+                <a:schemeClr val="bg1"/>
+              </a:solidFill>
+              <a:latin typeface="+mn-lt"/>
+              <a:ea typeface="+mn-ea"/>
+            </a:endParaRPr>
+          </a:p>
+        </p:txBody>
+      </p:sp>
+      <p:sp>
+        <p:nvSpPr>
+          <p:cNvPr id="39" name="TextBox 38">
+            <a:extLst>
+              <a:ext uri="{FF2B5EF4-FFF2-40B4-BE49-F238E27FC236}">
+                <a16:creationId xmlns:a16="http://schemas.microsoft.com/office/drawing/2014/main" id="{E4D5A205-E906-34B8-3F7C-3DDE8F4EF1AA}"/>
+              </a:ext>
+            </a:extLst>
+          </p:cNvPr>
+          <p:cNvSpPr txBox="1"/>
+          <p:nvPr/>
+        </p:nvSpPr>
+        <p:spPr>
+          <a:xfrm>
+            <a:off x="3475124" y="3200525"/>
+            <a:ext cx="838200" cy="769441"/>
           </a:xfrm>
           <a:prstGeom prst="rect">
             <a:avLst/>
           </a:prstGeom>
-        </p:spPr>
-        <p:style>
-          <a:lnRef idx="2">
-            <a:schemeClr val="accent1">
-              <a:shade val="50000"/>
-            </a:schemeClr>
-          </a:lnRef>
-          <a:fillRef idx="1">
-            <a:schemeClr val="accent1"/>
-          </a:fillRef>
-          <a:effectRef idx="0">
-            <a:schemeClr val="accent1"/>
-          </a:effectRef>
-          <a:fontRef idx="minor">
-            <a:schemeClr val="lt1"/>
-          </a:fontRef>
-        </p:style>
-        <p:txBody>
-          <a:bodyPr lIns="36000" rIns="36000" rtlCol="0" anchor="ctr" anchorCtr="1"/>
-          <a:lstStyle/>
-          <a:p>
-            <a:pPr algn="ctr"/>
-            <a:r>
-              <a:rPr lang="en-GB" sz="1400" dirty="0" smtClean="0"/>
-              <a:t>1</a:t>
-            </a:r>
-            <a:endParaRPr lang="en-GB" sz="1400" dirty="0"/>
-          </a:p>
-        </p:txBody>
-      </p:sp>
-      <p:sp>
-        <p:nvSpPr>
-          <p:cNvPr id="77" name="Rectangle 76"/>
-          <p:cNvSpPr/>
-          <p:nvPr/>
-        </p:nvSpPr>
-        <p:spPr>
-          <a:xfrm>
-            <a:off x="2222108" y="2537188"/>
-            <a:ext cx="138710" cy="381000"/>
-          </a:xfrm>
-          <a:prstGeom prst="rect">
-            <a:avLst/>
-          </a:prstGeom>
-        </p:spPr>
-        <p:style>
-          <a:lnRef idx="2">
-            <a:schemeClr val="accent6">
-              <a:shade val="50000"/>
-            </a:schemeClr>
-          </a:lnRef>
-          <a:fillRef idx="1">
-            <a:schemeClr val="accent6"/>
-          </a:fillRef>
-          <a:effectRef idx="0">
-            <a:schemeClr val="accent6"/>
-          </a:effectRef>
-          <a:fontRef idx="minor">
-            <a:schemeClr val="lt1"/>
-          </a:fontRef>
-        </p:style>
-        <p:txBody>
-          <a:bodyPr lIns="36000" rIns="36000" rtlCol="0" anchor="ctr" anchorCtr="1"/>
-          <a:lstStyle/>
-          <a:p>
-            <a:pPr algn="ctr"/>
-            <a:endParaRPr lang="en-GB" sz="1400" dirty="0"/>
-          </a:p>
-        </p:txBody>
-      </p:sp>
-      <p:sp>
-        <p:nvSpPr>
-          <p:cNvPr id="78" name="Rectangle 77"/>
-          <p:cNvSpPr/>
-          <p:nvPr/>
-        </p:nvSpPr>
-        <p:spPr>
-          <a:xfrm>
-            <a:off x="2612093" y="2537188"/>
-            <a:ext cx="373232" cy="381000"/>
-          </a:xfrm>
-          <a:prstGeom prst="rect">
-            <a:avLst/>
-          </a:prstGeom>
-        </p:spPr>
-        <p:style>
-          <a:lnRef idx="2">
-            <a:schemeClr val="accent1">
-              <a:shade val="50000"/>
-            </a:schemeClr>
-          </a:lnRef>
-          <a:fillRef idx="1">
-            <a:schemeClr val="accent1"/>
-          </a:fillRef>
-          <a:effectRef idx="0">
-            <a:schemeClr val="accent1"/>
-          </a:effectRef>
-          <a:fontRef idx="minor">
-            <a:schemeClr val="lt1"/>
-          </a:fontRef>
-        </p:style>
-        <p:txBody>
-          <a:bodyPr lIns="36000" rIns="36000" rtlCol="0" anchor="ctr" anchorCtr="1"/>
-          <a:lstStyle/>
-          <a:p>
-            <a:pPr algn="ctr"/>
-            <a:r>
-              <a:rPr lang="en-GB" sz="1400" dirty="0" smtClean="0"/>
-              <a:t>SVC</a:t>
-            </a:r>
-            <a:endParaRPr lang="en-GB" sz="1400" dirty="0"/>
-          </a:p>
-        </p:txBody>
-      </p:sp>
-      <p:sp>
-        <p:nvSpPr>
-          <p:cNvPr id="79" name="Rectangle 78"/>
-          <p:cNvSpPr/>
-          <p:nvPr/>
-        </p:nvSpPr>
-        <p:spPr>
-          <a:xfrm>
-            <a:off x="2372995" y="4289294"/>
-            <a:ext cx="227201" cy="381000"/>
-          </a:xfrm>
-          <a:prstGeom prst="rect">
-            <a:avLst/>
-          </a:prstGeom>
-        </p:spPr>
-        <p:style>
-          <a:lnRef idx="2">
-            <a:schemeClr val="accent1">
-              <a:shade val="50000"/>
-            </a:schemeClr>
-          </a:lnRef>
-          <a:fillRef idx="1">
-            <a:schemeClr val="accent1"/>
-          </a:fillRef>
-          <a:effectRef idx="0">
-            <a:schemeClr val="accent1"/>
-          </a:effectRef>
-          <a:fontRef idx="minor">
-            <a:schemeClr val="lt1"/>
-          </a:fontRef>
-        </p:style>
-        <p:txBody>
-          <a:bodyPr lIns="36000" rIns="36000" rtlCol="0" anchor="ctr" anchorCtr="1"/>
-          <a:lstStyle/>
-          <a:p>
-            <a:pPr algn="ctr"/>
-            <a:r>
-              <a:rPr lang="en-GB" sz="1400" dirty="0" smtClean="0"/>
-              <a:t>2</a:t>
-            </a:r>
-            <a:endParaRPr lang="en-GB" sz="1400" dirty="0"/>
-          </a:p>
-        </p:txBody>
-      </p:sp>
-      <p:sp>
-        <p:nvSpPr>
-          <p:cNvPr id="86" name="Rectangle 85"/>
-          <p:cNvSpPr/>
-          <p:nvPr/>
-        </p:nvSpPr>
-        <p:spPr>
-          <a:xfrm>
-            <a:off x="3392360" y="3769648"/>
-            <a:ext cx="783115" cy="381000"/>
-          </a:xfrm>
-          <a:prstGeom prst="rect">
-            <a:avLst/>
-          </a:prstGeom>
-        </p:spPr>
-        <p:style>
-          <a:lnRef idx="2">
-            <a:schemeClr val="accent1">
-              <a:shade val="50000"/>
-            </a:schemeClr>
-          </a:lnRef>
-          <a:fillRef idx="1">
-            <a:schemeClr val="accent1"/>
-          </a:fillRef>
-          <a:effectRef idx="0">
-            <a:schemeClr val="accent1"/>
-          </a:effectRef>
-          <a:fontRef idx="minor">
-            <a:schemeClr val="lt1"/>
-          </a:fontRef>
-        </p:style>
-        <p:txBody>
-          <a:bodyPr lIns="36000" rIns="36000" rtlCol="0" anchor="ctr" anchorCtr="1"/>
-          <a:lstStyle/>
-          <a:p>
-            <a:pPr algn="ctr"/>
-            <a:r>
-              <a:rPr lang="en-GB" sz="1400" dirty="0" smtClean="0"/>
-              <a:t>3</a:t>
-            </a:r>
-            <a:endParaRPr lang="en-GB" sz="1400" dirty="0"/>
-          </a:p>
-        </p:txBody>
-      </p:sp>
-      <p:sp>
-        <p:nvSpPr>
-          <p:cNvPr id="88" name="Rectangle 87"/>
-          <p:cNvSpPr/>
-          <p:nvPr/>
-        </p:nvSpPr>
-        <p:spPr>
-          <a:xfrm>
-            <a:off x="4241441" y="1848344"/>
-            <a:ext cx="299983" cy="381000"/>
-          </a:xfrm>
-          <a:prstGeom prst="rect">
-            <a:avLst/>
-          </a:prstGeom>
-        </p:spPr>
-        <p:style>
-          <a:lnRef idx="2">
-            <a:schemeClr val="accent5">
-              <a:shade val="50000"/>
-            </a:schemeClr>
-          </a:lnRef>
-          <a:fillRef idx="1">
-            <a:schemeClr val="accent5"/>
-          </a:fillRef>
-          <a:effectRef idx="0">
-            <a:schemeClr val="accent5"/>
-          </a:effectRef>
-          <a:fontRef idx="minor">
-            <a:schemeClr val="lt1"/>
-          </a:fontRef>
-        </p:style>
-        <p:txBody>
-          <a:bodyPr lIns="36000" rIns="36000" rtlCol="0" anchor="ctr" anchorCtr="1"/>
-          <a:lstStyle/>
-          <a:p>
-            <a:pPr algn="ctr"/>
-            <a:r>
-              <a:rPr lang="en-GB" sz="1400" dirty="0" smtClean="0"/>
-              <a:t>ISR</a:t>
-            </a:r>
-            <a:endParaRPr lang="en-GB" sz="1400" dirty="0"/>
-          </a:p>
-        </p:txBody>
-      </p:sp>
-      <p:sp>
-        <p:nvSpPr>
-          <p:cNvPr id="89" name="Rectangle 88"/>
-          <p:cNvSpPr/>
-          <p:nvPr/>
-        </p:nvSpPr>
-        <p:spPr>
-          <a:xfrm>
-            <a:off x="4170734" y="2537188"/>
-            <a:ext cx="69355" cy="381000"/>
-          </a:xfrm>
-          <a:prstGeom prst="rect">
-            <a:avLst/>
-          </a:prstGeom>
-        </p:spPr>
-        <p:style>
-          <a:lnRef idx="2">
-            <a:schemeClr val="accent6">
-              <a:shade val="50000"/>
-            </a:schemeClr>
-          </a:lnRef>
-          <a:fillRef idx="1">
-            <a:schemeClr val="accent6"/>
-          </a:fillRef>
-          <a:effectRef idx="0">
-            <a:schemeClr val="accent6"/>
-          </a:effectRef>
-          <a:fontRef idx="minor">
-            <a:schemeClr val="lt1"/>
-          </a:fontRef>
-        </p:style>
-        <p:txBody>
-          <a:bodyPr lIns="36000" rIns="36000" rtlCol="0" anchor="ctr" anchorCtr="1"/>
-          <a:lstStyle/>
-          <a:p>
-            <a:pPr algn="ctr"/>
-            <a:endParaRPr lang="en-GB" sz="1400" dirty="0"/>
-          </a:p>
-        </p:txBody>
-      </p:sp>
-      <p:sp>
-        <p:nvSpPr>
-          <p:cNvPr id="90" name="Rectangle 89"/>
-          <p:cNvSpPr/>
-          <p:nvPr/>
-        </p:nvSpPr>
-        <p:spPr>
-          <a:xfrm>
-            <a:off x="4547641" y="2537188"/>
-            <a:ext cx="138710" cy="381000"/>
-          </a:xfrm>
-          <a:prstGeom prst="rect">
-            <a:avLst/>
-          </a:prstGeom>
-        </p:spPr>
-        <p:style>
-          <a:lnRef idx="2">
-            <a:schemeClr val="accent6">
-              <a:shade val="50000"/>
-            </a:schemeClr>
-          </a:lnRef>
-          <a:fillRef idx="1">
-            <a:schemeClr val="accent6"/>
-          </a:fillRef>
-          <a:effectRef idx="0">
-            <a:schemeClr val="accent6"/>
-          </a:effectRef>
-          <a:fontRef idx="minor">
-            <a:schemeClr val="lt1"/>
-          </a:fontRef>
-        </p:style>
-        <p:txBody>
-          <a:bodyPr lIns="36000" rIns="36000" rtlCol="0" anchor="ctr" anchorCtr="1"/>
-          <a:lstStyle/>
-          <a:p>
-            <a:pPr algn="ctr"/>
-            <a:endParaRPr lang="en-GB" sz="1400" dirty="0"/>
-          </a:p>
-        </p:txBody>
-      </p:sp>
-      <p:cxnSp>
-        <p:nvCxnSpPr>
-          <p:cNvPr id="91" name="Straight Arrow Connector 90"/>
-          <p:cNvCxnSpPr/>
-          <p:nvPr/>
-        </p:nvCxnSpPr>
-        <p:spPr>
-          <a:xfrm flipH="1" flipV="1">
-            <a:off x="1347216" y="2907792"/>
-            <a:ext cx="9352" cy="1350009"/>
-          </a:xfrm>
-          <a:prstGeom prst="straightConnector1">
-            <a:avLst/>
-          </a:prstGeom>
-          <a:ln>
-            <a:prstDash val="dash"/>
-            <a:tailEnd type="arrow"/>
-          </a:ln>
-        </p:spPr>
-        <p:style>
-          <a:lnRef idx="1">
-            <a:schemeClr val="accent1"/>
-          </a:lnRef>
-          <a:fillRef idx="0">
-            <a:schemeClr val="accent1"/>
-          </a:fillRef>
-          <a:effectRef idx="0">
-            <a:schemeClr val="accent1"/>
-          </a:effectRef>
-          <a:fontRef idx="minor">
-            <a:schemeClr val="tx1"/>
-          </a:fontRef>
-        </p:style>
-      </p:cxnSp>
-      <p:cxnSp>
-        <p:nvCxnSpPr>
-          <p:cNvPr id="92" name="Straight Arrow Connector 91"/>
-          <p:cNvCxnSpPr/>
-          <p:nvPr/>
-        </p:nvCxnSpPr>
-        <p:spPr>
-          <a:xfrm>
-            <a:off x="1495279" y="2918188"/>
-            <a:ext cx="0" cy="1393434"/>
-          </a:xfrm>
-          <a:prstGeom prst="straightConnector1">
-            <a:avLst/>
-          </a:prstGeom>
-          <a:ln>
-            <a:prstDash val="dash"/>
-            <a:tailEnd type="arrow"/>
-          </a:ln>
-        </p:spPr>
-        <p:style>
-          <a:lnRef idx="1">
-            <a:schemeClr val="accent1"/>
-          </a:lnRef>
-          <a:fillRef idx="0">
-            <a:schemeClr val="accent1"/>
-          </a:fillRef>
-          <a:effectRef idx="0">
-            <a:schemeClr val="accent1"/>
-          </a:effectRef>
-          <a:fontRef idx="minor">
-            <a:schemeClr val="tx1"/>
-          </a:fontRef>
-        </p:style>
-      </p:cxnSp>
-      <p:cxnSp>
-        <p:nvCxnSpPr>
-          <p:cNvPr id="102" name="Straight Arrow Connector 101"/>
-          <p:cNvCxnSpPr/>
-          <p:nvPr/>
-        </p:nvCxnSpPr>
-        <p:spPr>
-          <a:xfrm flipV="1">
-            <a:off x="4241441" y="2229344"/>
-            <a:ext cx="0" cy="246457"/>
-          </a:xfrm>
-          <a:prstGeom prst="straightConnector1">
-            <a:avLst/>
-          </a:prstGeom>
-          <a:ln>
-            <a:prstDash val="dash"/>
-            <a:tailEnd type="arrow"/>
-          </a:ln>
-        </p:spPr>
-        <p:style>
-          <a:lnRef idx="1">
-            <a:schemeClr val="accent1"/>
-          </a:lnRef>
-          <a:fillRef idx="0">
-            <a:schemeClr val="accent1"/>
-          </a:fillRef>
-          <a:effectRef idx="0">
-            <a:schemeClr val="accent1"/>
-          </a:effectRef>
-          <a:fontRef idx="minor">
-            <a:schemeClr val="tx1"/>
-          </a:fontRef>
-        </p:style>
-      </p:cxnSp>
-      <p:cxnSp>
-        <p:nvCxnSpPr>
-          <p:cNvPr id="103" name="Straight Arrow Connector 102"/>
-          <p:cNvCxnSpPr/>
-          <p:nvPr/>
-        </p:nvCxnSpPr>
-        <p:spPr>
-          <a:xfrm flipH="1">
-            <a:off x="4547547" y="2242087"/>
-            <a:ext cx="95" cy="265171"/>
-          </a:xfrm>
-          <a:prstGeom prst="straightConnector1">
-            <a:avLst/>
-          </a:prstGeom>
-          <a:ln>
-            <a:prstDash val="dash"/>
-            <a:tailEnd type="arrow"/>
-          </a:ln>
-        </p:spPr>
-        <p:style>
-          <a:lnRef idx="1">
-            <a:schemeClr val="accent1"/>
-          </a:lnRef>
-          <a:fillRef idx="0">
-            <a:schemeClr val="accent1"/>
-          </a:fillRef>
-          <a:effectRef idx="0">
-            <a:schemeClr val="accent1"/>
-          </a:effectRef>
-          <a:fontRef idx="minor">
-            <a:schemeClr val="tx1"/>
-          </a:fontRef>
-        </p:style>
-      </p:cxnSp>
-      <p:sp>
-        <p:nvSpPr>
-          <p:cNvPr id="163" name="Rectangle 162"/>
-          <p:cNvSpPr/>
-          <p:nvPr/>
-        </p:nvSpPr>
-        <p:spPr>
-          <a:xfrm>
-            <a:off x="4713783" y="2537188"/>
-            <a:ext cx="292466" cy="381000"/>
-          </a:xfrm>
-          <a:prstGeom prst="rect">
-            <a:avLst/>
-          </a:prstGeom>
-        </p:spPr>
-        <p:style>
-          <a:lnRef idx="2">
-            <a:schemeClr val="accent5">
-              <a:shade val="50000"/>
-            </a:schemeClr>
-          </a:lnRef>
-          <a:fillRef idx="1">
-            <a:schemeClr val="accent5"/>
-          </a:fillRef>
-          <a:effectRef idx="0">
-            <a:schemeClr val="accent5"/>
-          </a:effectRef>
-          <a:fontRef idx="minor">
-            <a:schemeClr val="lt1"/>
-          </a:fontRef>
-        </p:style>
-        <p:txBody>
-          <a:bodyPr lIns="36000" rIns="36000" rtlCol="0" anchor="ctr" anchorCtr="1"/>
-          <a:lstStyle/>
-          <a:p>
-            <a:pPr algn="ctr"/>
-            <a:r>
-              <a:rPr lang="en-GB" sz="1400" dirty="0" smtClean="0"/>
-              <a:t>SV</a:t>
-            </a:r>
-            <a:endParaRPr lang="en-GB" sz="1400" dirty="0"/>
-          </a:p>
-        </p:txBody>
-      </p:sp>
-      <p:cxnSp>
-        <p:nvCxnSpPr>
-          <p:cNvPr id="80" name="Straight Connector 79"/>
-          <p:cNvCxnSpPr/>
-          <p:nvPr/>
-        </p:nvCxnSpPr>
-        <p:spPr>
-          <a:xfrm>
-            <a:off x="1356568" y="4746494"/>
-            <a:ext cx="0" cy="152400"/>
-          </a:xfrm>
-          <a:prstGeom prst="line">
-            <a:avLst/>
-          </a:prstGeom>
-        </p:spPr>
-        <p:style>
-          <a:lnRef idx="1">
-            <a:schemeClr val="accent1"/>
-          </a:lnRef>
-          <a:fillRef idx="0">
-            <a:schemeClr val="accent1"/>
-          </a:fillRef>
-          <a:effectRef idx="0">
-            <a:schemeClr val="accent1"/>
-          </a:effectRef>
-          <a:fontRef idx="minor">
-            <a:schemeClr val="tx1"/>
-          </a:fontRef>
-        </p:style>
-      </p:cxnSp>
-      <p:cxnSp>
-        <p:nvCxnSpPr>
-          <p:cNvPr id="81" name="Straight Connector 80"/>
-          <p:cNvCxnSpPr/>
-          <p:nvPr/>
-        </p:nvCxnSpPr>
-        <p:spPr>
-          <a:xfrm>
-            <a:off x="2296204" y="4746494"/>
-            <a:ext cx="0" cy="152400"/>
-          </a:xfrm>
-          <a:prstGeom prst="line">
-            <a:avLst/>
-          </a:prstGeom>
-        </p:spPr>
-        <p:style>
-          <a:lnRef idx="1">
-            <a:schemeClr val="accent1"/>
-          </a:lnRef>
-          <a:fillRef idx="0">
-            <a:schemeClr val="accent1"/>
-          </a:fillRef>
-          <a:effectRef idx="0">
-            <a:schemeClr val="accent1"/>
-          </a:effectRef>
-          <a:fontRef idx="minor">
-            <a:schemeClr val="tx1"/>
-          </a:fontRef>
-        </p:style>
-      </p:cxnSp>
-      <p:cxnSp>
-        <p:nvCxnSpPr>
-          <p:cNvPr id="82" name="Straight Connector 81"/>
-          <p:cNvCxnSpPr/>
-          <p:nvPr/>
-        </p:nvCxnSpPr>
-        <p:spPr>
-          <a:xfrm>
-            <a:off x="3235840" y="4746494"/>
-            <a:ext cx="0" cy="152400"/>
-          </a:xfrm>
-          <a:prstGeom prst="line">
-            <a:avLst/>
-          </a:prstGeom>
-        </p:spPr>
-        <p:style>
-          <a:lnRef idx="1">
-            <a:schemeClr val="accent1"/>
-          </a:lnRef>
-          <a:fillRef idx="0">
-            <a:schemeClr val="accent1"/>
-          </a:fillRef>
-          <a:effectRef idx="0">
-            <a:schemeClr val="accent1"/>
-          </a:effectRef>
-          <a:fontRef idx="minor">
-            <a:schemeClr val="tx1"/>
-          </a:fontRef>
-        </p:style>
-      </p:cxnSp>
-      <p:cxnSp>
-        <p:nvCxnSpPr>
-          <p:cNvPr id="84" name="Straight Connector 83"/>
-          <p:cNvCxnSpPr/>
-          <p:nvPr/>
-        </p:nvCxnSpPr>
-        <p:spPr>
-          <a:xfrm>
-            <a:off x="4175476" y="4746494"/>
-            <a:ext cx="0" cy="152400"/>
-          </a:xfrm>
-          <a:prstGeom prst="line">
-            <a:avLst/>
-          </a:prstGeom>
-        </p:spPr>
-        <p:style>
-          <a:lnRef idx="1">
-            <a:schemeClr val="accent1"/>
-          </a:lnRef>
-          <a:fillRef idx="0">
-            <a:schemeClr val="accent1"/>
-          </a:fillRef>
-          <a:effectRef idx="0">
-            <a:schemeClr val="accent1"/>
-          </a:effectRef>
-          <a:fontRef idx="minor">
-            <a:schemeClr val="tx1"/>
-          </a:fontRef>
-        </p:style>
-      </p:cxnSp>
-      <p:cxnSp>
-        <p:nvCxnSpPr>
-          <p:cNvPr id="87" name="Straight Connector 86"/>
-          <p:cNvCxnSpPr/>
-          <p:nvPr/>
-        </p:nvCxnSpPr>
-        <p:spPr>
-          <a:xfrm>
-            <a:off x="5115112" y="4746494"/>
-            <a:ext cx="0" cy="152400"/>
-          </a:xfrm>
-          <a:prstGeom prst="line">
-            <a:avLst/>
-          </a:prstGeom>
-        </p:spPr>
-        <p:style>
-          <a:lnRef idx="1">
-            <a:schemeClr val="accent1"/>
-          </a:lnRef>
-          <a:fillRef idx="0">
-            <a:schemeClr val="accent1"/>
-          </a:fillRef>
-          <a:effectRef idx="0">
-            <a:schemeClr val="accent1"/>
-          </a:effectRef>
-          <a:fontRef idx="minor">
-            <a:schemeClr val="tx1"/>
-          </a:fontRef>
-        </p:style>
-      </p:cxnSp>
-      <p:sp>
-        <p:nvSpPr>
-          <p:cNvPr id="104" name="TextBox 103"/>
-          <p:cNvSpPr txBox="1"/>
-          <p:nvPr/>
-        </p:nvSpPr>
-        <p:spPr>
-          <a:xfrm>
-            <a:off x="1228167" y="4887405"/>
-            <a:ext cx="256802" cy="261610"/>
-          </a:xfrm>
-          <a:prstGeom prst="rect">
-            <a:avLst/>
-          </a:prstGeom>
           <a:noFill/>
         </p:spPr>
         <p:txBody>
-          <a:bodyPr wrap="none" rtlCol="0" anchor="ctr">
+          <a:bodyPr wrap="square">
             <a:spAutoFit/>
           </a:bodyPr>
           <a:lstStyle/>
           <a:p>
-            <a:pPr algn="ctr"/>
-            <a:r>
-              <a:rPr lang="en-GB" sz="1100" dirty="0" smtClean="0"/>
-              <a:t>1</a:t>
-            </a:r>
-            <a:endParaRPr lang="en-GB" sz="1100" dirty="0"/>
-          </a:p>
-        </p:txBody>
-      </p:sp>
-      <p:sp>
-        <p:nvSpPr>
-          <p:cNvPr id="105" name="TextBox 104"/>
+            <a:pPr eaLnBrk="1" hangingPunct="1"/>
+            <a:r>
+              <a:rPr lang="en-US" altLang="en-US" sz="1100" b="0" dirty="0">
+                <a:solidFill>
+                  <a:schemeClr val="bg1">
+                    <a:lumMod val="85000"/>
+                  </a:schemeClr>
+                </a:solidFill>
+                <a:latin typeface="+mn-lt"/>
+                <a:ea typeface="+mn-ea"/>
+              </a:rPr>
+              <a:t>CMSIS-RTX</a:t>
+            </a:r>
+          </a:p>
+          <a:p>
+            <a:pPr eaLnBrk="1" hangingPunct="1"/>
+            <a:r>
+              <a:rPr lang="en-US" altLang="en-US" sz="1100" b="0" dirty="0">
+                <a:solidFill>
+                  <a:schemeClr val="bg1">
+                    <a:lumMod val="85000"/>
+                  </a:schemeClr>
+                </a:solidFill>
+                <a:latin typeface="+mn-lt"/>
+                <a:ea typeface="+mn-ea"/>
+              </a:rPr>
+              <a:t>FreeRTOS  </a:t>
+            </a:r>
+          </a:p>
+          <a:p>
+            <a:pPr eaLnBrk="1" hangingPunct="1"/>
+            <a:r>
+              <a:rPr lang="en-US" altLang="en-US" sz="1100" b="0" dirty="0">
+                <a:solidFill>
+                  <a:schemeClr val="bg1">
+                    <a:lumMod val="85000"/>
+                  </a:schemeClr>
+                </a:solidFill>
+                <a:latin typeface="+mn-lt"/>
+                <a:ea typeface="+mn-ea"/>
+              </a:rPr>
+              <a:t>Zephyr       </a:t>
+            </a:r>
+          </a:p>
+          <a:p>
+            <a:pPr eaLnBrk="1" hangingPunct="1"/>
+            <a:r>
+              <a:rPr lang="en-US" altLang="en-US" sz="1100" b="0" dirty="0">
+                <a:solidFill>
+                  <a:schemeClr val="bg1">
+                    <a:lumMod val="85000"/>
+                  </a:schemeClr>
+                </a:solidFill>
+                <a:latin typeface="+mn-lt"/>
+                <a:ea typeface="+mn-ea"/>
+              </a:rPr>
+              <a:t>…         </a:t>
+            </a:r>
+          </a:p>
+        </p:txBody>
+      </p:sp>
+      <p:sp>
+        <p:nvSpPr>
+          <p:cNvPr id="41" name="TextBox 40">
+            <a:extLst>
+              <a:ext uri="{FF2B5EF4-FFF2-40B4-BE49-F238E27FC236}">
+                <a16:creationId xmlns:a16="http://schemas.microsoft.com/office/drawing/2014/main" id="{3024C10B-FC61-8033-E016-2D2F152DDA75}"/>
+              </a:ext>
+            </a:extLst>
+          </p:cNvPr>
           <p:cNvSpPr txBox="1"/>
           <p:nvPr/>
         </p:nvSpPr>
         <p:spPr>
           <a:xfrm>
-            <a:off x="2167803" y="4887405"/>
-            <a:ext cx="256802" cy="261610"/>
+            <a:off x="2297090" y="2913023"/>
+            <a:ext cx="2525997" cy="338554"/>
           </a:xfrm>
           <a:prstGeom prst="rect">
             <a:avLst/>
@@ -4124,30 +4710,41 @@
           <a:noFill/>
         </p:spPr>
         <p:txBody>
-          <a:bodyPr wrap="none" rtlCol="0" anchor="ctr">
+          <a:bodyPr wrap="square">
             <a:spAutoFit/>
           </a:bodyPr>
           <a:lstStyle/>
           <a:p>
-            <a:pPr algn="ctr"/>
-            <a:r>
-              <a:rPr lang="en-GB" sz="1100" dirty="0" smtClean="0"/>
-              <a:t>2</a:t>
-            </a:r>
-            <a:endParaRPr lang="en-GB" sz="1100" dirty="0"/>
-          </a:p>
-        </p:txBody>
-      </p:sp>
-      <p:sp>
-        <p:nvSpPr>
-          <p:cNvPr id="106" name="TextBox 105"/>
+            <a:pPr algn="ctr" eaLnBrk="1" hangingPunct="1"/>
+            <a:r>
+              <a:rPr lang="en-US" altLang="en-US" sz="1600" dirty="0">
+                <a:solidFill>
+                  <a:schemeClr val="bg1"/>
+                </a:solidFill>
+                <a:latin typeface="+mn-lt"/>
+                <a:ea typeface="+mn-ea"/>
+              </a:rPr>
+              <a:t>Real-Time Kernel</a:t>
+            </a:r>
+          </a:p>
+        </p:txBody>
+      </p:sp>
+      <p:sp>
+        <p:nvSpPr>
+          <p:cNvPr id="54" name="TextBox 53">
+            <a:extLst>
+              <a:ext uri="{FF2B5EF4-FFF2-40B4-BE49-F238E27FC236}">
+                <a16:creationId xmlns:a16="http://schemas.microsoft.com/office/drawing/2014/main" id="{5CDDDB7B-C671-A0BC-7B57-17B60EA0893F}"/>
+              </a:ext>
+            </a:extLst>
+          </p:cNvPr>
           <p:cNvSpPr txBox="1"/>
           <p:nvPr/>
         </p:nvSpPr>
         <p:spPr>
           <a:xfrm>
-            <a:off x="3107439" y="4887405"/>
-            <a:ext cx="256802" cy="261610"/>
+            <a:off x="2815894" y="3200525"/>
+            <a:ext cx="972504" cy="261610"/>
           </a:xfrm>
           <a:prstGeom prst="rect">
             <a:avLst/>
@@ -4155,1608 +4752,56 @@
           <a:noFill/>
         </p:spPr>
         <p:txBody>
-          <a:bodyPr wrap="none" rtlCol="0" anchor="ctr">
+          <a:bodyPr wrap="square">
             <a:spAutoFit/>
           </a:bodyPr>
           <a:lstStyle/>
           <a:p>
-            <a:pPr algn="ctr"/>
-            <a:r>
-              <a:rPr lang="en-GB" sz="1100" dirty="0" smtClean="0"/>
-              <a:t>3</a:t>
-            </a:r>
-            <a:endParaRPr lang="en-GB" sz="1100" dirty="0"/>
-          </a:p>
-        </p:txBody>
-      </p:sp>
-      <p:sp>
-        <p:nvSpPr>
-          <p:cNvPr id="107" name="TextBox 106"/>
-          <p:cNvSpPr txBox="1"/>
-          <p:nvPr/>
-        </p:nvSpPr>
-        <p:spPr>
-          <a:xfrm>
-            <a:off x="4047075" y="4887405"/>
-            <a:ext cx="256802" cy="261610"/>
-          </a:xfrm>
-          <a:prstGeom prst="rect">
-            <a:avLst/>
-          </a:prstGeom>
-          <a:noFill/>
-        </p:spPr>
-        <p:txBody>
-          <a:bodyPr wrap="none" rtlCol="0" anchor="ctr">
-            <a:spAutoFit/>
-          </a:bodyPr>
-          <a:lstStyle/>
-          <a:p>
-            <a:pPr algn="ctr"/>
-            <a:r>
-              <a:rPr lang="en-GB" sz="1100" dirty="0" smtClean="0"/>
-              <a:t>4</a:t>
-            </a:r>
-            <a:endParaRPr lang="en-GB" sz="1100" dirty="0"/>
-          </a:p>
-        </p:txBody>
-      </p:sp>
-      <p:sp>
-        <p:nvSpPr>
-          <p:cNvPr id="108" name="TextBox 107"/>
-          <p:cNvSpPr txBox="1"/>
-          <p:nvPr/>
-        </p:nvSpPr>
-        <p:spPr>
-          <a:xfrm>
-            <a:off x="4983558" y="4887405"/>
-            <a:ext cx="256802" cy="261610"/>
-          </a:xfrm>
-          <a:prstGeom prst="rect">
-            <a:avLst/>
-          </a:prstGeom>
-          <a:noFill/>
-        </p:spPr>
-        <p:txBody>
-          <a:bodyPr wrap="none" rtlCol="0" anchor="ctr">
-            <a:spAutoFit/>
-          </a:bodyPr>
-          <a:lstStyle/>
-          <a:p>
-            <a:pPr algn="ctr"/>
-            <a:r>
-              <a:rPr lang="en-GB" sz="1100" dirty="0"/>
-              <a:t>5</a:t>
-            </a:r>
-          </a:p>
-        </p:txBody>
-      </p:sp>
-      <p:cxnSp>
-        <p:nvCxnSpPr>
-          <p:cNvPr id="161" name="Straight Connector 160"/>
-          <p:cNvCxnSpPr/>
-          <p:nvPr/>
-        </p:nvCxnSpPr>
-        <p:spPr>
-          <a:xfrm>
-            <a:off x="6054748" y="4746494"/>
-            <a:ext cx="0" cy="152400"/>
-          </a:xfrm>
-          <a:prstGeom prst="line">
-            <a:avLst/>
-          </a:prstGeom>
-        </p:spPr>
-        <p:style>
-          <a:lnRef idx="1">
-            <a:schemeClr val="accent1"/>
-          </a:lnRef>
-          <a:fillRef idx="0">
-            <a:schemeClr val="accent1"/>
-          </a:fillRef>
-          <a:effectRef idx="0">
-            <a:schemeClr val="accent1"/>
-          </a:effectRef>
-          <a:fontRef idx="minor">
-            <a:schemeClr val="tx1"/>
-          </a:fontRef>
-        </p:style>
-      </p:cxnSp>
-      <p:sp>
-        <p:nvSpPr>
-          <p:cNvPr id="162" name="TextBox 161"/>
-          <p:cNvSpPr txBox="1"/>
-          <p:nvPr/>
-        </p:nvSpPr>
-        <p:spPr>
-          <a:xfrm>
-            <a:off x="5922880" y="4887405"/>
-            <a:ext cx="256802" cy="261610"/>
-          </a:xfrm>
-          <a:prstGeom prst="rect">
-            <a:avLst/>
-          </a:prstGeom>
-          <a:noFill/>
-        </p:spPr>
-        <p:txBody>
-          <a:bodyPr wrap="none" rtlCol="0" anchor="ctr">
-            <a:spAutoFit/>
-          </a:bodyPr>
-          <a:lstStyle/>
-          <a:p>
-            <a:pPr algn="ctr"/>
-            <a:r>
-              <a:rPr lang="en-GB" sz="1100" dirty="0"/>
-              <a:t>6</a:t>
-            </a:r>
-          </a:p>
-        </p:txBody>
-      </p:sp>
-      <p:cxnSp>
-        <p:nvCxnSpPr>
-          <p:cNvPr id="168" name="Straight Connector 167"/>
-          <p:cNvCxnSpPr/>
-          <p:nvPr/>
-        </p:nvCxnSpPr>
-        <p:spPr>
-          <a:xfrm>
-            <a:off x="6994384" y="4746494"/>
-            <a:ext cx="0" cy="152400"/>
-          </a:xfrm>
-          <a:prstGeom prst="line">
-            <a:avLst/>
-          </a:prstGeom>
-        </p:spPr>
-        <p:style>
-          <a:lnRef idx="1">
-            <a:schemeClr val="accent1"/>
-          </a:lnRef>
-          <a:fillRef idx="0">
-            <a:schemeClr val="accent1"/>
-          </a:fillRef>
-          <a:effectRef idx="0">
-            <a:schemeClr val="accent1"/>
-          </a:effectRef>
-          <a:fontRef idx="minor">
-            <a:schemeClr val="tx1"/>
-          </a:fontRef>
-        </p:style>
-      </p:cxnSp>
-      <p:sp>
-        <p:nvSpPr>
-          <p:cNvPr id="169" name="TextBox 168"/>
-          <p:cNvSpPr txBox="1"/>
-          <p:nvPr/>
-        </p:nvSpPr>
-        <p:spPr>
-          <a:xfrm>
-            <a:off x="6862491" y="4887405"/>
-            <a:ext cx="256802" cy="261610"/>
-          </a:xfrm>
-          <a:prstGeom prst="rect">
-            <a:avLst/>
-          </a:prstGeom>
-          <a:noFill/>
-        </p:spPr>
-        <p:txBody>
-          <a:bodyPr wrap="none" rtlCol="0" anchor="ctr">
-            <a:spAutoFit/>
-          </a:bodyPr>
-          <a:lstStyle/>
-          <a:p>
-            <a:pPr algn="ctr"/>
-            <a:r>
-              <a:rPr lang="en-GB" sz="1100" dirty="0"/>
-              <a:t>7</a:t>
-            </a:r>
-          </a:p>
-        </p:txBody>
-      </p:sp>
-      <p:cxnSp>
-        <p:nvCxnSpPr>
-          <p:cNvPr id="172" name="Straight Connector 171"/>
-          <p:cNvCxnSpPr/>
-          <p:nvPr/>
-        </p:nvCxnSpPr>
-        <p:spPr>
-          <a:xfrm>
-            <a:off x="7934020" y="4746494"/>
-            <a:ext cx="0" cy="152400"/>
-          </a:xfrm>
-          <a:prstGeom prst="line">
-            <a:avLst/>
-          </a:prstGeom>
-        </p:spPr>
-        <p:style>
-          <a:lnRef idx="1">
-            <a:schemeClr val="accent1"/>
-          </a:lnRef>
-          <a:fillRef idx="0">
-            <a:schemeClr val="accent1"/>
-          </a:fillRef>
-          <a:effectRef idx="0">
-            <a:schemeClr val="accent1"/>
-          </a:effectRef>
-          <a:fontRef idx="minor">
-            <a:schemeClr val="tx1"/>
-          </a:fontRef>
-        </p:style>
-      </p:cxnSp>
-      <p:sp>
-        <p:nvSpPr>
-          <p:cNvPr id="173" name="TextBox 172"/>
-          <p:cNvSpPr txBox="1"/>
-          <p:nvPr/>
-        </p:nvSpPr>
-        <p:spPr>
-          <a:xfrm>
-            <a:off x="7805619" y="4887405"/>
-            <a:ext cx="256802" cy="261610"/>
-          </a:xfrm>
-          <a:prstGeom prst="rect">
-            <a:avLst/>
-          </a:prstGeom>
-          <a:noFill/>
-        </p:spPr>
-        <p:txBody>
-          <a:bodyPr wrap="none" rtlCol="0" anchor="ctr">
-            <a:spAutoFit/>
-          </a:bodyPr>
-          <a:lstStyle/>
-          <a:p>
-            <a:pPr algn="ctr"/>
-            <a:r>
-              <a:rPr lang="en-GB" sz="1100" dirty="0" smtClean="0"/>
-              <a:t>8</a:t>
-            </a:r>
-            <a:endParaRPr lang="en-GB" sz="1100" dirty="0"/>
-          </a:p>
-        </p:txBody>
-      </p:sp>
-      <p:sp>
-        <p:nvSpPr>
-          <p:cNvPr id="174" name="Rectangle 173"/>
-          <p:cNvSpPr/>
-          <p:nvPr/>
-        </p:nvSpPr>
-        <p:spPr>
-          <a:xfrm>
-            <a:off x="3231099" y="2537188"/>
-            <a:ext cx="138710" cy="381000"/>
-          </a:xfrm>
-          <a:prstGeom prst="rect">
-            <a:avLst/>
-          </a:prstGeom>
-        </p:spPr>
-        <p:style>
-          <a:lnRef idx="2">
-            <a:schemeClr val="accent6">
-              <a:shade val="50000"/>
-            </a:schemeClr>
-          </a:lnRef>
-          <a:fillRef idx="1">
-            <a:schemeClr val="accent6"/>
-          </a:fillRef>
-          <a:effectRef idx="0">
-            <a:schemeClr val="accent6"/>
-          </a:effectRef>
-          <a:fontRef idx="minor">
-            <a:schemeClr val="lt1"/>
-          </a:fontRef>
-        </p:style>
-        <p:txBody>
-          <a:bodyPr lIns="36000" rIns="36000" rtlCol="0" anchor="ctr" anchorCtr="1"/>
-          <a:lstStyle/>
-          <a:p>
-            <a:pPr algn="ctr"/>
-            <a:endParaRPr lang="en-GB" sz="1400" dirty="0"/>
-          </a:p>
-        </p:txBody>
-      </p:sp>
-      <p:sp>
-        <p:nvSpPr>
-          <p:cNvPr id="179" name="Rectangle 178"/>
-          <p:cNvSpPr/>
-          <p:nvPr/>
-        </p:nvSpPr>
-        <p:spPr>
-          <a:xfrm>
-            <a:off x="5123726" y="2537188"/>
-            <a:ext cx="138710" cy="381000"/>
-          </a:xfrm>
-          <a:prstGeom prst="rect">
-            <a:avLst/>
-          </a:prstGeom>
-        </p:spPr>
-        <p:style>
-          <a:lnRef idx="2">
-            <a:schemeClr val="accent6">
-              <a:shade val="50000"/>
-            </a:schemeClr>
-          </a:lnRef>
-          <a:fillRef idx="1">
-            <a:schemeClr val="accent6"/>
-          </a:fillRef>
-          <a:effectRef idx="0">
-            <a:schemeClr val="accent6"/>
-          </a:effectRef>
-          <a:fontRef idx="minor">
-            <a:schemeClr val="lt1"/>
-          </a:fontRef>
-        </p:style>
-        <p:txBody>
-          <a:bodyPr lIns="36000" rIns="36000" rtlCol="0" anchor="ctr" anchorCtr="1"/>
-          <a:lstStyle/>
-          <a:p>
-            <a:pPr algn="ctr"/>
-            <a:endParaRPr lang="en-GB" sz="1400" dirty="0"/>
-          </a:p>
-        </p:txBody>
-      </p:sp>
-      <p:sp>
-        <p:nvSpPr>
-          <p:cNvPr id="180" name="Rectangle 179"/>
-          <p:cNvSpPr/>
-          <p:nvPr/>
-        </p:nvSpPr>
-        <p:spPr>
-          <a:xfrm>
-            <a:off x="5565585" y="3783603"/>
-            <a:ext cx="421036" cy="381000"/>
-          </a:xfrm>
-          <a:prstGeom prst="rect">
-            <a:avLst/>
-          </a:prstGeom>
-        </p:spPr>
-        <p:style>
-          <a:lnRef idx="2">
-            <a:schemeClr val="accent1">
-              <a:shade val="50000"/>
-            </a:schemeClr>
-          </a:lnRef>
-          <a:fillRef idx="1">
-            <a:schemeClr val="accent1"/>
-          </a:fillRef>
-          <a:effectRef idx="0">
-            <a:schemeClr val="accent1"/>
-          </a:effectRef>
-          <a:fontRef idx="minor">
-            <a:schemeClr val="lt1"/>
-          </a:fontRef>
-        </p:style>
-        <p:txBody>
-          <a:bodyPr lIns="36000" rIns="36000" rtlCol="0" anchor="ctr" anchorCtr="1"/>
-          <a:lstStyle/>
-          <a:p>
-            <a:pPr algn="ctr"/>
-            <a:r>
-              <a:rPr lang="en-GB" sz="1400" dirty="0" smtClean="0"/>
-              <a:t>3</a:t>
-            </a:r>
-            <a:endParaRPr lang="en-GB" sz="1400" dirty="0"/>
-          </a:p>
-        </p:txBody>
-      </p:sp>
-      <p:sp>
-        <p:nvSpPr>
-          <p:cNvPr id="183" name="Rectangle 182"/>
-          <p:cNvSpPr/>
-          <p:nvPr/>
-        </p:nvSpPr>
-        <p:spPr>
-          <a:xfrm>
-            <a:off x="6174941" y="2540319"/>
-            <a:ext cx="138710" cy="381000"/>
-          </a:xfrm>
-          <a:prstGeom prst="rect">
-            <a:avLst/>
-          </a:prstGeom>
-        </p:spPr>
-        <p:style>
-          <a:lnRef idx="2">
-            <a:schemeClr val="accent6">
-              <a:shade val="50000"/>
-            </a:schemeClr>
-          </a:lnRef>
-          <a:fillRef idx="1">
-            <a:schemeClr val="accent6"/>
-          </a:fillRef>
-          <a:effectRef idx="0">
-            <a:schemeClr val="accent6"/>
-          </a:effectRef>
-          <a:fontRef idx="minor">
-            <a:schemeClr val="lt1"/>
-          </a:fontRef>
-        </p:style>
-        <p:txBody>
-          <a:bodyPr lIns="36000" rIns="36000" rtlCol="0" anchor="ctr" anchorCtr="1"/>
-          <a:lstStyle/>
-          <a:p>
-            <a:pPr algn="ctr"/>
-            <a:endParaRPr lang="en-GB" sz="1400" dirty="0"/>
-          </a:p>
-        </p:txBody>
-      </p:sp>
-      <p:sp>
-        <p:nvSpPr>
-          <p:cNvPr id="185" name="Rectangle 184"/>
-          <p:cNvSpPr/>
-          <p:nvPr/>
-        </p:nvSpPr>
-        <p:spPr>
-          <a:xfrm>
-            <a:off x="6318392" y="4289294"/>
-            <a:ext cx="672500" cy="381000"/>
-          </a:xfrm>
-          <a:prstGeom prst="rect">
-            <a:avLst/>
-          </a:prstGeom>
-        </p:spPr>
-        <p:style>
-          <a:lnRef idx="2">
-            <a:schemeClr val="accent1">
-              <a:shade val="50000"/>
-            </a:schemeClr>
-          </a:lnRef>
-          <a:fillRef idx="1">
-            <a:schemeClr val="accent1"/>
-          </a:fillRef>
-          <a:effectRef idx="0">
-            <a:schemeClr val="accent1"/>
-          </a:effectRef>
-          <a:fontRef idx="minor">
-            <a:schemeClr val="lt1"/>
-          </a:fontRef>
-        </p:style>
-        <p:txBody>
-          <a:bodyPr lIns="36000" rIns="36000" rtlCol="0" anchor="ctr" anchorCtr="1"/>
-          <a:lstStyle/>
-          <a:p>
-            <a:pPr algn="ctr"/>
-            <a:r>
-              <a:rPr lang="en-GB" sz="1400" dirty="0" smtClean="0"/>
-              <a:t>2</a:t>
-            </a:r>
-            <a:endParaRPr lang="en-GB" sz="1400" dirty="0"/>
-          </a:p>
-        </p:txBody>
-      </p:sp>
-      <p:sp>
-        <p:nvSpPr>
-          <p:cNvPr id="190" name="Rectangle 189"/>
-          <p:cNvSpPr/>
-          <p:nvPr/>
-        </p:nvSpPr>
-        <p:spPr>
-          <a:xfrm>
-            <a:off x="6986151" y="2537188"/>
-            <a:ext cx="138710" cy="381000"/>
-          </a:xfrm>
-          <a:prstGeom prst="rect">
-            <a:avLst/>
-          </a:prstGeom>
-        </p:spPr>
-        <p:style>
-          <a:lnRef idx="2">
-            <a:schemeClr val="accent6">
-              <a:shade val="50000"/>
-            </a:schemeClr>
-          </a:lnRef>
-          <a:fillRef idx="1">
-            <a:schemeClr val="accent6"/>
-          </a:fillRef>
-          <a:effectRef idx="0">
-            <a:schemeClr val="accent6"/>
-          </a:effectRef>
-          <a:fontRef idx="minor">
-            <a:schemeClr val="lt1"/>
-          </a:fontRef>
-        </p:style>
-        <p:txBody>
-          <a:bodyPr lIns="36000" rIns="36000" rtlCol="0" anchor="ctr" anchorCtr="1"/>
-          <a:lstStyle/>
-          <a:p>
-            <a:pPr algn="ctr"/>
-            <a:endParaRPr lang="en-GB" sz="1400" dirty="0"/>
-          </a:p>
-        </p:txBody>
-      </p:sp>
-      <p:sp>
-        <p:nvSpPr>
-          <p:cNvPr id="193" name="Rectangle 192"/>
-          <p:cNvSpPr/>
-          <p:nvPr/>
-        </p:nvSpPr>
-        <p:spPr>
-          <a:xfrm>
-            <a:off x="7129602" y="4289294"/>
-            <a:ext cx="804418" cy="381000"/>
-          </a:xfrm>
-          <a:prstGeom prst="rect">
-            <a:avLst/>
-          </a:prstGeom>
-        </p:spPr>
-        <p:style>
-          <a:lnRef idx="2">
-            <a:schemeClr val="accent1">
-              <a:shade val="50000"/>
-            </a:schemeClr>
-          </a:lnRef>
-          <a:fillRef idx="1">
-            <a:schemeClr val="accent1"/>
-          </a:fillRef>
-          <a:effectRef idx="0">
-            <a:schemeClr val="accent1"/>
-          </a:effectRef>
-          <a:fontRef idx="minor">
-            <a:schemeClr val="lt1"/>
-          </a:fontRef>
-        </p:style>
-        <p:txBody>
-          <a:bodyPr lIns="36000" rIns="36000" rtlCol="0" anchor="ctr" anchorCtr="1"/>
-          <a:lstStyle/>
-          <a:p>
-            <a:pPr algn="ctr"/>
-            <a:r>
-              <a:rPr lang="en-GB" sz="1400" dirty="0" smtClean="0"/>
-              <a:t>1</a:t>
-            </a:r>
-            <a:endParaRPr lang="en-GB" sz="1400" dirty="0"/>
-          </a:p>
-        </p:txBody>
-      </p:sp>
-      <p:sp>
-        <p:nvSpPr>
-          <p:cNvPr id="194" name="Rectangle 193"/>
-          <p:cNvSpPr/>
-          <p:nvPr/>
-        </p:nvSpPr>
-        <p:spPr>
-          <a:xfrm>
-            <a:off x="7930794" y="2537188"/>
-            <a:ext cx="138710" cy="381000"/>
-          </a:xfrm>
-          <a:prstGeom prst="rect">
-            <a:avLst/>
-          </a:prstGeom>
-        </p:spPr>
-        <p:style>
-          <a:lnRef idx="2">
-            <a:schemeClr val="accent6">
-              <a:shade val="50000"/>
-            </a:schemeClr>
-          </a:lnRef>
-          <a:fillRef idx="1">
-            <a:schemeClr val="accent6"/>
-          </a:fillRef>
-          <a:effectRef idx="0">
-            <a:schemeClr val="accent6"/>
-          </a:effectRef>
-          <a:fontRef idx="minor">
-            <a:schemeClr val="lt1"/>
-          </a:fontRef>
-        </p:style>
-        <p:txBody>
-          <a:bodyPr lIns="36000" rIns="36000" rtlCol="0" anchor="ctr" anchorCtr="1"/>
-          <a:lstStyle/>
-          <a:p>
-            <a:pPr algn="ctr"/>
-            <a:endParaRPr lang="en-GB" sz="1400" dirty="0"/>
-          </a:p>
-        </p:txBody>
-      </p:sp>
-      <p:cxnSp>
-        <p:nvCxnSpPr>
-          <p:cNvPr id="93" name="Straight Arrow Connector 92"/>
-          <p:cNvCxnSpPr/>
-          <p:nvPr/>
-        </p:nvCxnSpPr>
-        <p:spPr>
-          <a:xfrm flipV="1">
-            <a:off x="2226849" y="2927478"/>
-            <a:ext cx="0" cy="1344568"/>
-          </a:xfrm>
-          <a:prstGeom prst="straightConnector1">
-            <a:avLst/>
-          </a:prstGeom>
-          <a:ln>
-            <a:prstDash val="dash"/>
-            <a:tailEnd type="arrow"/>
-          </a:ln>
-        </p:spPr>
-        <p:style>
-          <a:lnRef idx="1">
-            <a:schemeClr val="accent1"/>
-          </a:lnRef>
-          <a:fillRef idx="0">
-            <a:schemeClr val="accent1"/>
-          </a:fillRef>
-          <a:effectRef idx="0">
-            <a:schemeClr val="accent1"/>
-          </a:effectRef>
-          <a:fontRef idx="minor">
-            <a:schemeClr val="tx1"/>
-          </a:fontRef>
-        </p:style>
-      </p:cxnSp>
-      <p:cxnSp>
-        <p:nvCxnSpPr>
-          <p:cNvPr id="94" name="Straight Arrow Connector 93"/>
-          <p:cNvCxnSpPr/>
-          <p:nvPr/>
-        </p:nvCxnSpPr>
-        <p:spPr>
-          <a:xfrm flipV="1">
-            <a:off x="2616834" y="2907792"/>
-            <a:ext cx="0" cy="1344568"/>
-          </a:xfrm>
-          <a:prstGeom prst="straightConnector1">
-            <a:avLst/>
-          </a:prstGeom>
-          <a:ln>
-            <a:prstDash val="dash"/>
-            <a:tailEnd type="arrow"/>
-          </a:ln>
-        </p:spPr>
-        <p:style>
-          <a:lnRef idx="1">
-            <a:schemeClr val="accent1"/>
-          </a:lnRef>
-          <a:fillRef idx="0">
-            <a:schemeClr val="accent1"/>
-          </a:fillRef>
-          <a:effectRef idx="0">
-            <a:schemeClr val="accent1"/>
-          </a:effectRef>
-          <a:fontRef idx="minor">
-            <a:schemeClr val="tx1"/>
-          </a:fontRef>
-        </p:style>
-      </p:cxnSp>
-      <p:cxnSp>
-        <p:nvCxnSpPr>
-          <p:cNvPr id="95" name="Straight Arrow Connector 94"/>
-          <p:cNvCxnSpPr/>
-          <p:nvPr/>
-        </p:nvCxnSpPr>
-        <p:spPr>
-          <a:xfrm>
-            <a:off x="2362201" y="2925466"/>
-            <a:ext cx="0" cy="1344568"/>
-          </a:xfrm>
-          <a:prstGeom prst="straightConnector1">
-            <a:avLst/>
-          </a:prstGeom>
-          <a:ln>
-            <a:prstDash val="dash"/>
-            <a:tailEnd type="arrow"/>
-          </a:ln>
-        </p:spPr>
-        <p:style>
-          <a:lnRef idx="1">
-            <a:schemeClr val="accent1"/>
-          </a:lnRef>
-          <a:fillRef idx="0">
-            <a:schemeClr val="accent1"/>
-          </a:fillRef>
-          <a:effectRef idx="0">
-            <a:schemeClr val="accent1"/>
-          </a:effectRef>
-          <a:fontRef idx="minor">
-            <a:schemeClr val="tx1"/>
-          </a:fontRef>
-        </p:style>
-      </p:cxnSp>
-      <p:cxnSp>
-        <p:nvCxnSpPr>
-          <p:cNvPr id="96" name="Straight Arrow Connector 95"/>
-          <p:cNvCxnSpPr/>
-          <p:nvPr/>
-        </p:nvCxnSpPr>
-        <p:spPr>
-          <a:xfrm flipH="1">
-            <a:off x="2979500" y="2918621"/>
-            <a:ext cx="1" cy="851027"/>
-          </a:xfrm>
-          <a:prstGeom prst="straightConnector1">
-            <a:avLst/>
-          </a:prstGeom>
-          <a:ln>
-            <a:prstDash val="dash"/>
-            <a:tailEnd type="arrow"/>
-          </a:ln>
-        </p:spPr>
-        <p:style>
-          <a:lnRef idx="1">
-            <a:schemeClr val="accent1"/>
-          </a:lnRef>
-          <a:fillRef idx="0">
-            <a:schemeClr val="accent1"/>
-          </a:fillRef>
-          <a:effectRef idx="0">
-            <a:schemeClr val="accent1"/>
-          </a:effectRef>
-          <a:fontRef idx="minor">
-            <a:schemeClr val="tx1"/>
-          </a:fontRef>
-        </p:style>
-      </p:cxnSp>
-      <p:cxnSp>
-        <p:nvCxnSpPr>
-          <p:cNvPr id="97" name="Straight Arrow Connector 96"/>
-          <p:cNvCxnSpPr/>
-          <p:nvPr/>
-        </p:nvCxnSpPr>
-        <p:spPr>
-          <a:xfrm flipH="1" flipV="1">
-            <a:off x="3235839" y="2907794"/>
-            <a:ext cx="1" cy="815314"/>
-          </a:xfrm>
-          <a:prstGeom prst="straightConnector1">
-            <a:avLst/>
-          </a:prstGeom>
-          <a:ln>
-            <a:prstDash val="dash"/>
-            <a:tailEnd type="arrow"/>
-          </a:ln>
-        </p:spPr>
-        <p:style>
-          <a:lnRef idx="1">
-            <a:schemeClr val="accent1"/>
-          </a:lnRef>
-          <a:fillRef idx="0">
-            <a:schemeClr val="accent1"/>
-          </a:fillRef>
-          <a:effectRef idx="0">
-            <a:schemeClr val="accent1"/>
-          </a:effectRef>
-          <a:fontRef idx="minor">
-            <a:schemeClr val="tx1"/>
-          </a:fontRef>
-        </p:style>
-      </p:cxnSp>
-      <p:cxnSp>
-        <p:nvCxnSpPr>
-          <p:cNvPr id="98" name="Straight Arrow Connector 97"/>
-          <p:cNvCxnSpPr/>
-          <p:nvPr/>
-        </p:nvCxnSpPr>
-        <p:spPr>
-          <a:xfrm>
-            <a:off x="3392361" y="2927478"/>
-            <a:ext cx="0" cy="842170"/>
-          </a:xfrm>
-          <a:prstGeom prst="straightConnector1">
-            <a:avLst/>
-          </a:prstGeom>
-          <a:ln>
-            <a:prstDash val="dash"/>
-            <a:tailEnd type="arrow"/>
-          </a:ln>
-        </p:spPr>
-        <p:style>
-          <a:lnRef idx="1">
-            <a:schemeClr val="accent1"/>
-          </a:lnRef>
-          <a:fillRef idx="0">
-            <a:schemeClr val="accent1"/>
-          </a:fillRef>
-          <a:effectRef idx="0">
-            <a:schemeClr val="accent1"/>
-          </a:effectRef>
-          <a:fontRef idx="minor">
-            <a:schemeClr val="tx1"/>
-          </a:fontRef>
-        </p:style>
-      </p:cxnSp>
-      <p:cxnSp>
-        <p:nvCxnSpPr>
-          <p:cNvPr id="99" name="Straight Arrow Connector 98"/>
-          <p:cNvCxnSpPr/>
-          <p:nvPr/>
-        </p:nvCxnSpPr>
-        <p:spPr>
-          <a:xfrm flipV="1">
-            <a:off x="4182522" y="2907794"/>
-            <a:ext cx="0" cy="836613"/>
-          </a:xfrm>
-          <a:prstGeom prst="straightConnector1">
-            <a:avLst/>
-          </a:prstGeom>
-          <a:ln>
-            <a:prstDash val="dash"/>
-            <a:tailEnd type="arrow"/>
-          </a:ln>
-        </p:spPr>
-        <p:style>
-          <a:lnRef idx="1">
-            <a:schemeClr val="accent1"/>
-          </a:lnRef>
-          <a:fillRef idx="0">
-            <a:schemeClr val="accent1"/>
-          </a:fillRef>
-          <a:effectRef idx="0">
-            <a:schemeClr val="accent1"/>
-          </a:effectRef>
-          <a:fontRef idx="minor">
-            <a:schemeClr val="tx1"/>
-          </a:fontRef>
-        </p:style>
-      </p:cxnSp>
-      <p:cxnSp>
-        <p:nvCxnSpPr>
-          <p:cNvPr id="187" name="Straight Arrow Connector 186"/>
-          <p:cNvCxnSpPr/>
-          <p:nvPr/>
-        </p:nvCxnSpPr>
-        <p:spPr>
-          <a:xfrm flipH="1">
-            <a:off x="6318392" y="2932176"/>
-            <a:ext cx="9256" cy="1355529"/>
-          </a:xfrm>
-          <a:prstGeom prst="straightConnector1">
-            <a:avLst/>
-          </a:prstGeom>
-          <a:ln>
-            <a:prstDash val="dash"/>
-            <a:tailEnd type="arrow"/>
-          </a:ln>
-        </p:spPr>
-        <p:style>
-          <a:lnRef idx="1">
-            <a:schemeClr val="accent1"/>
-          </a:lnRef>
-          <a:fillRef idx="0">
-            <a:schemeClr val="accent1"/>
-          </a:fillRef>
-          <a:effectRef idx="0">
-            <a:schemeClr val="accent1"/>
-          </a:effectRef>
-          <a:fontRef idx="minor">
-            <a:schemeClr val="tx1"/>
-          </a:fontRef>
-        </p:style>
-      </p:cxnSp>
-      <p:cxnSp>
-        <p:nvCxnSpPr>
-          <p:cNvPr id="191" name="Straight Arrow Connector 190"/>
-          <p:cNvCxnSpPr/>
-          <p:nvPr/>
-        </p:nvCxnSpPr>
-        <p:spPr>
-          <a:xfrm flipV="1">
-            <a:off x="6990891" y="2946053"/>
-            <a:ext cx="0" cy="1344568"/>
-          </a:xfrm>
-          <a:prstGeom prst="straightConnector1">
-            <a:avLst/>
-          </a:prstGeom>
-          <a:ln>
-            <a:prstDash val="dash"/>
-            <a:tailEnd type="arrow"/>
-          </a:ln>
-        </p:spPr>
-        <p:style>
-          <a:lnRef idx="1">
-            <a:schemeClr val="accent1"/>
-          </a:lnRef>
-          <a:fillRef idx="0">
-            <a:schemeClr val="accent1"/>
-          </a:fillRef>
-          <a:effectRef idx="0">
-            <a:schemeClr val="accent1"/>
-          </a:effectRef>
-          <a:fontRef idx="minor">
-            <a:schemeClr val="tx1"/>
-          </a:fontRef>
-        </p:style>
-      </p:cxnSp>
-      <p:cxnSp>
-        <p:nvCxnSpPr>
-          <p:cNvPr id="192" name="Straight Arrow Connector 191"/>
-          <p:cNvCxnSpPr/>
-          <p:nvPr/>
-        </p:nvCxnSpPr>
-        <p:spPr>
-          <a:xfrm>
-            <a:off x="7129602" y="2957723"/>
-            <a:ext cx="0" cy="1344568"/>
-          </a:xfrm>
-          <a:prstGeom prst="straightConnector1">
-            <a:avLst/>
-          </a:prstGeom>
-          <a:ln>
-            <a:prstDash val="dash"/>
-            <a:tailEnd type="arrow"/>
-          </a:ln>
-        </p:spPr>
-        <p:style>
-          <a:lnRef idx="1">
-            <a:schemeClr val="accent1"/>
-          </a:lnRef>
-          <a:fillRef idx="0">
-            <a:schemeClr val="accent1"/>
-          </a:fillRef>
-          <a:effectRef idx="0">
-            <a:schemeClr val="accent1"/>
-          </a:effectRef>
-          <a:fontRef idx="minor">
-            <a:schemeClr val="tx1"/>
-          </a:fontRef>
-        </p:style>
-      </p:cxnSp>
-      <p:cxnSp>
-        <p:nvCxnSpPr>
-          <p:cNvPr id="195" name="Straight Arrow Connector 194"/>
-          <p:cNvCxnSpPr/>
-          <p:nvPr/>
-        </p:nvCxnSpPr>
-        <p:spPr>
-          <a:xfrm flipV="1">
-            <a:off x="7935534" y="2932616"/>
-            <a:ext cx="0" cy="1344568"/>
-          </a:xfrm>
-          <a:prstGeom prst="straightConnector1">
-            <a:avLst/>
-          </a:prstGeom>
-          <a:ln>
-            <a:prstDash val="dash"/>
-            <a:tailEnd type="arrow"/>
-          </a:ln>
-        </p:spPr>
-        <p:style>
-          <a:lnRef idx="1">
-            <a:schemeClr val="accent1"/>
-          </a:lnRef>
-          <a:fillRef idx="0">
-            <a:schemeClr val="accent1"/>
-          </a:fillRef>
-          <a:effectRef idx="0">
-            <a:schemeClr val="accent1"/>
-          </a:effectRef>
-          <a:fontRef idx="minor">
-            <a:schemeClr val="tx1"/>
-          </a:fontRef>
-        </p:style>
-      </p:cxnSp>
-      <p:cxnSp>
-        <p:nvCxnSpPr>
-          <p:cNvPr id="196" name="Straight Arrow Connector 195"/>
-          <p:cNvCxnSpPr/>
-          <p:nvPr/>
-        </p:nvCxnSpPr>
-        <p:spPr>
-          <a:xfrm>
-            <a:off x="8074245" y="2944286"/>
-            <a:ext cx="0" cy="1344568"/>
-          </a:xfrm>
-          <a:prstGeom prst="straightConnector1">
-            <a:avLst/>
-          </a:prstGeom>
-          <a:ln>
-            <a:prstDash val="dash"/>
-            <a:tailEnd type="arrow"/>
-          </a:ln>
-        </p:spPr>
-        <p:style>
-          <a:lnRef idx="1">
-            <a:schemeClr val="accent1"/>
-          </a:lnRef>
-          <a:fillRef idx="0">
-            <a:schemeClr val="accent1"/>
-          </a:fillRef>
-          <a:effectRef idx="0">
-            <a:schemeClr val="accent1"/>
-          </a:effectRef>
-          <a:fontRef idx="minor">
-            <a:schemeClr val="tx1"/>
-          </a:fontRef>
-        </p:style>
-      </p:cxnSp>
-      <p:sp>
-        <p:nvSpPr>
-          <p:cNvPr id="197" name="Rectangle 196"/>
-          <p:cNvSpPr/>
-          <p:nvPr/>
-        </p:nvSpPr>
-        <p:spPr>
-          <a:xfrm>
-            <a:off x="8071570" y="4291892"/>
-            <a:ext cx="91925" cy="381000"/>
-          </a:xfrm>
-          <a:prstGeom prst="rect">
-            <a:avLst/>
-          </a:prstGeom>
-        </p:spPr>
-        <p:style>
-          <a:lnRef idx="2">
-            <a:schemeClr val="accent1">
-              <a:shade val="50000"/>
-            </a:schemeClr>
-          </a:lnRef>
-          <a:fillRef idx="1">
-            <a:schemeClr val="accent1"/>
-          </a:fillRef>
-          <a:effectRef idx="0">
-            <a:schemeClr val="accent1"/>
-          </a:effectRef>
-          <a:fontRef idx="minor">
-            <a:schemeClr val="lt1"/>
-          </a:fontRef>
-        </p:style>
-        <p:txBody>
-          <a:bodyPr lIns="36000" rIns="36000" rtlCol="0" anchor="ctr" anchorCtr="1"/>
-          <a:lstStyle/>
-          <a:p>
-            <a:pPr algn="ctr"/>
-            <a:r>
-              <a:rPr lang="en-GB" sz="1400" dirty="0" smtClean="0"/>
-              <a:t>2</a:t>
-            </a:r>
-            <a:endParaRPr lang="en-GB" sz="1400" dirty="0"/>
-          </a:p>
-        </p:txBody>
-      </p:sp>
-      <p:sp>
-        <p:nvSpPr>
-          <p:cNvPr id="199" name="Oval 198"/>
-          <p:cNvSpPr/>
-          <p:nvPr/>
-        </p:nvSpPr>
-        <p:spPr>
-          <a:xfrm rot="2028445">
-            <a:off x="1104191" y="2334670"/>
-            <a:ext cx="632897" cy="653242"/>
-          </a:xfrm>
-          <a:prstGeom prst="ellipse">
-            <a:avLst/>
-          </a:prstGeom>
-          <a:noFill/>
-          <a:ln w="12700">
-            <a:solidFill>
-              <a:schemeClr val="bg1">
-                <a:lumMod val="50000"/>
-              </a:schemeClr>
-            </a:solidFill>
-          </a:ln>
-        </p:spPr>
-        <p:style>
-          <a:lnRef idx="2">
-            <a:schemeClr val="dk1"/>
-          </a:lnRef>
-          <a:fillRef idx="1">
-            <a:schemeClr val="lt1"/>
-          </a:fillRef>
-          <a:effectRef idx="0">
-            <a:schemeClr val="dk1"/>
-          </a:effectRef>
-          <a:fontRef idx="minor">
-            <a:schemeClr val="dk1"/>
-          </a:fontRef>
-        </p:style>
-        <p:txBody>
-          <a:bodyPr rtlCol="0" anchor="ctr"/>
-          <a:lstStyle/>
-          <a:p>
-            <a:pPr algn="ctr"/>
-            <a:endParaRPr lang="en-GB"/>
-          </a:p>
-        </p:txBody>
-      </p:sp>
-      <p:cxnSp>
-        <p:nvCxnSpPr>
-          <p:cNvPr id="201" name="Straight Connector 200"/>
-          <p:cNvCxnSpPr/>
-          <p:nvPr/>
-        </p:nvCxnSpPr>
-        <p:spPr>
-          <a:xfrm flipV="1">
-            <a:off x="1602916" y="2067297"/>
-            <a:ext cx="227985" cy="335927"/>
-          </a:xfrm>
-          <a:prstGeom prst="line">
-            <a:avLst/>
-          </a:prstGeom>
-          <a:ln>
-            <a:solidFill>
-              <a:schemeClr val="bg1">
-                <a:lumMod val="50000"/>
-              </a:schemeClr>
-            </a:solidFill>
-          </a:ln>
-        </p:spPr>
-        <p:style>
-          <a:lnRef idx="1">
-            <a:schemeClr val="accent1"/>
-          </a:lnRef>
-          <a:fillRef idx="0">
-            <a:schemeClr val="accent1"/>
-          </a:fillRef>
-          <a:effectRef idx="0">
-            <a:schemeClr val="accent1"/>
-          </a:effectRef>
-          <a:fontRef idx="minor">
-            <a:schemeClr val="tx1"/>
-          </a:fontRef>
-        </p:style>
-      </p:cxnSp>
-      <p:sp>
-        <p:nvSpPr>
-          <p:cNvPr id="203" name="Oval 202"/>
-          <p:cNvSpPr/>
-          <p:nvPr/>
-        </p:nvSpPr>
-        <p:spPr>
-          <a:xfrm rot="1924179">
-            <a:off x="1570239" y="1188860"/>
-            <a:ext cx="1040882" cy="960682"/>
-          </a:xfrm>
-          <a:prstGeom prst="ellipse">
-            <a:avLst/>
-          </a:prstGeom>
-          <a:noFill/>
-          <a:ln w="19050">
-            <a:solidFill>
-              <a:schemeClr val="bg1">
-                <a:lumMod val="50000"/>
-              </a:schemeClr>
-            </a:solidFill>
-          </a:ln>
-        </p:spPr>
-        <p:style>
-          <a:lnRef idx="2">
-            <a:schemeClr val="dk1"/>
-          </a:lnRef>
-          <a:fillRef idx="1">
-            <a:schemeClr val="lt1"/>
-          </a:fillRef>
-          <a:effectRef idx="0">
-            <a:schemeClr val="dk1"/>
-          </a:effectRef>
-          <a:fontRef idx="minor">
-            <a:schemeClr val="dk1"/>
-          </a:fontRef>
-        </p:style>
-        <p:txBody>
-          <a:bodyPr rtlCol="0" anchor="ctr"/>
-          <a:lstStyle/>
-          <a:p>
-            <a:pPr algn="ctr"/>
-            <a:endParaRPr lang="en-GB"/>
-          </a:p>
-        </p:txBody>
-      </p:sp>
-      <p:sp>
-        <p:nvSpPr>
-          <p:cNvPr id="215" name="Rectangle 214"/>
-          <p:cNvSpPr/>
-          <p:nvPr/>
-        </p:nvSpPr>
-        <p:spPr>
-          <a:xfrm>
-            <a:off x="1947938" y="1283716"/>
-            <a:ext cx="274170" cy="753073"/>
-          </a:xfrm>
-          <a:prstGeom prst="rect">
-            <a:avLst/>
-          </a:prstGeom>
-        </p:spPr>
-        <p:style>
-          <a:lnRef idx="2">
-            <a:schemeClr val="accent6">
-              <a:shade val="50000"/>
-            </a:schemeClr>
-          </a:lnRef>
-          <a:fillRef idx="1">
-            <a:schemeClr val="accent6"/>
-          </a:fillRef>
-          <a:effectRef idx="0">
-            <a:schemeClr val="accent6"/>
-          </a:effectRef>
-          <a:fontRef idx="minor">
-            <a:schemeClr val="lt1"/>
-          </a:fontRef>
-        </p:style>
-        <p:txBody>
-          <a:bodyPr vert="vert" lIns="36000" rIns="36000" rtlCol="0" anchor="ctr" anchorCtr="1"/>
-          <a:lstStyle/>
-          <a:p>
-            <a:pPr algn="ctr"/>
-            <a:r>
-              <a:rPr lang="en-GB" sz="1400" dirty="0" err="1" smtClean="0"/>
-              <a:t>SysTick</a:t>
-            </a:r>
-            <a:endParaRPr lang="en-GB" sz="1400" dirty="0"/>
-          </a:p>
-        </p:txBody>
-      </p:sp>
-      <p:sp>
-        <p:nvSpPr>
-          <p:cNvPr id="223" name="Rectangle 222"/>
-          <p:cNvSpPr/>
-          <p:nvPr/>
-        </p:nvSpPr>
-        <p:spPr>
-          <a:xfrm>
-            <a:off x="5016503" y="3197930"/>
-            <a:ext cx="111964" cy="381000"/>
-          </a:xfrm>
-          <a:prstGeom prst="rect">
-            <a:avLst/>
-          </a:prstGeom>
-        </p:spPr>
-        <p:style>
-          <a:lnRef idx="2">
-            <a:schemeClr val="accent1">
-              <a:shade val="50000"/>
-            </a:schemeClr>
-          </a:lnRef>
-          <a:fillRef idx="1">
-            <a:schemeClr val="accent1"/>
-          </a:fillRef>
-          <a:effectRef idx="0">
-            <a:schemeClr val="accent1"/>
-          </a:effectRef>
-          <a:fontRef idx="minor">
-            <a:schemeClr val="lt1"/>
-          </a:fontRef>
-        </p:style>
-        <p:txBody>
-          <a:bodyPr lIns="36000" rIns="36000" rtlCol="0" anchor="ctr" anchorCtr="1"/>
-          <a:lstStyle/>
-          <a:p>
-            <a:pPr algn="ctr"/>
-            <a:r>
-              <a:rPr lang="en-GB" sz="1400" dirty="0" smtClean="0"/>
-              <a:t>4</a:t>
-            </a:r>
-            <a:endParaRPr lang="en-GB" sz="1400" dirty="0"/>
-          </a:p>
-        </p:txBody>
-      </p:sp>
-      <p:cxnSp>
-        <p:nvCxnSpPr>
-          <p:cNvPr id="246" name="Straight Arrow Connector 245"/>
-          <p:cNvCxnSpPr/>
-          <p:nvPr/>
-        </p:nvCxnSpPr>
-        <p:spPr>
-          <a:xfrm flipH="1">
-            <a:off x="5006132" y="2918621"/>
-            <a:ext cx="95" cy="265171"/>
-          </a:xfrm>
-          <a:prstGeom prst="straightConnector1">
-            <a:avLst/>
-          </a:prstGeom>
-          <a:ln>
-            <a:prstDash val="dash"/>
-            <a:tailEnd type="arrow"/>
-          </a:ln>
-        </p:spPr>
-        <p:style>
-          <a:lnRef idx="1">
-            <a:schemeClr val="accent1"/>
-          </a:lnRef>
-          <a:fillRef idx="0">
-            <a:schemeClr val="accent1"/>
-          </a:fillRef>
-          <a:effectRef idx="0">
-            <a:schemeClr val="accent1"/>
-          </a:effectRef>
-          <a:fontRef idx="minor">
-            <a:schemeClr val="tx1"/>
-          </a:fontRef>
-        </p:style>
-      </p:cxnSp>
-      <p:cxnSp>
-        <p:nvCxnSpPr>
-          <p:cNvPr id="247" name="Straight Arrow Connector 246"/>
-          <p:cNvCxnSpPr/>
-          <p:nvPr/>
-        </p:nvCxnSpPr>
-        <p:spPr>
-          <a:xfrm flipV="1">
-            <a:off x="5145380" y="2932176"/>
-            <a:ext cx="0" cy="246457"/>
-          </a:xfrm>
-          <a:prstGeom prst="straightConnector1">
-            <a:avLst/>
-          </a:prstGeom>
-          <a:ln>
-            <a:prstDash val="dash"/>
-            <a:tailEnd type="arrow"/>
-          </a:ln>
-        </p:spPr>
-        <p:style>
-          <a:lnRef idx="1">
-            <a:schemeClr val="accent1"/>
-          </a:lnRef>
-          <a:fillRef idx="0">
-            <a:schemeClr val="accent1"/>
-          </a:fillRef>
-          <a:effectRef idx="0">
-            <a:schemeClr val="accent1"/>
-          </a:effectRef>
-          <a:fontRef idx="minor">
-            <a:schemeClr val="tx1"/>
-          </a:fontRef>
-        </p:style>
-      </p:cxnSp>
-      <p:sp>
-        <p:nvSpPr>
-          <p:cNvPr id="248" name="Rectangle 247"/>
-          <p:cNvSpPr/>
-          <p:nvPr/>
-        </p:nvSpPr>
-        <p:spPr>
-          <a:xfrm>
-            <a:off x="5287385" y="3197930"/>
-            <a:ext cx="111964" cy="381000"/>
-          </a:xfrm>
-          <a:prstGeom prst="rect">
-            <a:avLst/>
-          </a:prstGeom>
-        </p:spPr>
-        <p:style>
-          <a:lnRef idx="2">
-            <a:schemeClr val="accent1">
-              <a:shade val="50000"/>
-            </a:schemeClr>
-          </a:lnRef>
-          <a:fillRef idx="1">
-            <a:schemeClr val="accent1"/>
-          </a:fillRef>
-          <a:effectRef idx="0">
-            <a:schemeClr val="accent1"/>
-          </a:effectRef>
-          <a:fontRef idx="minor">
-            <a:schemeClr val="lt1"/>
-          </a:fontRef>
-        </p:style>
-        <p:txBody>
-          <a:bodyPr lIns="36000" rIns="36000" rtlCol="0" anchor="ctr" anchorCtr="1"/>
-          <a:lstStyle/>
-          <a:p>
-            <a:pPr algn="ctr"/>
-            <a:r>
-              <a:rPr lang="en-GB" sz="1400" dirty="0" smtClean="0"/>
-              <a:t>4</a:t>
-            </a:r>
-            <a:endParaRPr lang="en-GB" sz="1400" dirty="0"/>
-          </a:p>
-        </p:txBody>
-      </p:sp>
-      <p:cxnSp>
-        <p:nvCxnSpPr>
-          <p:cNvPr id="249" name="Straight Arrow Connector 248"/>
-          <p:cNvCxnSpPr/>
-          <p:nvPr/>
-        </p:nvCxnSpPr>
-        <p:spPr>
-          <a:xfrm flipH="1">
-            <a:off x="5276781" y="2923780"/>
-            <a:ext cx="95" cy="265171"/>
-          </a:xfrm>
-          <a:prstGeom prst="straightConnector1">
-            <a:avLst/>
-          </a:prstGeom>
-          <a:ln>
-            <a:prstDash val="dash"/>
-            <a:tailEnd type="arrow"/>
-          </a:ln>
-        </p:spPr>
-        <p:style>
-          <a:lnRef idx="1">
-            <a:schemeClr val="accent1"/>
-          </a:lnRef>
-          <a:fillRef idx="0">
-            <a:schemeClr val="accent1"/>
-          </a:fillRef>
-          <a:effectRef idx="0">
-            <a:schemeClr val="accent1"/>
-          </a:effectRef>
-          <a:fontRef idx="minor">
-            <a:schemeClr val="tx1"/>
-          </a:fontRef>
-        </p:style>
-      </p:cxnSp>
-      <p:cxnSp>
-        <p:nvCxnSpPr>
-          <p:cNvPr id="250" name="Straight Arrow Connector 249"/>
-          <p:cNvCxnSpPr/>
-          <p:nvPr/>
-        </p:nvCxnSpPr>
-        <p:spPr>
-          <a:xfrm flipV="1">
-            <a:off x="5416029" y="2937335"/>
-            <a:ext cx="0" cy="246457"/>
-          </a:xfrm>
-          <a:prstGeom prst="straightConnector1">
-            <a:avLst/>
-          </a:prstGeom>
-          <a:ln>
-            <a:prstDash val="dash"/>
-            <a:tailEnd type="arrow"/>
-          </a:ln>
-        </p:spPr>
-        <p:style>
-          <a:lnRef idx="1">
-            <a:schemeClr val="accent1"/>
-          </a:lnRef>
-          <a:fillRef idx="0">
-            <a:schemeClr val="accent1"/>
-          </a:fillRef>
-          <a:effectRef idx="0">
-            <a:schemeClr val="accent1"/>
-          </a:effectRef>
-          <a:fontRef idx="minor">
-            <a:schemeClr val="tx1"/>
-          </a:fontRef>
-        </p:style>
-      </p:cxnSp>
-      <p:sp>
-        <p:nvSpPr>
-          <p:cNvPr id="251" name="Rectangle 250"/>
-          <p:cNvSpPr/>
-          <p:nvPr/>
-        </p:nvSpPr>
-        <p:spPr>
-          <a:xfrm>
-            <a:off x="5399349" y="2542780"/>
-            <a:ext cx="163251" cy="381000"/>
-          </a:xfrm>
-          <a:prstGeom prst="rect">
-            <a:avLst/>
-          </a:prstGeom>
-        </p:spPr>
-        <p:style>
-          <a:lnRef idx="2">
-            <a:schemeClr val="accent1">
-              <a:shade val="50000"/>
-            </a:schemeClr>
-          </a:lnRef>
-          <a:fillRef idx="1">
-            <a:schemeClr val="accent1"/>
-          </a:fillRef>
-          <a:effectRef idx="0">
-            <a:schemeClr val="accent1"/>
-          </a:effectRef>
-          <a:fontRef idx="minor">
-            <a:schemeClr val="lt1"/>
-          </a:fontRef>
-        </p:style>
-        <p:txBody>
-          <a:bodyPr lIns="36000" rIns="36000" rtlCol="0" anchor="ctr" anchorCtr="1"/>
-          <a:lstStyle/>
-          <a:p>
-            <a:pPr algn="ctr"/>
-            <a:endParaRPr lang="en-GB" sz="1400" dirty="0"/>
-          </a:p>
-        </p:txBody>
-      </p:sp>
-      <p:cxnSp>
-        <p:nvCxnSpPr>
-          <p:cNvPr id="252" name="Straight Arrow Connector 251"/>
-          <p:cNvCxnSpPr/>
-          <p:nvPr/>
-        </p:nvCxnSpPr>
-        <p:spPr>
-          <a:xfrm>
-            <a:off x="5565585" y="2941433"/>
-            <a:ext cx="0" cy="842170"/>
-          </a:xfrm>
-          <a:prstGeom prst="straightConnector1">
-            <a:avLst/>
-          </a:prstGeom>
-          <a:ln>
-            <a:prstDash val="dash"/>
-            <a:tailEnd type="arrow"/>
-          </a:ln>
-        </p:spPr>
-        <p:style>
-          <a:lnRef idx="1">
-            <a:schemeClr val="accent1"/>
-          </a:lnRef>
-          <a:fillRef idx="0">
-            <a:schemeClr val="accent1"/>
-          </a:fillRef>
-          <a:effectRef idx="0">
-            <a:schemeClr val="accent1"/>
-          </a:effectRef>
-          <a:fontRef idx="minor">
-            <a:schemeClr val="tx1"/>
-          </a:fontRef>
-        </p:style>
-      </p:cxnSp>
-      <p:sp>
-        <p:nvSpPr>
-          <p:cNvPr id="253" name="Rectangle 252"/>
-          <p:cNvSpPr/>
-          <p:nvPr/>
-        </p:nvSpPr>
-        <p:spPr>
-          <a:xfrm>
-            <a:off x="5986621" y="2537188"/>
-            <a:ext cx="163251" cy="381000"/>
-          </a:xfrm>
-          <a:prstGeom prst="rect">
-            <a:avLst/>
-          </a:prstGeom>
-        </p:spPr>
-        <p:style>
-          <a:lnRef idx="2">
-            <a:schemeClr val="accent1">
-              <a:shade val="50000"/>
-            </a:schemeClr>
-          </a:lnRef>
-          <a:fillRef idx="1">
-            <a:schemeClr val="accent1"/>
-          </a:fillRef>
-          <a:effectRef idx="0">
-            <a:schemeClr val="accent1"/>
-          </a:effectRef>
-          <a:fontRef idx="minor">
-            <a:schemeClr val="lt1"/>
-          </a:fontRef>
-        </p:style>
-        <p:txBody>
-          <a:bodyPr lIns="36000" rIns="36000" rtlCol="0" anchor="ctr" anchorCtr="1"/>
-          <a:lstStyle/>
-          <a:p>
-            <a:pPr algn="ctr"/>
-            <a:endParaRPr lang="en-GB" sz="1400" dirty="0"/>
-          </a:p>
-        </p:txBody>
-      </p:sp>
-      <p:cxnSp>
-        <p:nvCxnSpPr>
-          <p:cNvPr id="254" name="Straight Arrow Connector 253"/>
-          <p:cNvCxnSpPr/>
-          <p:nvPr/>
-        </p:nvCxnSpPr>
-        <p:spPr>
-          <a:xfrm flipV="1">
-            <a:off x="5986621" y="2907794"/>
-            <a:ext cx="0" cy="836613"/>
-          </a:xfrm>
-          <a:prstGeom prst="straightConnector1">
-            <a:avLst/>
-          </a:prstGeom>
-          <a:ln>
-            <a:prstDash val="dash"/>
-            <a:tailEnd type="arrow"/>
-          </a:ln>
-        </p:spPr>
-        <p:style>
-          <a:lnRef idx="1">
-            <a:schemeClr val="accent1"/>
-          </a:lnRef>
-          <a:fillRef idx="0">
-            <a:schemeClr val="accent1"/>
-          </a:fillRef>
-          <a:effectRef idx="0">
-            <a:schemeClr val="accent1"/>
-          </a:effectRef>
-          <a:fontRef idx="minor">
-            <a:schemeClr val="tx1"/>
-          </a:fontRef>
-        </p:style>
-      </p:cxnSp>
+            <a:pPr eaLnBrk="1" hangingPunct="1"/>
+            <a:r>
+              <a:rPr lang="en-US" altLang="en-US" sz="1100" b="0" dirty="0">
+                <a:solidFill>
+                  <a:schemeClr val="bg1">
+                    <a:lumMod val="85000"/>
+                  </a:schemeClr>
+                </a:solidFill>
+                <a:latin typeface="+mn-lt"/>
+                <a:ea typeface="+mn-ea"/>
+              </a:rPr>
+              <a:t>Examples</a:t>
+            </a:r>
+            <a:r>
+              <a:rPr lang="en-US" altLang="en-US" sz="1100" dirty="0">
+                <a:solidFill>
+                  <a:schemeClr val="bg1">
+                    <a:lumMod val="85000"/>
+                  </a:schemeClr>
+                </a:solidFill>
+              </a:rPr>
+              <a:t>:</a:t>
+            </a:r>
+            <a:endParaRPr lang="en-US" altLang="en-US" sz="1100" b="0" dirty="0">
+              <a:solidFill>
+                <a:schemeClr val="bg1">
+                  <a:lumMod val="85000"/>
+                </a:schemeClr>
+              </a:solidFill>
+              <a:latin typeface="+mn-lt"/>
+              <a:ea typeface="+mn-ea"/>
+            </a:endParaRPr>
+          </a:p>
+        </p:txBody>
+      </p:sp>
     </p:spTree>
     <p:extLst>
       <p:ext uri="{BB962C8B-B14F-4D97-AF65-F5344CB8AC3E}">
-        <p14:creationId xmlns:p14="http://schemas.microsoft.com/office/powerpoint/2010/main" val="2417841337"/>
+        <p14:creationId xmlns:p14="http://schemas.microsoft.com/office/powerpoint/2010/main" val="1465475494"/>
       </p:ext>
     </p:extLst>
   </p:cSld>
   <p:clrMapOvr>
     <a:masterClrMapping/>
   </p:clrMapOvr>
-  <p:timing>
-    <p:tnLst>
-      <p:par>
-        <p:cTn id="1" dur="indefinite" restart="never" nodeType="tmRoot"/>
-      </p:par>
-    </p:tnLst>
-  </p:timing>
 </p:sld>
 </file>
 
@@ -5777,114 +4822,21 @@
           <a:chExt cx="0" cy="0"/>
         </a:xfrm>
       </p:grpSpPr>
-      <p:sp>
-        <p:nvSpPr>
-          <p:cNvPr id="2" name="Oval 1"/>
-          <p:cNvSpPr/>
-          <p:nvPr/>
-        </p:nvSpPr>
-        <p:spPr>
-          <a:xfrm>
-            <a:off x="3352800" y="1028700"/>
-            <a:ext cx="1524000" cy="838200"/>
-          </a:xfrm>
-          <a:prstGeom prst="ellipse">
-            <a:avLst/>
-          </a:prstGeom>
-          <a:ln w="28575"/>
-        </p:spPr>
-        <p:style>
-          <a:lnRef idx="2">
-            <a:schemeClr val="accent1">
-              <a:shade val="50000"/>
-            </a:schemeClr>
-          </a:lnRef>
-          <a:fillRef idx="1">
-            <a:schemeClr val="accent1"/>
-          </a:fillRef>
-          <a:effectRef idx="0">
-            <a:schemeClr val="accent1"/>
-          </a:effectRef>
-          <a:fontRef idx="minor">
-            <a:schemeClr val="lt1"/>
-          </a:fontRef>
-        </p:style>
-        <p:txBody>
-          <a:bodyPr rtlCol="0" anchor="ctr"/>
-          <a:lstStyle/>
-          <a:p>
-            <a:pPr algn="ctr"/>
-            <a:r>
-              <a:rPr lang="en-GB" dirty="0" smtClean="0"/>
-              <a:t>available</a:t>
-            </a:r>
-            <a:endParaRPr lang="en-GB" dirty="0"/>
-          </a:p>
-        </p:txBody>
-      </p:sp>
-      <p:sp>
-        <p:nvSpPr>
-          <p:cNvPr id="4" name="Oval 3"/>
-          <p:cNvSpPr/>
-          <p:nvPr/>
-        </p:nvSpPr>
-        <p:spPr>
-          <a:xfrm>
-            <a:off x="3352800" y="2857500"/>
-            <a:ext cx="1524000" cy="838200"/>
-          </a:xfrm>
-          <a:prstGeom prst="ellipse">
-            <a:avLst/>
-          </a:prstGeom>
-          <a:ln w="28575"/>
-        </p:spPr>
-        <p:style>
-          <a:lnRef idx="2">
-            <a:schemeClr val="accent1">
-              <a:shade val="50000"/>
-            </a:schemeClr>
-          </a:lnRef>
-          <a:fillRef idx="1">
-            <a:schemeClr val="accent1"/>
-          </a:fillRef>
-          <a:effectRef idx="0">
-            <a:schemeClr val="accent1"/>
-          </a:effectRef>
-          <a:fontRef idx="minor">
-            <a:schemeClr val="lt1"/>
-          </a:fontRef>
-        </p:style>
-        <p:txBody>
-          <a:bodyPr rtlCol="0" anchor="ctr"/>
-          <a:lstStyle/>
-          <a:p>
-            <a:pPr algn="ctr"/>
-            <a:r>
-              <a:rPr lang="en-GB" dirty="0" smtClean="0"/>
-              <a:t>blocked</a:t>
-            </a:r>
-            <a:endParaRPr lang="en-GB" dirty="0"/>
-          </a:p>
-        </p:txBody>
-      </p:sp>
       <p:cxnSp>
         <p:nvCxnSpPr>
-          <p:cNvPr id="8" name="Straight Arrow Connector 7"/>
-          <p:cNvCxnSpPr>
-            <a:stCxn id="2" idx="3"/>
-            <a:endCxn id="4" idx="1"/>
-          </p:cNvCxnSpPr>
+          <p:cNvPr id="66" name="Straight Arrow Connector 65"/>
+          <p:cNvCxnSpPr/>
           <p:nvPr/>
         </p:nvCxnSpPr>
         <p:spPr>
           <a:xfrm>
-            <a:off x="3575985" y="1744148"/>
-            <a:ext cx="0" cy="1236104"/>
+            <a:off x="606643" y="4746494"/>
+            <a:ext cx="7696200" cy="0"/>
           </a:xfrm>
           <a:prstGeom prst="straightConnector1">
             <a:avLst/>
           </a:prstGeom>
-          <a:ln w="19050">
+          <a:ln>
             <a:tailEnd type="arrow"/>
           </a:ln>
         </p:spPr>
@@ -5905,22 +4857,19 @@
       </p:cxnSp>
       <p:cxnSp>
         <p:nvCxnSpPr>
-          <p:cNvPr id="10" name="Straight Arrow Connector 9"/>
-          <p:cNvCxnSpPr>
-            <a:stCxn id="4" idx="7"/>
-            <a:endCxn id="2" idx="5"/>
-          </p:cNvCxnSpPr>
+          <p:cNvPr id="67" name="Straight Arrow Connector 66"/>
+          <p:cNvCxnSpPr/>
           <p:nvPr/>
         </p:nvCxnSpPr>
         <p:spPr>
           <a:xfrm flipV="1">
-            <a:off x="4653615" y="1744148"/>
-            <a:ext cx="0" cy="1236104"/>
+            <a:off x="682843" y="1104900"/>
+            <a:ext cx="1588" cy="3793994"/>
           </a:xfrm>
           <a:prstGeom prst="straightConnector1">
             <a:avLst/>
           </a:prstGeom>
-          <a:ln w="19050">
+          <a:ln>
             <a:tailEnd type="arrow"/>
           </a:ln>
         </p:spPr>
@@ -5941,14 +4890,14 @@
       </p:cxnSp>
       <p:sp>
         <p:nvSpPr>
-          <p:cNvPr id="11" name="TextBox 10"/>
+          <p:cNvPr id="68" name="TextBox 67"/>
           <p:cNvSpPr txBox="1"/>
           <p:nvPr/>
         </p:nvSpPr>
         <p:spPr>
           <a:xfrm>
-            <a:off x="2029086" y="1954040"/>
-            <a:ext cx="1546898" cy="738664"/>
+            <a:off x="248254" y="647700"/>
+            <a:ext cx="872355" cy="369332"/>
           </a:xfrm>
           <a:prstGeom prst="rect">
             <a:avLst/>
@@ -5962,38 +4911,22 @@
           <a:lstStyle/>
           <a:p>
             <a:r>
-              <a:rPr lang="en-GB" sz="1400" dirty="0" err="1" smtClean="0"/>
-              <a:t>osMutexAcquire</a:t>
-            </a:r>
-            <a:r>
-              <a:rPr lang="en-GB" sz="1400" dirty="0" smtClean="0"/>
-              <a:t>() </a:t>
-            </a:r>
-          </a:p>
-          <a:p>
-            <a:r>
-              <a:rPr lang="en-GB" sz="1400" dirty="0" smtClean="0"/>
-              <a:t>/ owner = running,</a:t>
-            </a:r>
-          </a:p>
-          <a:p>
-            <a:r>
-              <a:rPr lang="en-GB" sz="1400" dirty="0" smtClean="0"/>
-              <a:t>count = 0</a:t>
-            </a:r>
-          </a:p>
-        </p:txBody>
-      </p:sp>
-      <p:sp>
-        <p:nvSpPr>
-          <p:cNvPr id="12" name="TextBox 11"/>
+              <a:rPr lang="en-GB" dirty="0"/>
+              <a:t>Priority</a:t>
+            </a:r>
+          </a:p>
+        </p:txBody>
+      </p:sp>
+      <p:sp>
+        <p:nvSpPr>
+          <p:cNvPr id="69" name="TextBox 68"/>
           <p:cNvSpPr txBox="1"/>
           <p:nvPr/>
         </p:nvSpPr>
         <p:spPr>
           <a:xfrm>
-            <a:off x="4653615" y="1954040"/>
-            <a:ext cx="2852928" cy="738664"/>
+            <a:off x="8074245" y="4765387"/>
+            <a:ext cx="649537" cy="369332"/>
           </a:xfrm>
           <a:prstGeom prst="rect">
             <a:avLst/>
@@ -6001,79 +4934,32 @@
           <a:noFill/>
         </p:spPr>
         <p:txBody>
-          <a:bodyPr wrap="square" rtlCol="0">
+          <a:bodyPr wrap="none" rtlCol="0">
             <a:spAutoFit/>
           </a:bodyPr>
           <a:lstStyle/>
           <a:p>
             <a:r>
-              <a:rPr lang="en-GB" sz="1400" dirty="0" err="1" smtClean="0"/>
-              <a:t>osMutexRelease</a:t>
-            </a:r>
-            <a:r>
-              <a:rPr lang="en-GB" sz="1400" dirty="0" smtClean="0"/>
-              <a:t>()</a:t>
-            </a:r>
-            <a:r>
-              <a:rPr lang="en-GB" sz="1400" dirty="0"/>
-              <a:t> </a:t>
-            </a:r>
-            <a:endParaRPr lang="en-GB" sz="1400" dirty="0" smtClean="0"/>
-          </a:p>
-          <a:p>
-            <a:r>
-              <a:rPr lang="en-GB" sz="1400" dirty="0" smtClean="0"/>
-              <a:t>[</a:t>
-            </a:r>
-            <a:r>
-              <a:rPr lang="en-GB" sz="1400" dirty="0"/>
-              <a:t>owner == running </a:t>
-            </a:r>
-            <a:r>
-              <a:rPr lang="en-GB" sz="1400" dirty="0" smtClean="0"/>
-              <a:t>&amp; !count]</a:t>
-            </a:r>
-          </a:p>
-          <a:p>
-            <a:r>
-              <a:rPr lang="en-GB" sz="1400" dirty="0" smtClean="0"/>
-              <a:t>/ </a:t>
-            </a:r>
-            <a:r>
-              <a:rPr lang="en-GB" sz="1400" dirty="0"/>
-              <a:t>owner = </a:t>
-            </a:r>
-            <a:r>
-              <a:rPr lang="en-GB" sz="1400" dirty="0" smtClean="0"/>
-              <a:t>NULL</a:t>
-            </a:r>
-            <a:endParaRPr lang="en-GB" sz="1400" dirty="0"/>
+              <a:rPr lang="en-GB" dirty="0"/>
+              <a:t>Time</a:t>
+            </a:r>
           </a:p>
         </p:txBody>
       </p:sp>
       <p:cxnSp>
         <p:nvCxnSpPr>
-          <p:cNvPr id="14" name="Elbow Connector 13"/>
-          <p:cNvCxnSpPr>
-            <a:stCxn id="4" idx="2"/>
-            <a:endCxn id="4" idx="3"/>
-          </p:cNvCxnSpPr>
+          <p:cNvPr id="70" name="Straight Connector 69"/>
+          <p:cNvCxnSpPr/>
           <p:nvPr/>
         </p:nvCxnSpPr>
         <p:spPr>
-          <a:xfrm rot="10800000" flipH="1" flipV="1">
-            <a:off x="3352799" y="3276600"/>
-            <a:ext cx="223185" cy="296348"/>
-          </a:xfrm>
-          <a:prstGeom prst="bentConnector4">
-            <a:avLst>
-              <a:gd name="adj1" fmla="val -255382"/>
-              <a:gd name="adj2" fmla="val 315242"/>
-            </a:avLst>
-          </a:prstGeom>
-          <a:ln w="19050">
-            <a:tailEnd type="arrow"/>
-          </a:ln>
+          <a:xfrm>
+            <a:off x="563936" y="2999940"/>
+            <a:ext cx="131377" cy="0"/>
+          </a:xfrm>
+          <a:prstGeom prst="line">
+            <a:avLst/>
+          </a:prstGeom>
         </p:spPr>
         <p:style>
           <a:lnRef idx="1">
@@ -6092,14 +4978,14 @@
       </p:cxnSp>
       <p:sp>
         <p:nvSpPr>
-          <p:cNvPr id="16" name="TextBox 15"/>
+          <p:cNvPr id="71" name="TextBox 70"/>
           <p:cNvSpPr txBox="1"/>
           <p:nvPr/>
         </p:nvSpPr>
         <p:spPr>
-          <a:xfrm>
-            <a:off x="2362200" y="4240176"/>
-            <a:ext cx="1589794" cy="738664"/>
+          <a:xfrm rot="16200000">
+            <a:off x="-127249" y="1700943"/>
+            <a:ext cx="1239442" cy="307777"/>
           </a:xfrm>
           <a:prstGeom prst="rect">
             <a:avLst/>
@@ -6113,50 +4999,518 @@
           <a:lstStyle/>
           <a:p>
             <a:r>
-              <a:rPr lang="en-GB" sz="1400" dirty="0" err="1" smtClean="0"/>
-              <a:t>osMutexAcquire</a:t>
-            </a:r>
-            <a:r>
-              <a:rPr lang="en-GB" sz="1400" dirty="0" smtClean="0"/>
-              <a:t>() </a:t>
-            </a:r>
-          </a:p>
-          <a:p>
-            <a:r>
-              <a:rPr lang="en-GB" sz="1400" dirty="0" smtClean="0"/>
-              <a:t>[owner == running]</a:t>
-            </a:r>
-          </a:p>
-          <a:p>
-            <a:r>
-              <a:rPr lang="en-GB" sz="1400" dirty="0" smtClean="0"/>
-              <a:t>/ count++</a:t>
-            </a:r>
+              <a:rPr lang="en-GB" sz="1400" dirty="0"/>
+              <a:t>Handler Mode</a:t>
+            </a:r>
+          </a:p>
+        </p:txBody>
+      </p:sp>
+      <p:sp>
+        <p:nvSpPr>
+          <p:cNvPr id="72" name="TextBox 71"/>
+          <p:cNvSpPr txBox="1"/>
+          <p:nvPr/>
+        </p:nvSpPr>
+        <p:spPr>
+          <a:xfrm rot="16200000">
+            <a:off x="-67231" y="3820215"/>
+            <a:ext cx="1171346" cy="307777"/>
+          </a:xfrm>
+          <a:prstGeom prst="rect">
+            <a:avLst/>
+          </a:prstGeom>
+          <a:noFill/>
+        </p:spPr>
+        <p:txBody>
+          <a:bodyPr wrap="none" rtlCol="0">
+            <a:spAutoFit/>
+          </a:bodyPr>
+          <a:lstStyle/>
+          <a:p>
+            <a:r>
+              <a:rPr lang="en-GB" sz="1400" dirty="0"/>
+              <a:t>Thread Mode</a:t>
+            </a:r>
+          </a:p>
+        </p:txBody>
+      </p:sp>
+      <p:sp>
+        <p:nvSpPr>
+          <p:cNvPr id="73" name="Rectangle 72"/>
+          <p:cNvSpPr/>
+          <p:nvPr/>
+        </p:nvSpPr>
+        <p:spPr>
+          <a:xfrm>
+            <a:off x="738023" y="4289294"/>
+            <a:ext cx="618546" cy="381000"/>
+          </a:xfrm>
+          <a:prstGeom prst="rect">
+            <a:avLst/>
+          </a:prstGeom>
+        </p:spPr>
+        <p:style>
+          <a:lnRef idx="2">
+            <a:schemeClr val="accent1">
+              <a:shade val="50000"/>
+            </a:schemeClr>
+          </a:lnRef>
+          <a:fillRef idx="1">
+            <a:schemeClr val="accent1"/>
+          </a:fillRef>
+          <a:effectRef idx="0">
+            <a:schemeClr val="accent1"/>
+          </a:effectRef>
+          <a:fontRef idx="minor">
+            <a:schemeClr val="lt1"/>
+          </a:fontRef>
+        </p:style>
+        <p:txBody>
+          <a:bodyPr lIns="36000" rIns="36000" rtlCol="0" anchor="ctr" anchorCtr="1"/>
+          <a:lstStyle/>
+          <a:p>
+            <a:pPr algn="ctr"/>
+            <a:r>
+              <a:rPr lang="en-GB" sz="1400" dirty="0"/>
+              <a:t>2</a:t>
+            </a:r>
+          </a:p>
+        </p:txBody>
+      </p:sp>
+      <p:sp>
+        <p:nvSpPr>
+          <p:cNvPr id="74" name="Rectangle 73"/>
+          <p:cNvSpPr/>
+          <p:nvPr/>
+        </p:nvSpPr>
+        <p:spPr>
+          <a:xfrm>
+            <a:off x="2979500" y="3762503"/>
+            <a:ext cx="256339" cy="381000"/>
+          </a:xfrm>
+          <a:prstGeom prst="rect">
+            <a:avLst/>
+          </a:prstGeom>
+        </p:spPr>
+        <p:style>
+          <a:lnRef idx="2">
+            <a:schemeClr val="accent1">
+              <a:shade val="50000"/>
+            </a:schemeClr>
+          </a:lnRef>
+          <a:fillRef idx="1">
+            <a:schemeClr val="accent1"/>
+          </a:fillRef>
+          <a:effectRef idx="0">
+            <a:schemeClr val="accent1"/>
+          </a:effectRef>
+          <a:fontRef idx="minor">
+            <a:schemeClr val="lt1"/>
+          </a:fontRef>
+        </p:style>
+        <p:txBody>
+          <a:bodyPr lIns="36000" rIns="36000" rtlCol="0" anchor="ctr" anchorCtr="1"/>
+          <a:lstStyle/>
+          <a:p>
+            <a:pPr algn="ctr"/>
+            <a:r>
+              <a:rPr lang="en-GB" sz="1400" dirty="0"/>
+              <a:t>3</a:t>
+            </a:r>
+          </a:p>
+        </p:txBody>
+      </p:sp>
+      <p:sp>
+        <p:nvSpPr>
+          <p:cNvPr id="75" name="Rectangle 74"/>
+          <p:cNvSpPr/>
+          <p:nvPr/>
+        </p:nvSpPr>
+        <p:spPr>
+          <a:xfrm>
+            <a:off x="1351828" y="2537188"/>
+            <a:ext cx="138710" cy="381000"/>
+          </a:xfrm>
+          <a:prstGeom prst="rect">
+            <a:avLst/>
+          </a:prstGeom>
+        </p:spPr>
+        <p:style>
+          <a:lnRef idx="2">
+            <a:schemeClr val="accent6">
+              <a:shade val="50000"/>
+            </a:schemeClr>
+          </a:lnRef>
+          <a:fillRef idx="1">
+            <a:schemeClr val="accent6"/>
+          </a:fillRef>
+          <a:effectRef idx="0">
+            <a:schemeClr val="accent6"/>
+          </a:effectRef>
+          <a:fontRef idx="minor">
+            <a:schemeClr val="lt1"/>
+          </a:fontRef>
+        </p:style>
+        <p:txBody>
+          <a:bodyPr lIns="36000" rIns="36000" rtlCol="0" anchor="ctr" anchorCtr="1"/>
+          <a:lstStyle/>
+          <a:p>
+            <a:pPr algn="ctr"/>
+            <a:endParaRPr lang="en-GB" sz="1400" dirty="0"/>
+          </a:p>
+        </p:txBody>
+      </p:sp>
+      <p:sp>
+        <p:nvSpPr>
+          <p:cNvPr id="76" name="Rectangle 75"/>
+          <p:cNvSpPr/>
+          <p:nvPr/>
+        </p:nvSpPr>
+        <p:spPr>
+          <a:xfrm>
+            <a:off x="1495279" y="4289294"/>
+            <a:ext cx="731570" cy="381000"/>
+          </a:xfrm>
+          <a:prstGeom prst="rect">
+            <a:avLst/>
+          </a:prstGeom>
+        </p:spPr>
+        <p:style>
+          <a:lnRef idx="2">
+            <a:schemeClr val="accent1">
+              <a:shade val="50000"/>
+            </a:schemeClr>
+          </a:lnRef>
+          <a:fillRef idx="1">
+            <a:schemeClr val="accent1"/>
+          </a:fillRef>
+          <a:effectRef idx="0">
+            <a:schemeClr val="accent1"/>
+          </a:effectRef>
+          <a:fontRef idx="minor">
+            <a:schemeClr val="lt1"/>
+          </a:fontRef>
+        </p:style>
+        <p:txBody>
+          <a:bodyPr lIns="36000" rIns="36000" rtlCol="0" anchor="ctr" anchorCtr="1"/>
+          <a:lstStyle/>
+          <a:p>
+            <a:pPr algn="ctr"/>
+            <a:r>
+              <a:rPr lang="en-GB" sz="1400" dirty="0"/>
+              <a:t>1</a:t>
+            </a:r>
+          </a:p>
+        </p:txBody>
+      </p:sp>
+      <p:sp>
+        <p:nvSpPr>
+          <p:cNvPr id="77" name="Rectangle 76"/>
+          <p:cNvSpPr/>
+          <p:nvPr/>
+        </p:nvSpPr>
+        <p:spPr>
+          <a:xfrm>
+            <a:off x="2222108" y="2537188"/>
+            <a:ext cx="138710" cy="381000"/>
+          </a:xfrm>
+          <a:prstGeom prst="rect">
+            <a:avLst/>
+          </a:prstGeom>
+        </p:spPr>
+        <p:style>
+          <a:lnRef idx="2">
+            <a:schemeClr val="accent6">
+              <a:shade val="50000"/>
+            </a:schemeClr>
+          </a:lnRef>
+          <a:fillRef idx="1">
+            <a:schemeClr val="accent6"/>
+          </a:fillRef>
+          <a:effectRef idx="0">
+            <a:schemeClr val="accent6"/>
+          </a:effectRef>
+          <a:fontRef idx="minor">
+            <a:schemeClr val="lt1"/>
+          </a:fontRef>
+        </p:style>
+        <p:txBody>
+          <a:bodyPr lIns="36000" rIns="36000" rtlCol="0" anchor="ctr" anchorCtr="1"/>
+          <a:lstStyle/>
+          <a:p>
+            <a:pPr algn="ctr"/>
+            <a:endParaRPr lang="en-GB" sz="1400" dirty="0"/>
+          </a:p>
+        </p:txBody>
+      </p:sp>
+      <p:sp>
+        <p:nvSpPr>
+          <p:cNvPr id="78" name="Rectangle 77"/>
+          <p:cNvSpPr/>
+          <p:nvPr/>
+        </p:nvSpPr>
+        <p:spPr>
+          <a:xfrm>
+            <a:off x="2612093" y="2537188"/>
+            <a:ext cx="373232" cy="381000"/>
+          </a:xfrm>
+          <a:prstGeom prst="rect">
+            <a:avLst/>
+          </a:prstGeom>
+        </p:spPr>
+        <p:style>
+          <a:lnRef idx="2">
+            <a:schemeClr val="accent1">
+              <a:shade val="50000"/>
+            </a:schemeClr>
+          </a:lnRef>
+          <a:fillRef idx="1">
+            <a:schemeClr val="accent1"/>
+          </a:fillRef>
+          <a:effectRef idx="0">
+            <a:schemeClr val="accent1"/>
+          </a:effectRef>
+          <a:fontRef idx="minor">
+            <a:schemeClr val="lt1"/>
+          </a:fontRef>
+        </p:style>
+        <p:txBody>
+          <a:bodyPr lIns="36000" rIns="36000" rtlCol="0" anchor="ctr" anchorCtr="1"/>
+          <a:lstStyle/>
+          <a:p>
+            <a:pPr algn="ctr"/>
+            <a:r>
+              <a:rPr lang="en-GB" sz="1400" dirty="0"/>
+              <a:t>SVC</a:t>
+            </a:r>
+          </a:p>
+        </p:txBody>
+      </p:sp>
+      <p:sp>
+        <p:nvSpPr>
+          <p:cNvPr id="79" name="Rectangle 78"/>
+          <p:cNvSpPr/>
+          <p:nvPr/>
+        </p:nvSpPr>
+        <p:spPr>
+          <a:xfrm>
+            <a:off x="2372995" y="4289294"/>
+            <a:ext cx="227201" cy="381000"/>
+          </a:xfrm>
+          <a:prstGeom prst="rect">
+            <a:avLst/>
+          </a:prstGeom>
+        </p:spPr>
+        <p:style>
+          <a:lnRef idx="2">
+            <a:schemeClr val="accent1">
+              <a:shade val="50000"/>
+            </a:schemeClr>
+          </a:lnRef>
+          <a:fillRef idx="1">
+            <a:schemeClr val="accent1"/>
+          </a:fillRef>
+          <a:effectRef idx="0">
+            <a:schemeClr val="accent1"/>
+          </a:effectRef>
+          <a:fontRef idx="minor">
+            <a:schemeClr val="lt1"/>
+          </a:fontRef>
+        </p:style>
+        <p:txBody>
+          <a:bodyPr lIns="36000" rIns="36000" rtlCol="0" anchor="ctr" anchorCtr="1"/>
+          <a:lstStyle/>
+          <a:p>
+            <a:pPr algn="ctr"/>
+            <a:r>
+              <a:rPr lang="en-GB" sz="1400" dirty="0"/>
+              <a:t>2</a:t>
+            </a:r>
+          </a:p>
+        </p:txBody>
+      </p:sp>
+      <p:sp>
+        <p:nvSpPr>
+          <p:cNvPr id="86" name="Rectangle 85"/>
+          <p:cNvSpPr/>
+          <p:nvPr/>
+        </p:nvSpPr>
+        <p:spPr>
+          <a:xfrm>
+            <a:off x="3392360" y="3769648"/>
+            <a:ext cx="783115" cy="381000"/>
+          </a:xfrm>
+          <a:prstGeom prst="rect">
+            <a:avLst/>
+          </a:prstGeom>
+        </p:spPr>
+        <p:style>
+          <a:lnRef idx="2">
+            <a:schemeClr val="accent1">
+              <a:shade val="50000"/>
+            </a:schemeClr>
+          </a:lnRef>
+          <a:fillRef idx="1">
+            <a:schemeClr val="accent1"/>
+          </a:fillRef>
+          <a:effectRef idx="0">
+            <a:schemeClr val="accent1"/>
+          </a:effectRef>
+          <a:fontRef idx="minor">
+            <a:schemeClr val="lt1"/>
+          </a:fontRef>
+        </p:style>
+        <p:txBody>
+          <a:bodyPr lIns="36000" rIns="36000" rtlCol="0" anchor="ctr" anchorCtr="1"/>
+          <a:lstStyle/>
+          <a:p>
+            <a:pPr algn="ctr"/>
+            <a:r>
+              <a:rPr lang="en-GB" sz="1400" dirty="0"/>
+              <a:t>3</a:t>
+            </a:r>
+          </a:p>
+        </p:txBody>
+      </p:sp>
+      <p:sp>
+        <p:nvSpPr>
+          <p:cNvPr id="88" name="Rectangle 87"/>
+          <p:cNvSpPr/>
+          <p:nvPr/>
+        </p:nvSpPr>
+        <p:spPr>
+          <a:xfrm>
+            <a:off x="4241441" y="1848344"/>
+            <a:ext cx="299983" cy="381000"/>
+          </a:xfrm>
+          <a:prstGeom prst="rect">
+            <a:avLst/>
+          </a:prstGeom>
+        </p:spPr>
+        <p:style>
+          <a:lnRef idx="2">
+            <a:schemeClr val="accent5">
+              <a:shade val="50000"/>
+            </a:schemeClr>
+          </a:lnRef>
+          <a:fillRef idx="1">
+            <a:schemeClr val="accent5"/>
+          </a:fillRef>
+          <a:effectRef idx="0">
+            <a:schemeClr val="accent5"/>
+          </a:effectRef>
+          <a:fontRef idx="minor">
+            <a:schemeClr val="lt1"/>
+          </a:fontRef>
+        </p:style>
+        <p:txBody>
+          <a:bodyPr lIns="36000" rIns="36000" rtlCol="0" anchor="ctr" anchorCtr="1"/>
+          <a:lstStyle/>
+          <a:p>
+            <a:pPr algn="ctr"/>
+            <a:r>
+              <a:rPr lang="en-GB" sz="1400" dirty="0"/>
+              <a:t>ISR</a:t>
+            </a:r>
+          </a:p>
+        </p:txBody>
+      </p:sp>
+      <p:sp>
+        <p:nvSpPr>
+          <p:cNvPr id="89" name="Rectangle 88"/>
+          <p:cNvSpPr/>
+          <p:nvPr/>
+        </p:nvSpPr>
+        <p:spPr>
+          <a:xfrm>
+            <a:off x="4170734" y="2537188"/>
+            <a:ext cx="69355" cy="381000"/>
+          </a:xfrm>
+          <a:prstGeom prst="rect">
+            <a:avLst/>
+          </a:prstGeom>
+        </p:spPr>
+        <p:style>
+          <a:lnRef idx="2">
+            <a:schemeClr val="accent6">
+              <a:shade val="50000"/>
+            </a:schemeClr>
+          </a:lnRef>
+          <a:fillRef idx="1">
+            <a:schemeClr val="accent6"/>
+          </a:fillRef>
+          <a:effectRef idx="0">
+            <a:schemeClr val="accent6"/>
+          </a:effectRef>
+          <a:fontRef idx="minor">
+            <a:schemeClr val="lt1"/>
+          </a:fontRef>
+        </p:style>
+        <p:txBody>
+          <a:bodyPr lIns="36000" rIns="36000" rtlCol="0" anchor="ctr" anchorCtr="1"/>
+          <a:lstStyle/>
+          <a:p>
+            <a:pPr algn="ctr"/>
+            <a:endParaRPr lang="en-GB" sz="1400" dirty="0"/>
+          </a:p>
+        </p:txBody>
+      </p:sp>
+      <p:sp>
+        <p:nvSpPr>
+          <p:cNvPr id="90" name="Rectangle 89"/>
+          <p:cNvSpPr/>
+          <p:nvPr/>
+        </p:nvSpPr>
+        <p:spPr>
+          <a:xfrm>
+            <a:off x="4547641" y="2537188"/>
+            <a:ext cx="138710" cy="381000"/>
+          </a:xfrm>
+          <a:prstGeom prst="rect">
+            <a:avLst/>
+          </a:prstGeom>
+        </p:spPr>
+        <p:style>
+          <a:lnRef idx="2">
+            <a:schemeClr val="accent6">
+              <a:shade val="50000"/>
+            </a:schemeClr>
+          </a:lnRef>
+          <a:fillRef idx="1">
+            <a:schemeClr val="accent6"/>
+          </a:fillRef>
+          <a:effectRef idx="0">
+            <a:schemeClr val="accent6"/>
+          </a:effectRef>
+          <a:fontRef idx="minor">
+            <a:schemeClr val="lt1"/>
+          </a:fontRef>
+        </p:style>
+        <p:txBody>
+          <a:bodyPr lIns="36000" rIns="36000" rtlCol="0" anchor="ctr" anchorCtr="1"/>
+          <a:lstStyle/>
+          <a:p>
+            <a:pPr algn="ctr"/>
             <a:endParaRPr lang="en-GB" sz="1400" dirty="0"/>
           </a:p>
         </p:txBody>
       </p:sp>
       <p:cxnSp>
         <p:nvCxnSpPr>
-          <p:cNvPr id="24" name="Elbow Connector 23"/>
-          <p:cNvCxnSpPr>
-            <a:stCxn id="4" idx="6"/>
-            <a:endCxn id="4" idx="5"/>
-          </p:cNvCxnSpPr>
+          <p:cNvPr id="91" name="Straight Arrow Connector 90"/>
+          <p:cNvCxnSpPr/>
           <p:nvPr/>
         </p:nvCxnSpPr>
         <p:spPr>
-          <a:xfrm flipH="1">
-            <a:off x="4653615" y="3276600"/>
-            <a:ext cx="223185" cy="296348"/>
-          </a:xfrm>
-          <a:prstGeom prst="bentConnector4">
-            <a:avLst>
-              <a:gd name="adj1" fmla="val -260845"/>
-              <a:gd name="adj2" fmla="val 317299"/>
-            </a:avLst>
-          </a:prstGeom>
-          <a:ln w="19050">
+          <a:xfrm flipH="1" flipV="1">
+            <a:off x="1347216" y="2907792"/>
+            <a:ext cx="9352" cy="1350009"/>
+          </a:xfrm>
+          <a:prstGeom prst="straightConnector1">
+            <a:avLst/>
+          </a:prstGeom>
+          <a:ln>
+            <a:prstDash val="dash"/>
             <a:tailEnd type="arrow"/>
           </a:ln>
         </p:spPr>
@@ -6175,16 +5529,311 @@
           </a:fontRef>
         </p:style>
       </p:cxnSp>
-      <p:sp>
-        <p:nvSpPr>
-          <p:cNvPr id="28" name="TextBox 27"/>
+      <p:cxnSp>
+        <p:nvCxnSpPr>
+          <p:cNvPr id="92" name="Straight Arrow Connector 91"/>
+          <p:cNvCxnSpPr/>
+          <p:nvPr/>
+        </p:nvCxnSpPr>
+        <p:spPr>
+          <a:xfrm>
+            <a:off x="1495279" y="2918188"/>
+            <a:ext cx="0" cy="1393434"/>
+          </a:xfrm>
+          <a:prstGeom prst="straightConnector1">
+            <a:avLst/>
+          </a:prstGeom>
+          <a:ln>
+            <a:prstDash val="dash"/>
+            <a:tailEnd type="arrow"/>
+          </a:ln>
+        </p:spPr>
+        <p:style>
+          <a:lnRef idx="1">
+            <a:schemeClr val="accent1"/>
+          </a:lnRef>
+          <a:fillRef idx="0">
+            <a:schemeClr val="accent1"/>
+          </a:fillRef>
+          <a:effectRef idx="0">
+            <a:schemeClr val="accent1"/>
+          </a:effectRef>
+          <a:fontRef idx="minor">
+            <a:schemeClr val="tx1"/>
+          </a:fontRef>
+        </p:style>
+      </p:cxnSp>
+      <p:cxnSp>
+        <p:nvCxnSpPr>
+          <p:cNvPr id="102" name="Straight Arrow Connector 101"/>
+          <p:cNvCxnSpPr/>
+          <p:nvPr/>
+        </p:nvCxnSpPr>
+        <p:spPr>
+          <a:xfrm flipV="1">
+            <a:off x="4241441" y="2229344"/>
+            <a:ext cx="0" cy="246457"/>
+          </a:xfrm>
+          <a:prstGeom prst="straightConnector1">
+            <a:avLst/>
+          </a:prstGeom>
+          <a:ln>
+            <a:prstDash val="dash"/>
+            <a:tailEnd type="arrow"/>
+          </a:ln>
+        </p:spPr>
+        <p:style>
+          <a:lnRef idx="1">
+            <a:schemeClr val="accent1"/>
+          </a:lnRef>
+          <a:fillRef idx="0">
+            <a:schemeClr val="accent1"/>
+          </a:fillRef>
+          <a:effectRef idx="0">
+            <a:schemeClr val="accent1"/>
+          </a:effectRef>
+          <a:fontRef idx="minor">
+            <a:schemeClr val="tx1"/>
+          </a:fontRef>
+        </p:style>
+      </p:cxnSp>
+      <p:cxnSp>
+        <p:nvCxnSpPr>
+          <p:cNvPr id="103" name="Straight Arrow Connector 102"/>
+          <p:cNvCxnSpPr/>
+          <p:nvPr/>
+        </p:nvCxnSpPr>
+        <p:spPr>
+          <a:xfrm flipH="1">
+            <a:off x="4547547" y="2242087"/>
+            <a:ext cx="95" cy="265171"/>
+          </a:xfrm>
+          <a:prstGeom prst="straightConnector1">
+            <a:avLst/>
+          </a:prstGeom>
+          <a:ln>
+            <a:prstDash val="dash"/>
+            <a:tailEnd type="arrow"/>
+          </a:ln>
+        </p:spPr>
+        <p:style>
+          <a:lnRef idx="1">
+            <a:schemeClr val="accent1"/>
+          </a:lnRef>
+          <a:fillRef idx="0">
+            <a:schemeClr val="accent1"/>
+          </a:fillRef>
+          <a:effectRef idx="0">
+            <a:schemeClr val="accent1"/>
+          </a:effectRef>
+          <a:fontRef idx="minor">
+            <a:schemeClr val="tx1"/>
+          </a:fontRef>
+        </p:style>
+      </p:cxnSp>
+      <p:sp>
+        <p:nvSpPr>
+          <p:cNvPr id="163" name="Rectangle 162"/>
+          <p:cNvSpPr/>
+          <p:nvPr/>
+        </p:nvSpPr>
+        <p:spPr>
+          <a:xfrm>
+            <a:off x="4713783" y="2537188"/>
+            <a:ext cx="292466" cy="381000"/>
+          </a:xfrm>
+          <a:prstGeom prst="rect">
+            <a:avLst/>
+          </a:prstGeom>
+        </p:spPr>
+        <p:style>
+          <a:lnRef idx="2">
+            <a:schemeClr val="accent5">
+              <a:shade val="50000"/>
+            </a:schemeClr>
+          </a:lnRef>
+          <a:fillRef idx="1">
+            <a:schemeClr val="accent5"/>
+          </a:fillRef>
+          <a:effectRef idx="0">
+            <a:schemeClr val="accent5"/>
+          </a:effectRef>
+          <a:fontRef idx="minor">
+            <a:schemeClr val="lt1"/>
+          </a:fontRef>
+        </p:style>
+        <p:txBody>
+          <a:bodyPr lIns="36000" rIns="36000" rtlCol="0" anchor="ctr" anchorCtr="1"/>
+          <a:lstStyle/>
+          <a:p>
+            <a:pPr algn="ctr"/>
+            <a:r>
+              <a:rPr lang="en-GB" sz="1400" dirty="0"/>
+              <a:t>SV</a:t>
+            </a:r>
+          </a:p>
+        </p:txBody>
+      </p:sp>
+      <p:cxnSp>
+        <p:nvCxnSpPr>
+          <p:cNvPr id="80" name="Straight Connector 79"/>
+          <p:cNvCxnSpPr/>
+          <p:nvPr/>
+        </p:nvCxnSpPr>
+        <p:spPr>
+          <a:xfrm>
+            <a:off x="1356568" y="4746494"/>
+            <a:ext cx="0" cy="152400"/>
+          </a:xfrm>
+          <a:prstGeom prst="line">
+            <a:avLst/>
+          </a:prstGeom>
+        </p:spPr>
+        <p:style>
+          <a:lnRef idx="1">
+            <a:schemeClr val="accent1"/>
+          </a:lnRef>
+          <a:fillRef idx="0">
+            <a:schemeClr val="accent1"/>
+          </a:fillRef>
+          <a:effectRef idx="0">
+            <a:schemeClr val="accent1"/>
+          </a:effectRef>
+          <a:fontRef idx="minor">
+            <a:schemeClr val="tx1"/>
+          </a:fontRef>
+        </p:style>
+      </p:cxnSp>
+      <p:cxnSp>
+        <p:nvCxnSpPr>
+          <p:cNvPr id="81" name="Straight Connector 80"/>
+          <p:cNvCxnSpPr/>
+          <p:nvPr/>
+        </p:nvCxnSpPr>
+        <p:spPr>
+          <a:xfrm>
+            <a:off x="2296204" y="4746494"/>
+            <a:ext cx="0" cy="152400"/>
+          </a:xfrm>
+          <a:prstGeom prst="line">
+            <a:avLst/>
+          </a:prstGeom>
+        </p:spPr>
+        <p:style>
+          <a:lnRef idx="1">
+            <a:schemeClr val="accent1"/>
+          </a:lnRef>
+          <a:fillRef idx="0">
+            <a:schemeClr val="accent1"/>
+          </a:fillRef>
+          <a:effectRef idx="0">
+            <a:schemeClr val="accent1"/>
+          </a:effectRef>
+          <a:fontRef idx="minor">
+            <a:schemeClr val="tx1"/>
+          </a:fontRef>
+        </p:style>
+      </p:cxnSp>
+      <p:cxnSp>
+        <p:nvCxnSpPr>
+          <p:cNvPr id="82" name="Straight Connector 81"/>
+          <p:cNvCxnSpPr/>
+          <p:nvPr/>
+        </p:nvCxnSpPr>
+        <p:spPr>
+          <a:xfrm>
+            <a:off x="3235840" y="4746494"/>
+            <a:ext cx="0" cy="152400"/>
+          </a:xfrm>
+          <a:prstGeom prst="line">
+            <a:avLst/>
+          </a:prstGeom>
+        </p:spPr>
+        <p:style>
+          <a:lnRef idx="1">
+            <a:schemeClr val="accent1"/>
+          </a:lnRef>
+          <a:fillRef idx="0">
+            <a:schemeClr val="accent1"/>
+          </a:fillRef>
+          <a:effectRef idx="0">
+            <a:schemeClr val="accent1"/>
+          </a:effectRef>
+          <a:fontRef idx="minor">
+            <a:schemeClr val="tx1"/>
+          </a:fontRef>
+        </p:style>
+      </p:cxnSp>
+      <p:cxnSp>
+        <p:nvCxnSpPr>
+          <p:cNvPr id="84" name="Straight Connector 83"/>
+          <p:cNvCxnSpPr/>
+          <p:nvPr/>
+        </p:nvCxnSpPr>
+        <p:spPr>
+          <a:xfrm>
+            <a:off x="4175476" y="4746494"/>
+            <a:ext cx="0" cy="152400"/>
+          </a:xfrm>
+          <a:prstGeom prst="line">
+            <a:avLst/>
+          </a:prstGeom>
+        </p:spPr>
+        <p:style>
+          <a:lnRef idx="1">
+            <a:schemeClr val="accent1"/>
+          </a:lnRef>
+          <a:fillRef idx="0">
+            <a:schemeClr val="accent1"/>
+          </a:fillRef>
+          <a:effectRef idx="0">
+            <a:schemeClr val="accent1"/>
+          </a:effectRef>
+          <a:fontRef idx="minor">
+            <a:schemeClr val="tx1"/>
+          </a:fontRef>
+        </p:style>
+      </p:cxnSp>
+      <p:cxnSp>
+        <p:nvCxnSpPr>
+          <p:cNvPr id="87" name="Straight Connector 86"/>
+          <p:cNvCxnSpPr/>
+          <p:nvPr/>
+        </p:nvCxnSpPr>
+        <p:spPr>
+          <a:xfrm>
+            <a:off x="5115112" y="4746494"/>
+            <a:ext cx="0" cy="152400"/>
+          </a:xfrm>
+          <a:prstGeom prst="line">
+            <a:avLst/>
+          </a:prstGeom>
+        </p:spPr>
+        <p:style>
+          <a:lnRef idx="1">
+            <a:schemeClr val="accent1"/>
+          </a:lnRef>
+          <a:fillRef idx="0">
+            <a:schemeClr val="accent1"/>
+          </a:fillRef>
+          <a:effectRef idx="0">
+            <a:schemeClr val="accent1"/>
+          </a:effectRef>
+          <a:fontRef idx="minor">
+            <a:schemeClr val="tx1"/>
+          </a:fontRef>
+        </p:style>
+      </p:cxnSp>
+      <p:sp>
+        <p:nvSpPr>
+          <p:cNvPr id="104" name="TextBox 103"/>
           <p:cNvSpPr txBox="1"/>
           <p:nvPr/>
         </p:nvSpPr>
         <p:spPr>
           <a:xfrm>
-            <a:off x="4419600" y="4255552"/>
-            <a:ext cx="2330446" cy="738664"/>
+            <a:off x="1228167" y="4887405"/>
+            <a:ext cx="256802" cy="261610"/>
           </a:xfrm>
           <a:prstGeom prst="rect">
             <a:avLst/>
@@ -6192,39 +5841,1646 @@
           <a:noFill/>
         </p:spPr>
         <p:txBody>
-          <a:bodyPr wrap="none" rtlCol="0">
+          <a:bodyPr wrap="none" rtlCol="0" anchor="ctr">
             <a:spAutoFit/>
           </a:bodyPr>
           <a:lstStyle/>
           <a:p>
-            <a:r>
-              <a:rPr lang="en-GB" sz="1400" dirty="0" err="1" smtClean="0"/>
-              <a:t>osMutexRelease</a:t>
-            </a:r>
-            <a:r>
-              <a:rPr lang="en-GB" sz="1400" dirty="0" smtClean="0"/>
-              <a:t>() </a:t>
-            </a:r>
-          </a:p>
-          <a:p>
-            <a:r>
-              <a:rPr lang="en-GB" sz="1400" dirty="0" smtClean="0"/>
-              <a:t>[owner == running &amp;&amp; count]</a:t>
-            </a:r>
-          </a:p>
-          <a:p>
-            <a:r>
-              <a:rPr lang="en-GB" sz="1400" dirty="0" smtClean="0"/>
-              <a:t>/ count--</a:t>
-            </a:r>
+            <a:pPr algn="ctr"/>
+            <a:r>
+              <a:rPr lang="en-GB" sz="1100" dirty="0"/>
+              <a:t>1</a:t>
+            </a:r>
+          </a:p>
+        </p:txBody>
+      </p:sp>
+      <p:sp>
+        <p:nvSpPr>
+          <p:cNvPr id="105" name="TextBox 104"/>
+          <p:cNvSpPr txBox="1"/>
+          <p:nvPr/>
+        </p:nvSpPr>
+        <p:spPr>
+          <a:xfrm>
+            <a:off x="2167803" y="4887405"/>
+            <a:ext cx="256802" cy="261610"/>
+          </a:xfrm>
+          <a:prstGeom prst="rect">
+            <a:avLst/>
+          </a:prstGeom>
+          <a:noFill/>
+        </p:spPr>
+        <p:txBody>
+          <a:bodyPr wrap="none" rtlCol="0" anchor="ctr">
+            <a:spAutoFit/>
+          </a:bodyPr>
+          <a:lstStyle/>
+          <a:p>
+            <a:pPr algn="ctr"/>
+            <a:r>
+              <a:rPr lang="en-GB" sz="1100" dirty="0"/>
+              <a:t>2</a:t>
+            </a:r>
+          </a:p>
+        </p:txBody>
+      </p:sp>
+      <p:sp>
+        <p:nvSpPr>
+          <p:cNvPr id="106" name="TextBox 105"/>
+          <p:cNvSpPr txBox="1"/>
+          <p:nvPr/>
+        </p:nvSpPr>
+        <p:spPr>
+          <a:xfrm>
+            <a:off x="3107439" y="4887405"/>
+            <a:ext cx="256802" cy="261610"/>
+          </a:xfrm>
+          <a:prstGeom prst="rect">
+            <a:avLst/>
+          </a:prstGeom>
+          <a:noFill/>
+        </p:spPr>
+        <p:txBody>
+          <a:bodyPr wrap="none" rtlCol="0" anchor="ctr">
+            <a:spAutoFit/>
+          </a:bodyPr>
+          <a:lstStyle/>
+          <a:p>
+            <a:pPr algn="ctr"/>
+            <a:r>
+              <a:rPr lang="en-GB" sz="1100" dirty="0"/>
+              <a:t>3</a:t>
+            </a:r>
+          </a:p>
+        </p:txBody>
+      </p:sp>
+      <p:sp>
+        <p:nvSpPr>
+          <p:cNvPr id="107" name="TextBox 106"/>
+          <p:cNvSpPr txBox="1"/>
+          <p:nvPr/>
+        </p:nvSpPr>
+        <p:spPr>
+          <a:xfrm>
+            <a:off x="4047075" y="4887405"/>
+            <a:ext cx="256802" cy="261610"/>
+          </a:xfrm>
+          <a:prstGeom prst="rect">
+            <a:avLst/>
+          </a:prstGeom>
+          <a:noFill/>
+        </p:spPr>
+        <p:txBody>
+          <a:bodyPr wrap="none" rtlCol="0" anchor="ctr">
+            <a:spAutoFit/>
+          </a:bodyPr>
+          <a:lstStyle/>
+          <a:p>
+            <a:pPr algn="ctr"/>
+            <a:r>
+              <a:rPr lang="en-GB" sz="1100" dirty="0"/>
+              <a:t>4</a:t>
+            </a:r>
+          </a:p>
+        </p:txBody>
+      </p:sp>
+      <p:sp>
+        <p:nvSpPr>
+          <p:cNvPr id="108" name="TextBox 107"/>
+          <p:cNvSpPr txBox="1"/>
+          <p:nvPr/>
+        </p:nvSpPr>
+        <p:spPr>
+          <a:xfrm>
+            <a:off x="4983558" y="4887405"/>
+            <a:ext cx="256802" cy="261610"/>
+          </a:xfrm>
+          <a:prstGeom prst="rect">
+            <a:avLst/>
+          </a:prstGeom>
+          <a:noFill/>
+        </p:spPr>
+        <p:txBody>
+          <a:bodyPr wrap="none" rtlCol="0" anchor="ctr">
+            <a:spAutoFit/>
+          </a:bodyPr>
+          <a:lstStyle/>
+          <a:p>
+            <a:pPr algn="ctr"/>
+            <a:r>
+              <a:rPr lang="en-GB" sz="1100" dirty="0"/>
+              <a:t>5</a:t>
+            </a:r>
+          </a:p>
+        </p:txBody>
+      </p:sp>
+      <p:cxnSp>
+        <p:nvCxnSpPr>
+          <p:cNvPr id="161" name="Straight Connector 160"/>
+          <p:cNvCxnSpPr/>
+          <p:nvPr/>
+        </p:nvCxnSpPr>
+        <p:spPr>
+          <a:xfrm>
+            <a:off x="6054748" y="4746494"/>
+            <a:ext cx="0" cy="152400"/>
+          </a:xfrm>
+          <a:prstGeom prst="line">
+            <a:avLst/>
+          </a:prstGeom>
+        </p:spPr>
+        <p:style>
+          <a:lnRef idx="1">
+            <a:schemeClr val="accent1"/>
+          </a:lnRef>
+          <a:fillRef idx="0">
+            <a:schemeClr val="accent1"/>
+          </a:fillRef>
+          <a:effectRef idx="0">
+            <a:schemeClr val="accent1"/>
+          </a:effectRef>
+          <a:fontRef idx="minor">
+            <a:schemeClr val="tx1"/>
+          </a:fontRef>
+        </p:style>
+      </p:cxnSp>
+      <p:sp>
+        <p:nvSpPr>
+          <p:cNvPr id="162" name="TextBox 161"/>
+          <p:cNvSpPr txBox="1"/>
+          <p:nvPr/>
+        </p:nvSpPr>
+        <p:spPr>
+          <a:xfrm>
+            <a:off x="5922880" y="4887405"/>
+            <a:ext cx="256802" cy="261610"/>
+          </a:xfrm>
+          <a:prstGeom prst="rect">
+            <a:avLst/>
+          </a:prstGeom>
+          <a:noFill/>
+        </p:spPr>
+        <p:txBody>
+          <a:bodyPr wrap="none" rtlCol="0" anchor="ctr">
+            <a:spAutoFit/>
+          </a:bodyPr>
+          <a:lstStyle/>
+          <a:p>
+            <a:pPr algn="ctr"/>
+            <a:r>
+              <a:rPr lang="en-GB" sz="1100" dirty="0"/>
+              <a:t>6</a:t>
+            </a:r>
+          </a:p>
+        </p:txBody>
+      </p:sp>
+      <p:cxnSp>
+        <p:nvCxnSpPr>
+          <p:cNvPr id="168" name="Straight Connector 167"/>
+          <p:cNvCxnSpPr/>
+          <p:nvPr/>
+        </p:nvCxnSpPr>
+        <p:spPr>
+          <a:xfrm>
+            <a:off x="6994384" y="4746494"/>
+            <a:ext cx="0" cy="152400"/>
+          </a:xfrm>
+          <a:prstGeom prst="line">
+            <a:avLst/>
+          </a:prstGeom>
+        </p:spPr>
+        <p:style>
+          <a:lnRef idx="1">
+            <a:schemeClr val="accent1"/>
+          </a:lnRef>
+          <a:fillRef idx="0">
+            <a:schemeClr val="accent1"/>
+          </a:fillRef>
+          <a:effectRef idx="0">
+            <a:schemeClr val="accent1"/>
+          </a:effectRef>
+          <a:fontRef idx="minor">
+            <a:schemeClr val="tx1"/>
+          </a:fontRef>
+        </p:style>
+      </p:cxnSp>
+      <p:sp>
+        <p:nvSpPr>
+          <p:cNvPr id="169" name="TextBox 168"/>
+          <p:cNvSpPr txBox="1"/>
+          <p:nvPr/>
+        </p:nvSpPr>
+        <p:spPr>
+          <a:xfrm>
+            <a:off x="6862491" y="4887405"/>
+            <a:ext cx="256802" cy="261610"/>
+          </a:xfrm>
+          <a:prstGeom prst="rect">
+            <a:avLst/>
+          </a:prstGeom>
+          <a:noFill/>
+        </p:spPr>
+        <p:txBody>
+          <a:bodyPr wrap="none" rtlCol="0" anchor="ctr">
+            <a:spAutoFit/>
+          </a:bodyPr>
+          <a:lstStyle/>
+          <a:p>
+            <a:pPr algn="ctr"/>
+            <a:r>
+              <a:rPr lang="en-GB" sz="1100" dirty="0"/>
+              <a:t>7</a:t>
+            </a:r>
+          </a:p>
+        </p:txBody>
+      </p:sp>
+      <p:cxnSp>
+        <p:nvCxnSpPr>
+          <p:cNvPr id="172" name="Straight Connector 171"/>
+          <p:cNvCxnSpPr/>
+          <p:nvPr/>
+        </p:nvCxnSpPr>
+        <p:spPr>
+          <a:xfrm>
+            <a:off x="7934020" y="4746494"/>
+            <a:ext cx="0" cy="152400"/>
+          </a:xfrm>
+          <a:prstGeom prst="line">
+            <a:avLst/>
+          </a:prstGeom>
+        </p:spPr>
+        <p:style>
+          <a:lnRef idx="1">
+            <a:schemeClr val="accent1"/>
+          </a:lnRef>
+          <a:fillRef idx="0">
+            <a:schemeClr val="accent1"/>
+          </a:fillRef>
+          <a:effectRef idx="0">
+            <a:schemeClr val="accent1"/>
+          </a:effectRef>
+          <a:fontRef idx="minor">
+            <a:schemeClr val="tx1"/>
+          </a:fontRef>
+        </p:style>
+      </p:cxnSp>
+      <p:sp>
+        <p:nvSpPr>
+          <p:cNvPr id="173" name="TextBox 172"/>
+          <p:cNvSpPr txBox="1"/>
+          <p:nvPr/>
+        </p:nvSpPr>
+        <p:spPr>
+          <a:xfrm>
+            <a:off x="7805619" y="4887405"/>
+            <a:ext cx="256802" cy="261610"/>
+          </a:xfrm>
+          <a:prstGeom prst="rect">
+            <a:avLst/>
+          </a:prstGeom>
+          <a:noFill/>
+        </p:spPr>
+        <p:txBody>
+          <a:bodyPr wrap="none" rtlCol="0" anchor="ctr">
+            <a:spAutoFit/>
+          </a:bodyPr>
+          <a:lstStyle/>
+          <a:p>
+            <a:pPr algn="ctr"/>
+            <a:r>
+              <a:rPr lang="en-GB" sz="1100" dirty="0"/>
+              <a:t>8</a:t>
+            </a:r>
+          </a:p>
+        </p:txBody>
+      </p:sp>
+      <p:sp>
+        <p:nvSpPr>
+          <p:cNvPr id="174" name="Rectangle 173"/>
+          <p:cNvSpPr/>
+          <p:nvPr/>
+        </p:nvSpPr>
+        <p:spPr>
+          <a:xfrm>
+            <a:off x="3231099" y="2537188"/>
+            <a:ext cx="138710" cy="381000"/>
+          </a:xfrm>
+          <a:prstGeom prst="rect">
+            <a:avLst/>
+          </a:prstGeom>
+        </p:spPr>
+        <p:style>
+          <a:lnRef idx="2">
+            <a:schemeClr val="accent6">
+              <a:shade val="50000"/>
+            </a:schemeClr>
+          </a:lnRef>
+          <a:fillRef idx="1">
+            <a:schemeClr val="accent6"/>
+          </a:fillRef>
+          <a:effectRef idx="0">
+            <a:schemeClr val="accent6"/>
+          </a:effectRef>
+          <a:fontRef idx="minor">
+            <a:schemeClr val="lt1"/>
+          </a:fontRef>
+        </p:style>
+        <p:txBody>
+          <a:bodyPr lIns="36000" rIns="36000" rtlCol="0" anchor="ctr" anchorCtr="1"/>
+          <a:lstStyle/>
+          <a:p>
+            <a:pPr algn="ctr"/>
             <a:endParaRPr lang="en-GB" sz="1400" dirty="0"/>
           </a:p>
         </p:txBody>
       </p:sp>
+      <p:sp>
+        <p:nvSpPr>
+          <p:cNvPr id="179" name="Rectangle 178"/>
+          <p:cNvSpPr/>
+          <p:nvPr/>
+        </p:nvSpPr>
+        <p:spPr>
+          <a:xfrm>
+            <a:off x="5123726" y="2537188"/>
+            <a:ext cx="138710" cy="381000"/>
+          </a:xfrm>
+          <a:prstGeom prst="rect">
+            <a:avLst/>
+          </a:prstGeom>
+        </p:spPr>
+        <p:style>
+          <a:lnRef idx="2">
+            <a:schemeClr val="accent6">
+              <a:shade val="50000"/>
+            </a:schemeClr>
+          </a:lnRef>
+          <a:fillRef idx="1">
+            <a:schemeClr val="accent6"/>
+          </a:fillRef>
+          <a:effectRef idx="0">
+            <a:schemeClr val="accent6"/>
+          </a:effectRef>
+          <a:fontRef idx="minor">
+            <a:schemeClr val="lt1"/>
+          </a:fontRef>
+        </p:style>
+        <p:txBody>
+          <a:bodyPr lIns="36000" rIns="36000" rtlCol="0" anchor="ctr" anchorCtr="1"/>
+          <a:lstStyle/>
+          <a:p>
+            <a:pPr algn="ctr"/>
+            <a:endParaRPr lang="en-GB" sz="1400" dirty="0"/>
+          </a:p>
+        </p:txBody>
+      </p:sp>
+      <p:sp>
+        <p:nvSpPr>
+          <p:cNvPr id="180" name="Rectangle 179"/>
+          <p:cNvSpPr/>
+          <p:nvPr/>
+        </p:nvSpPr>
+        <p:spPr>
+          <a:xfrm>
+            <a:off x="5565585" y="3783603"/>
+            <a:ext cx="421036" cy="381000"/>
+          </a:xfrm>
+          <a:prstGeom prst="rect">
+            <a:avLst/>
+          </a:prstGeom>
+        </p:spPr>
+        <p:style>
+          <a:lnRef idx="2">
+            <a:schemeClr val="accent1">
+              <a:shade val="50000"/>
+            </a:schemeClr>
+          </a:lnRef>
+          <a:fillRef idx="1">
+            <a:schemeClr val="accent1"/>
+          </a:fillRef>
+          <a:effectRef idx="0">
+            <a:schemeClr val="accent1"/>
+          </a:effectRef>
+          <a:fontRef idx="minor">
+            <a:schemeClr val="lt1"/>
+          </a:fontRef>
+        </p:style>
+        <p:txBody>
+          <a:bodyPr lIns="36000" rIns="36000" rtlCol="0" anchor="ctr" anchorCtr="1"/>
+          <a:lstStyle/>
+          <a:p>
+            <a:pPr algn="ctr"/>
+            <a:r>
+              <a:rPr lang="en-GB" sz="1400" dirty="0"/>
+              <a:t>3</a:t>
+            </a:r>
+          </a:p>
+        </p:txBody>
+      </p:sp>
+      <p:sp>
+        <p:nvSpPr>
+          <p:cNvPr id="183" name="Rectangle 182"/>
+          <p:cNvSpPr/>
+          <p:nvPr/>
+        </p:nvSpPr>
+        <p:spPr>
+          <a:xfrm>
+            <a:off x="6174941" y="2540319"/>
+            <a:ext cx="138710" cy="381000"/>
+          </a:xfrm>
+          <a:prstGeom prst="rect">
+            <a:avLst/>
+          </a:prstGeom>
+        </p:spPr>
+        <p:style>
+          <a:lnRef idx="2">
+            <a:schemeClr val="accent6">
+              <a:shade val="50000"/>
+            </a:schemeClr>
+          </a:lnRef>
+          <a:fillRef idx="1">
+            <a:schemeClr val="accent6"/>
+          </a:fillRef>
+          <a:effectRef idx="0">
+            <a:schemeClr val="accent6"/>
+          </a:effectRef>
+          <a:fontRef idx="minor">
+            <a:schemeClr val="lt1"/>
+          </a:fontRef>
+        </p:style>
+        <p:txBody>
+          <a:bodyPr lIns="36000" rIns="36000" rtlCol="0" anchor="ctr" anchorCtr="1"/>
+          <a:lstStyle/>
+          <a:p>
+            <a:pPr algn="ctr"/>
+            <a:endParaRPr lang="en-GB" sz="1400" dirty="0"/>
+          </a:p>
+        </p:txBody>
+      </p:sp>
+      <p:sp>
+        <p:nvSpPr>
+          <p:cNvPr id="185" name="Rectangle 184"/>
+          <p:cNvSpPr/>
+          <p:nvPr/>
+        </p:nvSpPr>
+        <p:spPr>
+          <a:xfrm>
+            <a:off x="6318392" y="4289294"/>
+            <a:ext cx="672500" cy="381000"/>
+          </a:xfrm>
+          <a:prstGeom prst="rect">
+            <a:avLst/>
+          </a:prstGeom>
+        </p:spPr>
+        <p:style>
+          <a:lnRef idx="2">
+            <a:schemeClr val="accent1">
+              <a:shade val="50000"/>
+            </a:schemeClr>
+          </a:lnRef>
+          <a:fillRef idx="1">
+            <a:schemeClr val="accent1"/>
+          </a:fillRef>
+          <a:effectRef idx="0">
+            <a:schemeClr val="accent1"/>
+          </a:effectRef>
+          <a:fontRef idx="minor">
+            <a:schemeClr val="lt1"/>
+          </a:fontRef>
+        </p:style>
+        <p:txBody>
+          <a:bodyPr lIns="36000" rIns="36000" rtlCol="0" anchor="ctr" anchorCtr="1"/>
+          <a:lstStyle/>
+          <a:p>
+            <a:pPr algn="ctr"/>
+            <a:r>
+              <a:rPr lang="en-GB" sz="1400" dirty="0"/>
+              <a:t>2</a:t>
+            </a:r>
+          </a:p>
+        </p:txBody>
+      </p:sp>
+      <p:sp>
+        <p:nvSpPr>
+          <p:cNvPr id="190" name="Rectangle 189"/>
+          <p:cNvSpPr/>
+          <p:nvPr/>
+        </p:nvSpPr>
+        <p:spPr>
+          <a:xfrm>
+            <a:off x="6986151" y="2537188"/>
+            <a:ext cx="138710" cy="381000"/>
+          </a:xfrm>
+          <a:prstGeom prst="rect">
+            <a:avLst/>
+          </a:prstGeom>
+        </p:spPr>
+        <p:style>
+          <a:lnRef idx="2">
+            <a:schemeClr val="accent6">
+              <a:shade val="50000"/>
+            </a:schemeClr>
+          </a:lnRef>
+          <a:fillRef idx="1">
+            <a:schemeClr val="accent6"/>
+          </a:fillRef>
+          <a:effectRef idx="0">
+            <a:schemeClr val="accent6"/>
+          </a:effectRef>
+          <a:fontRef idx="minor">
+            <a:schemeClr val="lt1"/>
+          </a:fontRef>
+        </p:style>
+        <p:txBody>
+          <a:bodyPr lIns="36000" rIns="36000" rtlCol="0" anchor="ctr" anchorCtr="1"/>
+          <a:lstStyle/>
+          <a:p>
+            <a:pPr algn="ctr"/>
+            <a:endParaRPr lang="en-GB" sz="1400" dirty="0"/>
+          </a:p>
+        </p:txBody>
+      </p:sp>
+      <p:sp>
+        <p:nvSpPr>
+          <p:cNvPr id="193" name="Rectangle 192"/>
+          <p:cNvSpPr/>
+          <p:nvPr/>
+        </p:nvSpPr>
+        <p:spPr>
+          <a:xfrm>
+            <a:off x="7129602" y="4289294"/>
+            <a:ext cx="804418" cy="381000"/>
+          </a:xfrm>
+          <a:prstGeom prst="rect">
+            <a:avLst/>
+          </a:prstGeom>
+        </p:spPr>
+        <p:style>
+          <a:lnRef idx="2">
+            <a:schemeClr val="accent1">
+              <a:shade val="50000"/>
+            </a:schemeClr>
+          </a:lnRef>
+          <a:fillRef idx="1">
+            <a:schemeClr val="accent1"/>
+          </a:fillRef>
+          <a:effectRef idx="0">
+            <a:schemeClr val="accent1"/>
+          </a:effectRef>
+          <a:fontRef idx="minor">
+            <a:schemeClr val="lt1"/>
+          </a:fontRef>
+        </p:style>
+        <p:txBody>
+          <a:bodyPr lIns="36000" rIns="36000" rtlCol="0" anchor="ctr" anchorCtr="1"/>
+          <a:lstStyle/>
+          <a:p>
+            <a:pPr algn="ctr"/>
+            <a:r>
+              <a:rPr lang="en-GB" sz="1400" dirty="0"/>
+              <a:t>1</a:t>
+            </a:r>
+          </a:p>
+        </p:txBody>
+      </p:sp>
+      <p:sp>
+        <p:nvSpPr>
+          <p:cNvPr id="194" name="Rectangle 193"/>
+          <p:cNvSpPr/>
+          <p:nvPr/>
+        </p:nvSpPr>
+        <p:spPr>
+          <a:xfrm>
+            <a:off x="7930794" y="2537188"/>
+            <a:ext cx="138710" cy="381000"/>
+          </a:xfrm>
+          <a:prstGeom prst="rect">
+            <a:avLst/>
+          </a:prstGeom>
+        </p:spPr>
+        <p:style>
+          <a:lnRef idx="2">
+            <a:schemeClr val="accent6">
+              <a:shade val="50000"/>
+            </a:schemeClr>
+          </a:lnRef>
+          <a:fillRef idx="1">
+            <a:schemeClr val="accent6"/>
+          </a:fillRef>
+          <a:effectRef idx="0">
+            <a:schemeClr val="accent6"/>
+          </a:effectRef>
+          <a:fontRef idx="minor">
+            <a:schemeClr val="lt1"/>
+          </a:fontRef>
+        </p:style>
+        <p:txBody>
+          <a:bodyPr lIns="36000" rIns="36000" rtlCol="0" anchor="ctr" anchorCtr="1"/>
+          <a:lstStyle/>
+          <a:p>
+            <a:pPr algn="ctr"/>
+            <a:endParaRPr lang="en-GB" sz="1400" dirty="0"/>
+          </a:p>
+        </p:txBody>
+      </p:sp>
+      <p:cxnSp>
+        <p:nvCxnSpPr>
+          <p:cNvPr id="93" name="Straight Arrow Connector 92"/>
+          <p:cNvCxnSpPr/>
+          <p:nvPr/>
+        </p:nvCxnSpPr>
+        <p:spPr>
+          <a:xfrm flipV="1">
+            <a:off x="2226849" y="2927478"/>
+            <a:ext cx="0" cy="1344568"/>
+          </a:xfrm>
+          <a:prstGeom prst="straightConnector1">
+            <a:avLst/>
+          </a:prstGeom>
+          <a:ln>
+            <a:prstDash val="dash"/>
+            <a:tailEnd type="arrow"/>
+          </a:ln>
+        </p:spPr>
+        <p:style>
+          <a:lnRef idx="1">
+            <a:schemeClr val="accent1"/>
+          </a:lnRef>
+          <a:fillRef idx="0">
+            <a:schemeClr val="accent1"/>
+          </a:fillRef>
+          <a:effectRef idx="0">
+            <a:schemeClr val="accent1"/>
+          </a:effectRef>
+          <a:fontRef idx="minor">
+            <a:schemeClr val="tx1"/>
+          </a:fontRef>
+        </p:style>
+      </p:cxnSp>
+      <p:cxnSp>
+        <p:nvCxnSpPr>
+          <p:cNvPr id="94" name="Straight Arrow Connector 93"/>
+          <p:cNvCxnSpPr/>
+          <p:nvPr/>
+        </p:nvCxnSpPr>
+        <p:spPr>
+          <a:xfrm flipV="1">
+            <a:off x="2616834" y="2907792"/>
+            <a:ext cx="0" cy="1344568"/>
+          </a:xfrm>
+          <a:prstGeom prst="straightConnector1">
+            <a:avLst/>
+          </a:prstGeom>
+          <a:ln>
+            <a:prstDash val="dash"/>
+            <a:tailEnd type="arrow"/>
+          </a:ln>
+        </p:spPr>
+        <p:style>
+          <a:lnRef idx="1">
+            <a:schemeClr val="accent1"/>
+          </a:lnRef>
+          <a:fillRef idx="0">
+            <a:schemeClr val="accent1"/>
+          </a:fillRef>
+          <a:effectRef idx="0">
+            <a:schemeClr val="accent1"/>
+          </a:effectRef>
+          <a:fontRef idx="minor">
+            <a:schemeClr val="tx1"/>
+          </a:fontRef>
+        </p:style>
+      </p:cxnSp>
+      <p:cxnSp>
+        <p:nvCxnSpPr>
+          <p:cNvPr id="95" name="Straight Arrow Connector 94"/>
+          <p:cNvCxnSpPr/>
+          <p:nvPr/>
+        </p:nvCxnSpPr>
+        <p:spPr>
+          <a:xfrm>
+            <a:off x="2362201" y="2925466"/>
+            <a:ext cx="0" cy="1344568"/>
+          </a:xfrm>
+          <a:prstGeom prst="straightConnector1">
+            <a:avLst/>
+          </a:prstGeom>
+          <a:ln>
+            <a:prstDash val="dash"/>
+            <a:tailEnd type="arrow"/>
+          </a:ln>
+        </p:spPr>
+        <p:style>
+          <a:lnRef idx="1">
+            <a:schemeClr val="accent1"/>
+          </a:lnRef>
+          <a:fillRef idx="0">
+            <a:schemeClr val="accent1"/>
+          </a:fillRef>
+          <a:effectRef idx="0">
+            <a:schemeClr val="accent1"/>
+          </a:effectRef>
+          <a:fontRef idx="minor">
+            <a:schemeClr val="tx1"/>
+          </a:fontRef>
+        </p:style>
+      </p:cxnSp>
+      <p:cxnSp>
+        <p:nvCxnSpPr>
+          <p:cNvPr id="96" name="Straight Arrow Connector 95"/>
+          <p:cNvCxnSpPr/>
+          <p:nvPr/>
+        </p:nvCxnSpPr>
+        <p:spPr>
+          <a:xfrm flipH="1">
+            <a:off x="2979500" y="2918621"/>
+            <a:ext cx="1" cy="851027"/>
+          </a:xfrm>
+          <a:prstGeom prst="straightConnector1">
+            <a:avLst/>
+          </a:prstGeom>
+          <a:ln>
+            <a:prstDash val="dash"/>
+            <a:tailEnd type="arrow"/>
+          </a:ln>
+        </p:spPr>
+        <p:style>
+          <a:lnRef idx="1">
+            <a:schemeClr val="accent1"/>
+          </a:lnRef>
+          <a:fillRef idx="0">
+            <a:schemeClr val="accent1"/>
+          </a:fillRef>
+          <a:effectRef idx="0">
+            <a:schemeClr val="accent1"/>
+          </a:effectRef>
+          <a:fontRef idx="minor">
+            <a:schemeClr val="tx1"/>
+          </a:fontRef>
+        </p:style>
+      </p:cxnSp>
+      <p:cxnSp>
+        <p:nvCxnSpPr>
+          <p:cNvPr id="97" name="Straight Arrow Connector 96"/>
+          <p:cNvCxnSpPr/>
+          <p:nvPr/>
+        </p:nvCxnSpPr>
+        <p:spPr>
+          <a:xfrm flipH="1" flipV="1">
+            <a:off x="3235839" y="2907794"/>
+            <a:ext cx="1" cy="815314"/>
+          </a:xfrm>
+          <a:prstGeom prst="straightConnector1">
+            <a:avLst/>
+          </a:prstGeom>
+          <a:ln>
+            <a:prstDash val="dash"/>
+            <a:tailEnd type="arrow"/>
+          </a:ln>
+        </p:spPr>
+        <p:style>
+          <a:lnRef idx="1">
+            <a:schemeClr val="accent1"/>
+          </a:lnRef>
+          <a:fillRef idx="0">
+            <a:schemeClr val="accent1"/>
+          </a:fillRef>
+          <a:effectRef idx="0">
+            <a:schemeClr val="accent1"/>
+          </a:effectRef>
+          <a:fontRef idx="minor">
+            <a:schemeClr val="tx1"/>
+          </a:fontRef>
+        </p:style>
+      </p:cxnSp>
+      <p:cxnSp>
+        <p:nvCxnSpPr>
+          <p:cNvPr id="98" name="Straight Arrow Connector 97"/>
+          <p:cNvCxnSpPr/>
+          <p:nvPr/>
+        </p:nvCxnSpPr>
+        <p:spPr>
+          <a:xfrm>
+            <a:off x="3392361" y="2927478"/>
+            <a:ext cx="0" cy="842170"/>
+          </a:xfrm>
+          <a:prstGeom prst="straightConnector1">
+            <a:avLst/>
+          </a:prstGeom>
+          <a:ln>
+            <a:prstDash val="dash"/>
+            <a:tailEnd type="arrow"/>
+          </a:ln>
+        </p:spPr>
+        <p:style>
+          <a:lnRef idx="1">
+            <a:schemeClr val="accent1"/>
+          </a:lnRef>
+          <a:fillRef idx="0">
+            <a:schemeClr val="accent1"/>
+          </a:fillRef>
+          <a:effectRef idx="0">
+            <a:schemeClr val="accent1"/>
+          </a:effectRef>
+          <a:fontRef idx="minor">
+            <a:schemeClr val="tx1"/>
+          </a:fontRef>
+        </p:style>
+      </p:cxnSp>
+      <p:cxnSp>
+        <p:nvCxnSpPr>
+          <p:cNvPr id="99" name="Straight Arrow Connector 98"/>
+          <p:cNvCxnSpPr/>
+          <p:nvPr/>
+        </p:nvCxnSpPr>
+        <p:spPr>
+          <a:xfrm flipV="1">
+            <a:off x="4182522" y="2907794"/>
+            <a:ext cx="0" cy="836613"/>
+          </a:xfrm>
+          <a:prstGeom prst="straightConnector1">
+            <a:avLst/>
+          </a:prstGeom>
+          <a:ln>
+            <a:prstDash val="dash"/>
+            <a:tailEnd type="arrow"/>
+          </a:ln>
+        </p:spPr>
+        <p:style>
+          <a:lnRef idx="1">
+            <a:schemeClr val="accent1"/>
+          </a:lnRef>
+          <a:fillRef idx="0">
+            <a:schemeClr val="accent1"/>
+          </a:fillRef>
+          <a:effectRef idx="0">
+            <a:schemeClr val="accent1"/>
+          </a:effectRef>
+          <a:fontRef idx="minor">
+            <a:schemeClr val="tx1"/>
+          </a:fontRef>
+        </p:style>
+      </p:cxnSp>
+      <p:cxnSp>
+        <p:nvCxnSpPr>
+          <p:cNvPr id="187" name="Straight Arrow Connector 186"/>
+          <p:cNvCxnSpPr/>
+          <p:nvPr/>
+        </p:nvCxnSpPr>
+        <p:spPr>
+          <a:xfrm flipH="1">
+            <a:off x="6318392" y="2932176"/>
+            <a:ext cx="9256" cy="1355529"/>
+          </a:xfrm>
+          <a:prstGeom prst="straightConnector1">
+            <a:avLst/>
+          </a:prstGeom>
+          <a:ln>
+            <a:prstDash val="dash"/>
+            <a:tailEnd type="arrow"/>
+          </a:ln>
+        </p:spPr>
+        <p:style>
+          <a:lnRef idx="1">
+            <a:schemeClr val="accent1"/>
+          </a:lnRef>
+          <a:fillRef idx="0">
+            <a:schemeClr val="accent1"/>
+          </a:fillRef>
+          <a:effectRef idx="0">
+            <a:schemeClr val="accent1"/>
+          </a:effectRef>
+          <a:fontRef idx="minor">
+            <a:schemeClr val="tx1"/>
+          </a:fontRef>
+        </p:style>
+      </p:cxnSp>
+      <p:cxnSp>
+        <p:nvCxnSpPr>
+          <p:cNvPr id="191" name="Straight Arrow Connector 190"/>
+          <p:cNvCxnSpPr/>
+          <p:nvPr/>
+        </p:nvCxnSpPr>
+        <p:spPr>
+          <a:xfrm flipV="1">
+            <a:off x="6990891" y="2946053"/>
+            <a:ext cx="0" cy="1344568"/>
+          </a:xfrm>
+          <a:prstGeom prst="straightConnector1">
+            <a:avLst/>
+          </a:prstGeom>
+          <a:ln>
+            <a:prstDash val="dash"/>
+            <a:tailEnd type="arrow"/>
+          </a:ln>
+        </p:spPr>
+        <p:style>
+          <a:lnRef idx="1">
+            <a:schemeClr val="accent1"/>
+          </a:lnRef>
+          <a:fillRef idx="0">
+            <a:schemeClr val="accent1"/>
+          </a:fillRef>
+          <a:effectRef idx="0">
+            <a:schemeClr val="accent1"/>
+          </a:effectRef>
+          <a:fontRef idx="minor">
+            <a:schemeClr val="tx1"/>
+          </a:fontRef>
+        </p:style>
+      </p:cxnSp>
+      <p:cxnSp>
+        <p:nvCxnSpPr>
+          <p:cNvPr id="192" name="Straight Arrow Connector 191"/>
+          <p:cNvCxnSpPr/>
+          <p:nvPr/>
+        </p:nvCxnSpPr>
+        <p:spPr>
+          <a:xfrm>
+            <a:off x="7129602" y="2957723"/>
+            <a:ext cx="0" cy="1344568"/>
+          </a:xfrm>
+          <a:prstGeom prst="straightConnector1">
+            <a:avLst/>
+          </a:prstGeom>
+          <a:ln>
+            <a:prstDash val="dash"/>
+            <a:tailEnd type="arrow"/>
+          </a:ln>
+        </p:spPr>
+        <p:style>
+          <a:lnRef idx="1">
+            <a:schemeClr val="accent1"/>
+          </a:lnRef>
+          <a:fillRef idx="0">
+            <a:schemeClr val="accent1"/>
+          </a:fillRef>
+          <a:effectRef idx="0">
+            <a:schemeClr val="accent1"/>
+          </a:effectRef>
+          <a:fontRef idx="minor">
+            <a:schemeClr val="tx1"/>
+          </a:fontRef>
+        </p:style>
+      </p:cxnSp>
+      <p:cxnSp>
+        <p:nvCxnSpPr>
+          <p:cNvPr id="195" name="Straight Arrow Connector 194"/>
+          <p:cNvCxnSpPr/>
+          <p:nvPr/>
+        </p:nvCxnSpPr>
+        <p:spPr>
+          <a:xfrm flipV="1">
+            <a:off x="7935534" y="2932616"/>
+            <a:ext cx="0" cy="1344568"/>
+          </a:xfrm>
+          <a:prstGeom prst="straightConnector1">
+            <a:avLst/>
+          </a:prstGeom>
+          <a:ln>
+            <a:prstDash val="dash"/>
+            <a:tailEnd type="arrow"/>
+          </a:ln>
+        </p:spPr>
+        <p:style>
+          <a:lnRef idx="1">
+            <a:schemeClr val="accent1"/>
+          </a:lnRef>
+          <a:fillRef idx="0">
+            <a:schemeClr val="accent1"/>
+          </a:fillRef>
+          <a:effectRef idx="0">
+            <a:schemeClr val="accent1"/>
+          </a:effectRef>
+          <a:fontRef idx="minor">
+            <a:schemeClr val="tx1"/>
+          </a:fontRef>
+        </p:style>
+      </p:cxnSp>
+      <p:cxnSp>
+        <p:nvCxnSpPr>
+          <p:cNvPr id="196" name="Straight Arrow Connector 195"/>
+          <p:cNvCxnSpPr/>
+          <p:nvPr/>
+        </p:nvCxnSpPr>
+        <p:spPr>
+          <a:xfrm>
+            <a:off x="8074245" y="2944286"/>
+            <a:ext cx="0" cy="1344568"/>
+          </a:xfrm>
+          <a:prstGeom prst="straightConnector1">
+            <a:avLst/>
+          </a:prstGeom>
+          <a:ln>
+            <a:prstDash val="dash"/>
+            <a:tailEnd type="arrow"/>
+          </a:ln>
+        </p:spPr>
+        <p:style>
+          <a:lnRef idx="1">
+            <a:schemeClr val="accent1"/>
+          </a:lnRef>
+          <a:fillRef idx="0">
+            <a:schemeClr val="accent1"/>
+          </a:fillRef>
+          <a:effectRef idx="0">
+            <a:schemeClr val="accent1"/>
+          </a:effectRef>
+          <a:fontRef idx="minor">
+            <a:schemeClr val="tx1"/>
+          </a:fontRef>
+        </p:style>
+      </p:cxnSp>
+      <p:sp>
+        <p:nvSpPr>
+          <p:cNvPr id="197" name="Rectangle 196"/>
+          <p:cNvSpPr/>
+          <p:nvPr/>
+        </p:nvSpPr>
+        <p:spPr>
+          <a:xfrm>
+            <a:off x="8071570" y="4291892"/>
+            <a:ext cx="91925" cy="381000"/>
+          </a:xfrm>
+          <a:prstGeom prst="rect">
+            <a:avLst/>
+          </a:prstGeom>
+        </p:spPr>
+        <p:style>
+          <a:lnRef idx="2">
+            <a:schemeClr val="accent1">
+              <a:shade val="50000"/>
+            </a:schemeClr>
+          </a:lnRef>
+          <a:fillRef idx="1">
+            <a:schemeClr val="accent1"/>
+          </a:fillRef>
+          <a:effectRef idx="0">
+            <a:schemeClr val="accent1"/>
+          </a:effectRef>
+          <a:fontRef idx="minor">
+            <a:schemeClr val="lt1"/>
+          </a:fontRef>
+        </p:style>
+        <p:txBody>
+          <a:bodyPr lIns="36000" rIns="36000" rtlCol="0" anchor="ctr" anchorCtr="1"/>
+          <a:lstStyle/>
+          <a:p>
+            <a:pPr algn="ctr"/>
+            <a:r>
+              <a:rPr lang="en-GB" sz="1400" dirty="0"/>
+              <a:t>2</a:t>
+            </a:r>
+          </a:p>
+        </p:txBody>
+      </p:sp>
+      <p:sp>
+        <p:nvSpPr>
+          <p:cNvPr id="199" name="Oval 198"/>
+          <p:cNvSpPr/>
+          <p:nvPr/>
+        </p:nvSpPr>
+        <p:spPr>
+          <a:xfrm rot="2028445">
+            <a:off x="1104191" y="2334670"/>
+            <a:ext cx="632897" cy="653242"/>
+          </a:xfrm>
+          <a:prstGeom prst="ellipse">
+            <a:avLst/>
+          </a:prstGeom>
+          <a:noFill/>
+          <a:ln w="12700">
+            <a:solidFill>
+              <a:schemeClr val="bg1">
+                <a:lumMod val="50000"/>
+              </a:schemeClr>
+            </a:solidFill>
+          </a:ln>
+        </p:spPr>
+        <p:style>
+          <a:lnRef idx="2">
+            <a:schemeClr val="dk1"/>
+          </a:lnRef>
+          <a:fillRef idx="1">
+            <a:schemeClr val="lt1"/>
+          </a:fillRef>
+          <a:effectRef idx="0">
+            <a:schemeClr val="dk1"/>
+          </a:effectRef>
+          <a:fontRef idx="minor">
+            <a:schemeClr val="dk1"/>
+          </a:fontRef>
+        </p:style>
+        <p:txBody>
+          <a:bodyPr rtlCol="0" anchor="ctr"/>
+          <a:lstStyle/>
+          <a:p>
+            <a:pPr algn="ctr"/>
+            <a:endParaRPr lang="en-GB"/>
+          </a:p>
+        </p:txBody>
+      </p:sp>
+      <p:cxnSp>
+        <p:nvCxnSpPr>
+          <p:cNvPr id="201" name="Straight Connector 200"/>
+          <p:cNvCxnSpPr/>
+          <p:nvPr/>
+        </p:nvCxnSpPr>
+        <p:spPr>
+          <a:xfrm flipV="1">
+            <a:off x="1602916" y="2067297"/>
+            <a:ext cx="227985" cy="335927"/>
+          </a:xfrm>
+          <a:prstGeom prst="line">
+            <a:avLst/>
+          </a:prstGeom>
+          <a:ln>
+            <a:solidFill>
+              <a:schemeClr val="bg1">
+                <a:lumMod val="50000"/>
+              </a:schemeClr>
+            </a:solidFill>
+          </a:ln>
+        </p:spPr>
+        <p:style>
+          <a:lnRef idx="1">
+            <a:schemeClr val="accent1"/>
+          </a:lnRef>
+          <a:fillRef idx="0">
+            <a:schemeClr val="accent1"/>
+          </a:fillRef>
+          <a:effectRef idx="0">
+            <a:schemeClr val="accent1"/>
+          </a:effectRef>
+          <a:fontRef idx="minor">
+            <a:schemeClr val="tx1"/>
+          </a:fontRef>
+        </p:style>
+      </p:cxnSp>
+      <p:sp>
+        <p:nvSpPr>
+          <p:cNvPr id="203" name="Oval 202"/>
+          <p:cNvSpPr/>
+          <p:nvPr/>
+        </p:nvSpPr>
+        <p:spPr>
+          <a:xfrm rot="1924179">
+            <a:off x="1570239" y="1188860"/>
+            <a:ext cx="1040882" cy="960682"/>
+          </a:xfrm>
+          <a:prstGeom prst="ellipse">
+            <a:avLst/>
+          </a:prstGeom>
+          <a:noFill/>
+          <a:ln w="19050">
+            <a:solidFill>
+              <a:schemeClr val="bg1">
+                <a:lumMod val="50000"/>
+              </a:schemeClr>
+            </a:solidFill>
+          </a:ln>
+        </p:spPr>
+        <p:style>
+          <a:lnRef idx="2">
+            <a:schemeClr val="dk1"/>
+          </a:lnRef>
+          <a:fillRef idx="1">
+            <a:schemeClr val="lt1"/>
+          </a:fillRef>
+          <a:effectRef idx="0">
+            <a:schemeClr val="dk1"/>
+          </a:effectRef>
+          <a:fontRef idx="minor">
+            <a:schemeClr val="dk1"/>
+          </a:fontRef>
+        </p:style>
+        <p:txBody>
+          <a:bodyPr rtlCol="0" anchor="ctr"/>
+          <a:lstStyle/>
+          <a:p>
+            <a:pPr algn="ctr"/>
+            <a:endParaRPr lang="en-GB"/>
+          </a:p>
+        </p:txBody>
+      </p:sp>
+      <p:sp>
+        <p:nvSpPr>
+          <p:cNvPr id="215" name="Rectangle 214"/>
+          <p:cNvSpPr/>
+          <p:nvPr/>
+        </p:nvSpPr>
+        <p:spPr>
+          <a:xfrm>
+            <a:off x="1947938" y="1283716"/>
+            <a:ext cx="274170" cy="753073"/>
+          </a:xfrm>
+          <a:prstGeom prst="rect">
+            <a:avLst/>
+          </a:prstGeom>
+        </p:spPr>
+        <p:style>
+          <a:lnRef idx="2">
+            <a:schemeClr val="accent6">
+              <a:shade val="50000"/>
+            </a:schemeClr>
+          </a:lnRef>
+          <a:fillRef idx="1">
+            <a:schemeClr val="accent6"/>
+          </a:fillRef>
+          <a:effectRef idx="0">
+            <a:schemeClr val="accent6"/>
+          </a:effectRef>
+          <a:fontRef idx="minor">
+            <a:schemeClr val="lt1"/>
+          </a:fontRef>
+        </p:style>
+        <p:txBody>
+          <a:bodyPr vert="vert" lIns="36000" rIns="36000" rtlCol="0" anchor="ctr" anchorCtr="1"/>
+          <a:lstStyle/>
+          <a:p>
+            <a:pPr algn="ctr"/>
+            <a:r>
+              <a:rPr lang="en-GB" sz="1400" dirty="0" err="1"/>
+              <a:t>SysTick</a:t>
+            </a:r>
+            <a:endParaRPr lang="en-GB" sz="1400" dirty="0"/>
+          </a:p>
+        </p:txBody>
+      </p:sp>
+      <p:sp>
+        <p:nvSpPr>
+          <p:cNvPr id="223" name="Rectangle 222"/>
+          <p:cNvSpPr/>
+          <p:nvPr/>
+        </p:nvSpPr>
+        <p:spPr>
+          <a:xfrm>
+            <a:off x="5016503" y="3197930"/>
+            <a:ext cx="111964" cy="381000"/>
+          </a:xfrm>
+          <a:prstGeom prst="rect">
+            <a:avLst/>
+          </a:prstGeom>
+        </p:spPr>
+        <p:style>
+          <a:lnRef idx="2">
+            <a:schemeClr val="accent1">
+              <a:shade val="50000"/>
+            </a:schemeClr>
+          </a:lnRef>
+          <a:fillRef idx="1">
+            <a:schemeClr val="accent1"/>
+          </a:fillRef>
+          <a:effectRef idx="0">
+            <a:schemeClr val="accent1"/>
+          </a:effectRef>
+          <a:fontRef idx="minor">
+            <a:schemeClr val="lt1"/>
+          </a:fontRef>
+        </p:style>
+        <p:txBody>
+          <a:bodyPr lIns="36000" rIns="36000" rtlCol="0" anchor="ctr" anchorCtr="1"/>
+          <a:lstStyle/>
+          <a:p>
+            <a:pPr algn="ctr"/>
+            <a:r>
+              <a:rPr lang="en-GB" sz="1400" dirty="0"/>
+              <a:t>4</a:t>
+            </a:r>
+          </a:p>
+        </p:txBody>
+      </p:sp>
+      <p:cxnSp>
+        <p:nvCxnSpPr>
+          <p:cNvPr id="246" name="Straight Arrow Connector 245"/>
+          <p:cNvCxnSpPr/>
+          <p:nvPr/>
+        </p:nvCxnSpPr>
+        <p:spPr>
+          <a:xfrm flipH="1">
+            <a:off x="5006132" y="2918621"/>
+            <a:ext cx="95" cy="265171"/>
+          </a:xfrm>
+          <a:prstGeom prst="straightConnector1">
+            <a:avLst/>
+          </a:prstGeom>
+          <a:ln>
+            <a:prstDash val="dash"/>
+            <a:tailEnd type="arrow"/>
+          </a:ln>
+        </p:spPr>
+        <p:style>
+          <a:lnRef idx="1">
+            <a:schemeClr val="accent1"/>
+          </a:lnRef>
+          <a:fillRef idx="0">
+            <a:schemeClr val="accent1"/>
+          </a:fillRef>
+          <a:effectRef idx="0">
+            <a:schemeClr val="accent1"/>
+          </a:effectRef>
+          <a:fontRef idx="minor">
+            <a:schemeClr val="tx1"/>
+          </a:fontRef>
+        </p:style>
+      </p:cxnSp>
+      <p:cxnSp>
+        <p:nvCxnSpPr>
+          <p:cNvPr id="247" name="Straight Arrow Connector 246"/>
+          <p:cNvCxnSpPr/>
+          <p:nvPr/>
+        </p:nvCxnSpPr>
+        <p:spPr>
+          <a:xfrm flipV="1">
+            <a:off x="5145380" y="2932176"/>
+            <a:ext cx="0" cy="246457"/>
+          </a:xfrm>
+          <a:prstGeom prst="straightConnector1">
+            <a:avLst/>
+          </a:prstGeom>
+          <a:ln>
+            <a:prstDash val="dash"/>
+            <a:tailEnd type="arrow"/>
+          </a:ln>
+        </p:spPr>
+        <p:style>
+          <a:lnRef idx="1">
+            <a:schemeClr val="accent1"/>
+          </a:lnRef>
+          <a:fillRef idx="0">
+            <a:schemeClr val="accent1"/>
+          </a:fillRef>
+          <a:effectRef idx="0">
+            <a:schemeClr val="accent1"/>
+          </a:effectRef>
+          <a:fontRef idx="minor">
+            <a:schemeClr val="tx1"/>
+          </a:fontRef>
+        </p:style>
+      </p:cxnSp>
+      <p:sp>
+        <p:nvSpPr>
+          <p:cNvPr id="248" name="Rectangle 247"/>
+          <p:cNvSpPr/>
+          <p:nvPr/>
+        </p:nvSpPr>
+        <p:spPr>
+          <a:xfrm>
+            <a:off x="5287385" y="3197930"/>
+            <a:ext cx="111964" cy="381000"/>
+          </a:xfrm>
+          <a:prstGeom prst="rect">
+            <a:avLst/>
+          </a:prstGeom>
+        </p:spPr>
+        <p:style>
+          <a:lnRef idx="2">
+            <a:schemeClr val="accent1">
+              <a:shade val="50000"/>
+            </a:schemeClr>
+          </a:lnRef>
+          <a:fillRef idx="1">
+            <a:schemeClr val="accent1"/>
+          </a:fillRef>
+          <a:effectRef idx="0">
+            <a:schemeClr val="accent1"/>
+          </a:effectRef>
+          <a:fontRef idx="minor">
+            <a:schemeClr val="lt1"/>
+          </a:fontRef>
+        </p:style>
+        <p:txBody>
+          <a:bodyPr lIns="36000" rIns="36000" rtlCol="0" anchor="ctr" anchorCtr="1"/>
+          <a:lstStyle/>
+          <a:p>
+            <a:pPr algn="ctr"/>
+            <a:r>
+              <a:rPr lang="en-GB" sz="1400" dirty="0"/>
+              <a:t>4</a:t>
+            </a:r>
+          </a:p>
+        </p:txBody>
+      </p:sp>
+      <p:cxnSp>
+        <p:nvCxnSpPr>
+          <p:cNvPr id="249" name="Straight Arrow Connector 248"/>
+          <p:cNvCxnSpPr/>
+          <p:nvPr/>
+        </p:nvCxnSpPr>
+        <p:spPr>
+          <a:xfrm flipH="1">
+            <a:off x="5276781" y="2923780"/>
+            <a:ext cx="95" cy="265171"/>
+          </a:xfrm>
+          <a:prstGeom prst="straightConnector1">
+            <a:avLst/>
+          </a:prstGeom>
+          <a:ln>
+            <a:prstDash val="dash"/>
+            <a:tailEnd type="arrow"/>
+          </a:ln>
+        </p:spPr>
+        <p:style>
+          <a:lnRef idx="1">
+            <a:schemeClr val="accent1"/>
+          </a:lnRef>
+          <a:fillRef idx="0">
+            <a:schemeClr val="accent1"/>
+          </a:fillRef>
+          <a:effectRef idx="0">
+            <a:schemeClr val="accent1"/>
+          </a:effectRef>
+          <a:fontRef idx="minor">
+            <a:schemeClr val="tx1"/>
+          </a:fontRef>
+        </p:style>
+      </p:cxnSp>
+      <p:cxnSp>
+        <p:nvCxnSpPr>
+          <p:cNvPr id="250" name="Straight Arrow Connector 249"/>
+          <p:cNvCxnSpPr/>
+          <p:nvPr/>
+        </p:nvCxnSpPr>
+        <p:spPr>
+          <a:xfrm flipV="1">
+            <a:off x="5416029" y="2937335"/>
+            <a:ext cx="0" cy="246457"/>
+          </a:xfrm>
+          <a:prstGeom prst="straightConnector1">
+            <a:avLst/>
+          </a:prstGeom>
+          <a:ln>
+            <a:prstDash val="dash"/>
+            <a:tailEnd type="arrow"/>
+          </a:ln>
+        </p:spPr>
+        <p:style>
+          <a:lnRef idx="1">
+            <a:schemeClr val="accent1"/>
+          </a:lnRef>
+          <a:fillRef idx="0">
+            <a:schemeClr val="accent1"/>
+          </a:fillRef>
+          <a:effectRef idx="0">
+            <a:schemeClr val="accent1"/>
+          </a:effectRef>
+          <a:fontRef idx="minor">
+            <a:schemeClr val="tx1"/>
+          </a:fontRef>
+        </p:style>
+      </p:cxnSp>
+      <p:sp>
+        <p:nvSpPr>
+          <p:cNvPr id="251" name="Rectangle 250"/>
+          <p:cNvSpPr/>
+          <p:nvPr/>
+        </p:nvSpPr>
+        <p:spPr>
+          <a:xfrm>
+            <a:off x="5399349" y="2542780"/>
+            <a:ext cx="163251" cy="381000"/>
+          </a:xfrm>
+          <a:prstGeom prst="rect">
+            <a:avLst/>
+          </a:prstGeom>
+        </p:spPr>
+        <p:style>
+          <a:lnRef idx="2">
+            <a:schemeClr val="accent1">
+              <a:shade val="50000"/>
+            </a:schemeClr>
+          </a:lnRef>
+          <a:fillRef idx="1">
+            <a:schemeClr val="accent1"/>
+          </a:fillRef>
+          <a:effectRef idx="0">
+            <a:schemeClr val="accent1"/>
+          </a:effectRef>
+          <a:fontRef idx="minor">
+            <a:schemeClr val="lt1"/>
+          </a:fontRef>
+        </p:style>
+        <p:txBody>
+          <a:bodyPr lIns="36000" rIns="36000" rtlCol="0" anchor="ctr" anchorCtr="1"/>
+          <a:lstStyle/>
+          <a:p>
+            <a:pPr algn="ctr"/>
+            <a:endParaRPr lang="en-GB" sz="1400" dirty="0"/>
+          </a:p>
+        </p:txBody>
+      </p:sp>
+      <p:cxnSp>
+        <p:nvCxnSpPr>
+          <p:cNvPr id="252" name="Straight Arrow Connector 251"/>
+          <p:cNvCxnSpPr/>
+          <p:nvPr/>
+        </p:nvCxnSpPr>
+        <p:spPr>
+          <a:xfrm>
+            <a:off x="5565585" y="2941433"/>
+            <a:ext cx="0" cy="842170"/>
+          </a:xfrm>
+          <a:prstGeom prst="straightConnector1">
+            <a:avLst/>
+          </a:prstGeom>
+          <a:ln>
+            <a:prstDash val="dash"/>
+            <a:tailEnd type="arrow"/>
+          </a:ln>
+        </p:spPr>
+        <p:style>
+          <a:lnRef idx="1">
+            <a:schemeClr val="accent1"/>
+          </a:lnRef>
+          <a:fillRef idx="0">
+            <a:schemeClr val="accent1"/>
+          </a:fillRef>
+          <a:effectRef idx="0">
+            <a:schemeClr val="accent1"/>
+          </a:effectRef>
+          <a:fontRef idx="minor">
+            <a:schemeClr val="tx1"/>
+          </a:fontRef>
+        </p:style>
+      </p:cxnSp>
+      <p:sp>
+        <p:nvSpPr>
+          <p:cNvPr id="253" name="Rectangle 252"/>
+          <p:cNvSpPr/>
+          <p:nvPr/>
+        </p:nvSpPr>
+        <p:spPr>
+          <a:xfrm>
+            <a:off x="5986621" y="2537188"/>
+            <a:ext cx="163251" cy="381000"/>
+          </a:xfrm>
+          <a:prstGeom prst="rect">
+            <a:avLst/>
+          </a:prstGeom>
+        </p:spPr>
+        <p:style>
+          <a:lnRef idx="2">
+            <a:schemeClr val="accent1">
+              <a:shade val="50000"/>
+            </a:schemeClr>
+          </a:lnRef>
+          <a:fillRef idx="1">
+            <a:schemeClr val="accent1"/>
+          </a:fillRef>
+          <a:effectRef idx="0">
+            <a:schemeClr val="accent1"/>
+          </a:effectRef>
+          <a:fontRef idx="minor">
+            <a:schemeClr val="lt1"/>
+          </a:fontRef>
+        </p:style>
+        <p:txBody>
+          <a:bodyPr lIns="36000" rIns="36000" rtlCol="0" anchor="ctr" anchorCtr="1"/>
+          <a:lstStyle/>
+          <a:p>
+            <a:pPr algn="ctr"/>
+            <a:endParaRPr lang="en-GB" sz="1400" dirty="0"/>
+          </a:p>
+        </p:txBody>
+      </p:sp>
+      <p:cxnSp>
+        <p:nvCxnSpPr>
+          <p:cNvPr id="254" name="Straight Arrow Connector 253"/>
+          <p:cNvCxnSpPr/>
+          <p:nvPr/>
+        </p:nvCxnSpPr>
+        <p:spPr>
+          <a:xfrm flipV="1">
+            <a:off x="5986621" y="2907794"/>
+            <a:ext cx="0" cy="836613"/>
+          </a:xfrm>
+          <a:prstGeom prst="straightConnector1">
+            <a:avLst/>
+          </a:prstGeom>
+          <a:ln>
+            <a:prstDash val="dash"/>
+            <a:tailEnd type="arrow"/>
+          </a:ln>
+        </p:spPr>
+        <p:style>
+          <a:lnRef idx="1">
+            <a:schemeClr val="accent1"/>
+          </a:lnRef>
+          <a:fillRef idx="0">
+            <a:schemeClr val="accent1"/>
+          </a:fillRef>
+          <a:effectRef idx="0">
+            <a:schemeClr val="accent1"/>
+          </a:effectRef>
+          <a:fontRef idx="minor">
+            <a:schemeClr val="tx1"/>
+          </a:fontRef>
+        </p:style>
+      </p:cxnSp>
     </p:spTree>
     <p:extLst>
       <p:ext uri="{BB962C8B-B14F-4D97-AF65-F5344CB8AC3E}">
-        <p14:creationId xmlns:p14="http://schemas.microsoft.com/office/powerpoint/2010/main" val="842425735"/>
+        <p14:creationId xmlns:p14="http://schemas.microsoft.com/office/powerpoint/2010/main" val="2417841337"/>
       </p:ext>
     </p:extLst>
   </p:cSld>
@@ -6253,13 +7509,13 @@
       </p:grpSpPr>
       <p:sp>
         <p:nvSpPr>
-          <p:cNvPr id="4" name="Oval 3"/>
+          <p:cNvPr id="2" name="Oval 1"/>
           <p:cNvSpPr/>
           <p:nvPr/>
         </p:nvSpPr>
         <p:spPr>
           <a:xfrm>
-            <a:off x="3358896" y="1866900"/>
+            <a:off x="3352800" y="1028700"/>
             <a:ext cx="1524000" cy="838200"/>
           </a:xfrm>
           <a:prstGeom prst="ellipse">
@@ -6289,22 +7545,21 @@
           <a:p>
             <a:pPr algn="ctr"/>
             <a:r>
-              <a:rPr lang="en-GB" dirty="0" smtClean="0"/>
+              <a:rPr lang="en-GB" dirty="0"/>
               <a:t>available</a:t>
             </a:r>
-            <a:endParaRPr lang="en-GB" dirty="0"/>
-          </a:p>
-        </p:txBody>
-      </p:sp>
-      <p:sp>
-        <p:nvSpPr>
-          <p:cNvPr id="5" name="Oval 4"/>
+          </a:p>
+        </p:txBody>
+      </p:sp>
+      <p:sp>
+        <p:nvSpPr>
+          <p:cNvPr id="4" name="Oval 3"/>
           <p:cNvSpPr/>
           <p:nvPr/>
         </p:nvSpPr>
         <p:spPr>
           <a:xfrm>
-            <a:off x="3358896" y="3695700"/>
+            <a:off x="3352800" y="2857500"/>
             <a:ext cx="1524000" cy="838200"/>
           </a:xfrm>
           <a:prstGeom prst="ellipse">
@@ -6334,22 +7589,24 @@
           <a:p>
             <a:pPr algn="ctr"/>
             <a:r>
-              <a:rPr lang="en-GB" dirty="0" smtClean="0"/>
-              <a:t>depleted</a:t>
-            </a:r>
-            <a:endParaRPr lang="en-GB" dirty="0"/>
+              <a:rPr lang="en-GB" dirty="0"/>
+              <a:t>blocked</a:t>
+            </a:r>
           </a:p>
         </p:txBody>
       </p:sp>
       <p:cxnSp>
         <p:nvCxnSpPr>
-          <p:cNvPr id="6" name="Straight Arrow Connector 5"/>
-          <p:cNvCxnSpPr/>
+          <p:cNvPr id="8" name="Straight Arrow Connector 7"/>
+          <p:cNvCxnSpPr>
+            <a:stCxn id="2" idx="3"/>
+            <a:endCxn id="4" idx="1"/>
+          </p:cNvCxnSpPr>
           <p:nvPr/>
         </p:nvCxnSpPr>
         <p:spPr>
           <a:xfrm>
-            <a:off x="3582081" y="2582348"/>
+            <a:off x="3575985" y="1744148"/>
             <a:ext cx="0" cy="1236104"/>
           </a:xfrm>
           <a:prstGeom prst="straightConnector1">
@@ -6376,13 +7633,16 @@
       </p:cxnSp>
       <p:cxnSp>
         <p:nvCxnSpPr>
-          <p:cNvPr id="7" name="Straight Arrow Connector 6"/>
-          <p:cNvCxnSpPr/>
+          <p:cNvPr id="10" name="Straight Arrow Connector 9"/>
+          <p:cNvCxnSpPr>
+            <a:stCxn id="4" idx="7"/>
+            <a:endCxn id="2" idx="5"/>
+          </p:cNvCxnSpPr>
           <p:nvPr/>
         </p:nvCxnSpPr>
         <p:spPr>
           <a:xfrm flipV="1">
-            <a:off x="4659711" y="2582348"/>
+            <a:off x="4653615" y="1744148"/>
             <a:ext cx="0" cy="1236104"/>
           </a:xfrm>
           <a:prstGeom prst="straightConnector1">
@@ -6409,14 +7669,14 @@
       </p:cxnSp>
       <p:sp>
         <p:nvSpPr>
-          <p:cNvPr id="15" name="TextBox 14"/>
+          <p:cNvPr id="11" name="TextBox 10"/>
           <p:cNvSpPr txBox="1"/>
           <p:nvPr/>
         </p:nvSpPr>
         <p:spPr>
           <a:xfrm>
-            <a:off x="2057400" y="832104"/>
-            <a:ext cx="1893531" cy="523220"/>
+            <a:off x="2029086" y="1954040"/>
+            <a:ext cx="1546898" cy="738664"/>
           </a:xfrm>
           <a:prstGeom prst="rect">
             <a:avLst/>
@@ -6429,35 +7689,39 @@
           </a:bodyPr>
           <a:lstStyle/>
           <a:p>
-            <a:pPr algn="ctr"/>
-            <a:r>
-              <a:rPr lang="en-GB" sz="1400" dirty="0" err="1" smtClean="0"/>
-              <a:t>osSemaphoreAcquire</a:t>
-            </a:r>
-            <a:r>
-              <a:rPr lang="en-GB" sz="1400" dirty="0" smtClean="0"/>
+            <a:r>
+              <a:rPr lang="en-GB" sz="1400" dirty="0" err="1"/>
+              <a:t>osMutexAcquire</a:t>
+            </a:r>
+            <a:r>
+              <a:rPr lang="en-GB" sz="1400" dirty="0"/>
               <a:t>() </a:t>
             </a:r>
           </a:p>
           <a:p>
-            <a:pPr algn="ctr"/>
-            <a:r>
-              <a:rPr lang="en-GB" sz="1400" dirty="0" smtClean="0"/>
-              <a:t>[count &gt; 1] / count--</a:t>
-            </a:r>
-          </a:p>
-        </p:txBody>
-      </p:sp>
-      <p:sp>
-        <p:nvSpPr>
-          <p:cNvPr id="16" name="TextBox 15"/>
+            <a:r>
+              <a:rPr lang="en-GB" sz="1400" dirty="0"/>
+              <a:t>/ owner = running,</a:t>
+            </a:r>
+          </a:p>
+          <a:p>
+            <a:r>
+              <a:rPr lang="en-GB" sz="1400" dirty="0"/>
+              <a:t>count = 0</a:t>
+            </a:r>
+          </a:p>
+        </p:txBody>
+      </p:sp>
+      <p:sp>
+        <p:nvSpPr>
+          <p:cNvPr id="12" name="TextBox 11"/>
           <p:cNvSpPr txBox="1"/>
           <p:nvPr/>
         </p:nvSpPr>
         <p:spPr>
           <a:xfrm>
-            <a:off x="1688550" y="2933212"/>
-            <a:ext cx="1893531" cy="523220"/>
+            <a:off x="4653615" y="1954040"/>
+            <a:ext cx="2852928" cy="738664"/>
           </a:xfrm>
           <a:prstGeom prst="rect">
             <a:avLst/>
@@ -6465,48 +7729,52 @@
           <a:noFill/>
         </p:spPr>
         <p:txBody>
-          <a:bodyPr wrap="none" rtlCol="0">
+          <a:bodyPr wrap="square" rtlCol="0">
             <a:spAutoFit/>
           </a:bodyPr>
           <a:lstStyle/>
           <a:p>
-            <a:pPr algn="ctr"/>
-            <a:r>
-              <a:rPr lang="en-GB" sz="1400" dirty="0" err="1" smtClean="0"/>
-              <a:t>osSemaphoreAcquire</a:t>
-            </a:r>
-            <a:r>
-              <a:rPr lang="en-GB" sz="1400" dirty="0" smtClean="0"/>
+            <a:r>
+              <a:rPr lang="en-GB" sz="1400" dirty="0" err="1"/>
+              <a:t>osMutexRelease</a:t>
+            </a:r>
+            <a:r>
+              <a:rPr lang="en-GB" sz="1400" dirty="0"/>
               <a:t>() </a:t>
             </a:r>
           </a:p>
           <a:p>
-            <a:pPr algn="ctr"/>
-            <a:r>
-              <a:rPr lang="en-GB" sz="1400" dirty="0" smtClean="0"/>
-              <a:t>[count==1] / count--</a:t>
+            <a:r>
+              <a:rPr lang="en-GB" sz="1400" dirty="0"/>
+              <a:t>[owner == running &amp; !count]</a:t>
+            </a:r>
+          </a:p>
+          <a:p>
+            <a:r>
+              <a:rPr lang="en-GB" sz="1400" dirty="0"/>
+              <a:t>/ owner = NULL</a:t>
             </a:r>
           </a:p>
         </p:txBody>
       </p:sp>
       <p:cxnSp>
         <p:nvCxnSpPr>
-          <p:cNvPr id="18" name="Elbow Connector 17"/>
+          <p:cNvPr id="14" name="Elbow Connector 13"/>
           <p:cNvCxnSpPr>
             <a:stCxn id="4" idx="2"/>
-            <a:endCxn id="4" idx="1"/>
+            <a:endCxn id="4" idx="3"/>
           </p:cNvCxnSpPr>
           <p:nvPr/>
         </p:nvCxnSpPr>
         <p:spPr>
-          <a:xfrm rot="10800000" flipH="1">
-            <a:off x="3358895" y="1989652"/>
+          <a:xfrm rot="10800000" flipH="1" flipV="1">
+            <a:off x="3352799" y="3276600"/>
             <a:ext cx="223185" cy="296348"/>
           </a:xfrm>
           <a:prstGeom prst="bentConnector4">
             <a:avLst>
-              <a:gd name="adj1" fmla="val -181635"/>
-              <a:gd name="adj2" fmla="val 290557"/>
+              <a:gd name="adj1" fmla="val -255382"/>
+              <a:gd name="adj2" fmla="val 315242"/>
             </a:avLst>
           </a:prstGeom>
           <a:ln w="19050">
@@ -6528,24 +7796,69 @@
           </a:fontRef>
         </p:style>
       </p:cxnSp>
+      <p:sp>
+        <p:nvSpPr>
+          <p:cNvPr id="16" name="TextBox 15"/>
+          <p:cNvSpPr txBox="1"/>
+          <p:nvPr/>
+        </p:nvSpPr>
+        <p:spPr>
+          <a:xfrm>
+            <a:off x="2362200" y="4240176"/>
+            <a:ext cx="1589794" cy="738664"/>
+          </a:xfrm>
+          <a:prstGeom prst="rect">
+            <a:avLst/>
+          </a:prstGeom>
+          <a:noFill/>
+        </p:spPr>
+        <p:txBody>
+          <a:bodyPr wrap="none" rtlCol="0">
+            <a:spAutoFit/>
+          </a:bodyPr>
+          <a:lstStyle/>
+          <a:p>
+            <a:r>
+              <a:rPr lang="en-GB" sz="1400" dirty="0" err="1"/>
+              <a:t>osMutexAcquire</a:t>
+            </a:r>
+            <a:r>
+              <a:rPr lang="en-GB" sz="1400" dirty="0"/>
+              <a:t>() </a:t>
+            </a:r>
+          </a:p>
+          <a:p>
+            <a:r>
+              <a:rPr lang="en-GB" sz="1400" dirty="0"/>
+              <a:t>[owner == running]</a:t>
+            </a:r>
+          </a:p>
+          <a:p>
+            <a:r>
+              <a:rPr lang="en-GB" sz="1400" dirty="0"/>
+              <a:t>/ count++</a:t>
+            </a:r>
+          </a:p>
+        </p:txBody>
+      </p:sp>
       <p:cxnSp>
         <p:nvCxnSpPr>
-          <p:cNvPr id="22" name="Elbow Connector 21"/>
+          <p:cNvPr id="24" name="Elbow Connector 23"/>
           <p:cNvCxnSpPr>
             <a:stCxn id="4" idx="6"/>
-            <a:endCxn id="4" idx="7"/>
+            <a:endCxn id="4" idx="5"/>
           </p:cNvCxnSpPr>
           <p:nvPr/>
         </p:nvCxnSpPr>
         <p:spPr>
-          <a:xfrm flipH="1" flipV="1">
-            <a:off x="4659711" y="1989652"/>
+          <a:xfrm flipH="1">
+            <a:off x="4653615" y="3276600"/>
             <a:ext cx="223185" cy="296348"/>
           </a:xfrm>
           <a:prstGeom prst="bentConnector4">
             <a:avLst>
-              <a:gd name="adj1" fmla="val -187098"/>
-              <a:gd name="adj2" fmla="val 294671"/>
+              <a:gd name="adj1" fmla="val -260845"/>
+              <a:gd name="adj2" fmla="val 317299"/>
             </a:avLst>
           </a:prstGeom>
           <a:ln w="19050">
@@ -6569,14 +7882,14 @@
       </p:cxnSp>
       <p:sp>
         <p:nvSpPr>
-          <p:cNvPr id="25" name="TextBox 24"/>
+          <p:cNvPr id="28" name="TextBox 27"/>
           <p:cNvSpPr txBox="1"/>
           <p:nvPr/>
         </p:nvSpPr>
         <p:spPr>
           <a:xfrm>
-            <a:off x="4682877" y="2943880"/>
-            <a:ext cx="1895968" cy="523220"/>
+            <a:off x="4419600" y="4255552"/>
+            <a:ext cx="2330446" cy="738664"/>
           </a:xfrm>
           <a:prstGeom prst="rect">
             <a:avLst/>
@@ -6589,62 +7902,25 @@
           </a:bodyPr>
           <a:lstStyle/>
           <a:p>
-            <a:pPr algn="ctr"/>
-            <a:r>
-              <a:rPr lang="en-GB" sz="1400" dirty="0" err="1" smtClean="0"/>
-              <a:t>osSemaphoreRelease</a:t>
-            </a:r>
-            <a:r>
-              <a:rPr lang="en-GB" sz="1400" dirty="0" smtClean="0"/>
+            <a:r>
+              <a:rPr lang="en-GB" sz="1400" dirty="0" err="1"/>
+              <a:t>osMutexRelease</a:t>
+            </a:r>
+            <a:r>
+              <a:rPr lang="en-GB" sz="1400" dirty="0"/>
               <a:t>() </a:t>
             </a:r>
           </a:p>
           <a:p>
-            <a:pPr algn="ctr"/>
-            <a:r>
-              <a:rPr lang="en-GB" sz="1400" dirty="0" smtClean="0"/>
-              <a:t>/ count++</a:t>
-            </a:r>
-          </a:p>
-        </p:txBody>
-      </p:sp>
-      <p:sp>
-        <p:nvSpPr>
-          <p:cNvPr id="26" name="TextBox 25"/>
-          <p:cNvSpPr txBox="1"/>
-          <p:nvPr/>
-        </p:nvSpPr>
-        <p:spPr>
-          <a:xfrm>
-            <a:off x="4641020" y="832104"/>
-            <a:ext cx="1933350" cy="523220"/>
-          </a:xfrm>
-          <a:prstGeom prst="rect">
-            <a:avLst/>
-          </a:prstGeom>
-          <a:noFill/>
-        </p:spPr>
-        <p:txBody>
-          <a:bodyPr wrap="none" rtlCol="0">
-            <a:spAutoFit/>
-          </a:bodyPr>
-          <a:lstStyle/>
-          <a:p>
-            <a:pPr algn="ctr"/>
-            <a:r>
-              <a:rPr lang="en-GB" sz="1400" dirty="0" err="1" smtClean="0"/>
-              <a:t>osSemaphoreRelease</a:t>
-            </a:r>
-            <a:r>
-              <a:rPr lang="en-GB" sz="1400" dirty="0" smtClean="0"/>
-              <a:t>() </a:t>
-            </a:r>
-          </a:p>
-          <a:p>
-            <a:pPr algn="ctr"/>
-            <a:r>
-              <a:rPr lang="en-GB" sz="1400" dirty="0" smtClean="0"/>
-              <a:t>[count &lt; max] / count++</a:t>
+            <a:r>
+              <a:rPr lang="en-GB" sz="1400" dirty="0"/>
+              <a:t>[owner == running &amp;&amp; count]</a:t>
+            </a:r>
+          </a:p>
+          <a:p>
+            <a:r>
+              <a:rPr lang="en-GB" sz="1400" dirty="0"/>
+              <a:t>/ count--</a:t>
             </a:r>
           </a:p>
         </p:txBody>
@@ -6652,7 +7928,7 @@
     </p:spTree>
     <p:extLst>
       <p:ext uri="{BB962C8B-B14F-4D97-AF65-F5344CB8AC3E}">
-        <p14:creationId xmlns:p14="http://schemas.microsoft.com/office/powerpoint/2010/main" val="2574955138"/>
+        <p14:creationId xmlns:p14="http://schemas.microsoft.com/office/powerpoint/2010/main" val="842425735"/>
       </p:ext>
     </p:extLst>
   </p:cSld>
@@ -6681,18 +7957,19 @@
       </p:grpSpPr>
       <p:sp>
         <p:nvSpPr>
-          <p:cNvPr id="2" name="Rectangle 1"/>
+          <p:cNvPr id="4" name="Oval 3"/>
           <p:cNvSpPr/>
           <p:nvPr/>
         </p:nvSpPr>
         <p:spPr>
           <a:xfrm>
-            <a:off x="1325880" y="2857500"/>
-            <a:ext cx="914400" cy="457200"/>
-          </a:xfrm>
-          <a:prstGeom prst="rect">
-            <a:avLst/>
-          </a:prstGeom>
+            <a:off x="3358896" y="1866900"/>
+            <a:ext cx="1524000" cy="838200"/>
+          </a:xfrm>
+          <a:prstGeom prst="ellipse">
+            <a:avLst/>
+          </a:prstGeom>
+          <a:ln w="28575"/>
         </p:spPr>
         <p:style>
           <a:lnRef idx="2">
@@ -6715,24 +7992,28 @@
           <a:lstStyle/>
           <a:p>
             <a:pPr algn="ctr"/>
-            <a:endParaRPr lang="en-GB" dirty="0"/>
-          </a:p>
-        </p:txBody>
-      </p:sp>
-      <p:sp>
-        <p:nvSpPr>
-          <p:cNvPr id="3" name="Rectangle 2"/>
+            <a:r>
+              <a:rPr lang="en-GB" dirty="0"/>
+              <a:t>available</a:t>
+            </a:r>
+          </a:p>
+        </p:txBody>
+      </p:sp>
+      <p:sp>
+        <p:nvSpPr>
+          <p:cNvPr id="5" name="Oval 4"/>
           <p:cNvSpPr/>
           <p:nvPr/>
         </p:nvSpPr>
         <p:spPr>
           <a:xfrm>
-            <a:off x="838200" y="2171700"/>
-            <a:ext cx="1828800" cy="457200"/>
-          </a:xfrm>
-          <a:prstGeom prst="rect">
-            <a:avLst/>
-          </a:prstGeom>
+            <a:off x="3358896" y="3695700"/>
+            <a:ext cx="1524000" cy="838200"/>
+          </a:xfrm>
+          <a:prstGeom prst="ellipse">
+            <a:avLst/>
+          </a:prstGeom>
+          <a:ln w="28575"/>
         </p:spPr>
         <p:style>
           <a:lnRef idx="2">
@@ -6754,8 +8035,429 @@
           <a:bodyPr rtlCol="0" anchor="ctr"/>
           <a:lstStyle/>
           <a:p>
-            <a:r>
-              <a:rPr lang="en-GB" dirty="0" err="1" smtClean="0"/>
+            <a:pPr algn="ctr"/>
+            <a:r>
+              <a:rPr lang="en-GB" dirty="0"/>
+              <a:t>depleted</a:t>
+            </a:r>
+          </a:p>
+        </p:txBody>
+      </p:sp>
+      <p:cxnSp>
+        <p:nvCxnSpPr>
+          <p:cNvPr id="6" name="Straight Arrow Connector 5"/>
+          <p:cNvCxnSpPr/>
+          <p:nvPr/>
+        </p:nvCxnSpPr>
+        <p:spPr>
+          <a:xfrm>
+            <a:off x="3582081" y="2582348"/>
+            <a:ext cx="0" cy="1236104"/>
+          </a:xfrm>
+          <a:prstGeom prst="straightConnector1">
+            <a:avLst/>
+          </a:prstGeom>
+          <a:ln w="19050">
+            <a:tailEnd type="arrow"/>
+          </a:ln>
+        </p:spPr>
+        <p:style>
+          <a:lnRef idx="1">
+            <a:schemeClr val="accent1"/>
+          </a:lnRef>
+          <a:fillRef idx="0">
+            <a:schemeClr val="accent1"/>
+          </a:fillRef>
+          <a:effectRef idx="0">
+            <a:schemeClr val="accent1"/>
+          </a:effectRef>
+          <a:fontRef idx="minor">
+            <a:schemeClr val="tx1"/>
+          </a:fontRef>
+        </p:style>
+      </p:cxnSp>
+      <p:cxnSp>
+        <p:nvCxnSpPr>
+          <p:cNvPr id="7" name="Straight Arrow Connector 6"/>
+          <p:cNvCxnSpPr/>
+          <p:nvPr/>
+        </p:nvCxnSpPr>
+        <p:spPr>
+          <a:xfrm flipV="1">
+            <a:off x="4659711" y="2582348"/>
+            <a:ext cx="0" cy="1236104"/>
+          </a:xfrm>
+          <a:prstGeom prst="straightConnector1">
+            <a:avLst/>
+          </a:prstGeom>
+          <a:ln w="19050">
+            <a:tailEnd type="arrow"/>
+          </a:ln>
+        </p:spPr>
+        <p:style>
+          <a:lnRef idx="1">
+            <a:schemeClr val="accent1"/>
+          </a:lnRef>
+          <a:fillRef idx="0">
+            <a:schemeClr val="accent1"/>
+          </a:fillRef>
+          <a:effectRef idx="0">
+            <a:schemeClr val="accent1"/>
+          </a:effectRef>
+          <a:fontRef idx="minor">
+            <a:schemeClr val="tx1"/>
+          </a:fontRef>
+        </p:style>
+      </p:cxnSp>
+      <p:sp>
+        <p:nvSpPr>
+          <p:cNvPr id="15" name="TextBox 14"/>
+          <p:cNvSpPr txBox="1"/>
+          <p:nvPr/>
+        </p:nvSpPr>
+        <p:spPr>
+          <a:xfrm>
+            <a:off x="2057400" y="832104"/>
+            <a:ext cx="1893531" cy="523220"/>
+          </a:xfrm>
+          <a:prstGeom prst="rect">
+            <a:avLst/>
+          </a:prstGeom>
+          <a:noFill/>
+        </p:spPr>
+        <p:txBody>
+          <a:bodyPr wrap="none" rtlCol="0">
+            <a:spAutoFit/>
+          </a:bodyPr>
+          <a:lstStyle/>
+          <a:p>
+            <a:pPr algn="ctr"/>
+            <a:r>
+              <a:rPr lang="en-GB" sz="1400" dirty="0" err="1"/>
+              <a:t>osSemaphoreAcquire</a:t>
+            </a:r>
+            <a:r>
+              <a:rPr lang="en-GB" sz="1400" dirty="0"/>
+              <a:t>() </a:t>
+            </a:r>
+          </a:p>
+          <a:p>
+            <a:pPr algn="ctr"/>
+            <a:r>
+              <a:rPr lang="en-GB" sz="1400" dirty="0"/>
+              <a:t>[count &gt; 1] / count--</a:t>
+            </a:r>
+          </a:p>
+        </p:txBody>
+      </p:sp>
+      <p:sp>
+        <p:nvSpPr>
+          <p:cNvPr id="16" name="TextBox 15"/>
+          <p:cNvSpPr txBox="1"/>
+          <p:nvPr/>
+        </p:nvSpPr>
+        <p:spPr>
+          <a:xfrm>
+            <a:off x="1688550" y="2933212"/>
+            <a:ext cx="1893531" cy="523220"/>
+          </a:xfrm>
+          <a:prstGeom prst="rect">
+            <a:avLst/>
+          </a:prstGeom>
+          <a:noFill/>
+        </p:spPr>
+        <p:txBody>
+          <a:bodyPr wrap="none" rtlCol="0">
+            <a:spAutoFit/>
+          </a:bodyPr>
+          <a:lstStyle/>
+          <a:p>
+            <a:pPr algn="ctr"/>
+            <a:r>
+              <a:rPr lang="en-GB" sz="1400" dirty="0" err="1"/>
+              <a:t>osSemaphoreAcquire</a:t>
+            </a:r>
+            <a:r>
+              <a:rPr lang="en-GB" sz="1400" dirty="0"/>
+              <a:t>() </a:t>
+            </a:r>
+          </a:p>
+          <a:p>
+            <a:pPr algn="ctr"/>
+            <a:r>
+              <a:rPr lang="en-GB" sz="1400" dirty="0"/>
+              <a:t>[count==1] / count--</a:t>
+            </a:r>
+          </a:p>
+        </p:txBody>
+      </p:sp>
+      <p:cxnSp>
+        <p:nvCxnSpPr>
+          <p:cNvPr id="18" name="Elbow Connector 17"/>
+          <p:cNvCxnSpPr>
+            <a:stCxn id="4" idx="2"/>
+            <a:endCxn id="4" idx="1"/>
+          </p:cNvCxnSpPr>
+          <p:nvPr/>
+        </p:nvCxnSpPr>
+        <p:spPr>
+          <a:xfrm rot="10800000" flipH="1">
+            <a:off x="3358895" y="1989652"/>
+            <a:ext cx="223185" cy="296348"/>
+          </a:xfrm>
+          <a:prstGeom prst="bentConnector4">
+            <a:avLst>
+              <a:gd name="adj1" fmla="val -181635"/>
+              <a:gd name="adj2" fmla="val 290557"/>
+            </a:avLst>
+          </a:prstGeom>
+          <a:ln w="19050">
+            <a:tailEnd type="arrow"/>
+          </a:ln>
+        </p:spPr>
+        <p:style>
+          <a:lnRef idx="1">
+            <a:schemeClr val="accent1"/>
+          </a:lnRef>
+          <a:fillRef idx="0">
+            <a:schemeClr val="accent1"/>
+          </a:fillRef>
+          <a:effectRef idx="0">
+            <a:schemeClr val="accent1"/>
+          </a:effectRef>
+          <a:fontRef idx="minor">
+            <a:schemeClr val="tx1"/>
+          </a:fontRef>
+        </p:style>
+      </p:cxnSp>
+      <p:cxnSp>
+        <p:nvCxnSpPr>
+          <p:cNvPr id="22" name="Elbow Connector 21"/>
+          <p:cNvCxnSpPr>
+            <a:stCxn id="4" idx="6"/>
+            <a:endCxn id="4" idx="7"/>
+          </p:cNvCxnSpPr>
+          <p:nvPr/>
+        </p:nvCxnSpPr>
+        <p:spPr>
+          <a:xfrm flipH="1" flipV="1">
+            <a:off x="4659711" y="1989652"/>
+            <a:ext cx="223185" cy="296348"/>
+          </a:xfrm>
+          <a:prstGeom prst="bentConnector4">
+            <a:avLst>
+              <a:gd name="adj1" fmla="val -187098"/>
+              <a:gd name="adj2" fmla="val 294671"/>
+            </a:avLst>
+          </a:prstGeom>
+          <a:ln w="19050">
+            <a:tailEnd type="arrow"/>
+          </a:ln>
+        </p:spPr>
+        <p:style>
+          <a:lnRef idx="1">
+            <a:schemeClr val="accent1"/>
+          </a:lnRef>
+          <a:fillRef idx="0">
+            <a:schemeClr val="accent1"/>
+          </a:fillRef>
+          <a:effectRef idx="0">
+            <a:schemeClr val="accent1"/>
+          </a:effectRef>
+          <a:fontRef idx="minor">
+            <a:schemeClr val="tx1"/>
+          </a:fontRef>
+        </p:style>
+      </p:cxnSp>
+      <p:sp>
+        <p:nvSpPr>
+          <p:cNvPr id="25" name="TextBox 24"/>
+          <p:cNvSpPr txBox="1"/>
+          <p:nvPr/>
+        </p:nvSpPr>
+        <p:spPr>
+          <a:xfrm>
+            <a:off x="4682877" y="2943880"/>
+            <a:ext cx="1895968" cy="523220"/>
+          </a:xfrm>
+          <a:prstGeom prst="rect">
+            <a:avLst/>
+          </a:prstGeom>
+          <a:noFill/>
+        </p:spPr>
+        <p:txBody>
+          <a:bodyPr wrap="none" rtlCol="0">
+            <a:spAutoFit/>
+          </a:bodyPr>
+          <a:lstStyle/>
+          <a:p>
+            <a:pPr algn="ctr"/>
+            <a:r>
+              <a:rPr lang="en-GB" sz="1400" dirty="0" err="1"/>
+              <a:t>osSemaphoreRelease</a:t>
+            </a:r>
+            <a:r>
+              <a:rPr lang="en-GB" sz="1400" dirty="0"/>
+              <a:t>() </a:t>
+            </a:r>
+          </a:p>
+          <a:p>
+            <a:pPr algn="ctr"/>
+            <a:r>
+              <a:rPr lang="en-GB" sz="1400" dirty="0"/>
+              <a:t>/ count++</a:t>
+            </a:r>
+          </a:p>
+        </p:txBody>
+      </p:sp>
+      <p:sp>
+        <p:nvSpPr>
+          <p:cNvPr id="26" name="TextBox 25"/>
+          <p:cNvSpPr txBox="1"/>
+          <p:nvPr/>
+        </p:nvSpPr>
+        <p:spPr>
+          <a:xfrm>
+            <a:off x="4641020" y="832104"/>
+            <a:ext cx="1933350" cy="523220"/>
+          </a:xfrm>
+          <a:prstGeom prst="rect">
+            <a:avLst/>
+          </a:prstGeom>
+          <a:noFill/>
+        </p:spPr>
+        <p:txBody>
+          <a:bodyPr wrap="none" rtlCol="0">
+            <a:spAutoFit/>
+          </a:bodyPr>
+          <a:lstStyle/>
+          <a:p>
+            <a:pPr algn="ctr"/>
+            <a:r>
+              <a:rPr lang="en-GB" sz="1400" dirty="0" err="1"/>
+              <a:t>osSemaphoreRelease</a:t>
+            </a:r>
+            <a:r>
+              <a:rPr lang="en-GB" sz="1400" dirty="0"/>
+              <a:t>() </a:t>
+            </a:r>
+          </a:p>
+          <a:p>
+            <a:pPr algn="ctr"/>
+            <a:r>
+              <a:rPr lang="en-GB" sz="1400" dirty="0"/>
+              <a:t>[count &lt; max] / count++</a:t>
+            </a:r>
+          </a:p>
+        </p:txBody>
+      </p:sp>
+    </p:spTree>
+    <p:extLst>
+      <p:ext uri="{BB962C8B-B14F-4D97-AF65-F5344CB8AC3E}">
+        <p14:creationId xmlns:p14="http://schemas.microsoft.com/office/powerpoint/2010/main" val="2574955138"/>
+      </p:ext>
+    </p:extLst>
+  </p:cSld>
+  <p:clrMapOvr>
+    <a:masterClrMapping/>
+  </p:clrMapOvr>
+</p:sld>
+</file>
+
+<file path=ppt/slides/slide5.xml><?xml version="1.0" encoding="utf-8"?>
+<p:sld xmlns:a="http://schemas.openxmlformats.org/drawingml/2006/main" xmlns:r="http://schemas.openxmlformats.org/officeDocument/2006/relationships" xmlns:p="http://schemas.openxmlformats.org/presentationml/2006/main">
+  <p:cSld>
+    <p:spTree>
+      <p:nvGrpSpPr>
+        <p:cNvPr id="1" name=""/>
+        <p:cNvGrpSpPr/>
+        <p:nvPr/>
+      </p:nvGrpSpPr>
+      <p:grpSpPr>
+        <a:xfrm>
+          <a:off x="0" y="0"/>
+          <a:ext cx="0" cy="0"/>
+          <a:chOff x="0" y="0"/>
+          <a:chExt cx="0" cy="0"/>
+        </a:xfrm>
+      </p:grpSpPr>
+      <p:sp>
+        <p:nvSpPr>
+          <p:cNvPr id="2" name="Rectangle 1"/>
+          <p:cNvSpPr/>
+          <p:nvPr/>
+        </p:nvSpPr>
+        <p:spPr>
+          <a:xfrm>
+            <a:off x="1325880" y="2857500"/>
+            <a:ext cx="914400" cy="457200"/>
+          </a:xfrm>
+          <a:prstGeom prst="rect">
+            <a:avLst/>
+          </a:prstGeom>
+        </p:spPr>
+        <p:style>
+          <a:lnRef idx="2">
+            <a:schemeClr val="accent1">
+              <a:shade val="50000"/>
+            </a:schemeClr>
+          </a:lnRef>
+          <a:fillRef idx="1">
+            <a:schemeClr val="accent1"/>
+          </a:fillRef>
+          <a:effectRef idx="0">
+            <a:schemeClr val="accent1"/>
+          </a:effectRef>
+          <a:fontRef idx="minor">
+            <a:schemeClr val="lt1"/>
+          </a:fontRef>
+        </p:style>
+        <p:txBody>
+          <a:bodyPr rtlCol="0" anchor="ctr"/>
+          <a:lstStyle/>
+          <a:p>
+            <a:pPr algn="ctr"/>
+            <a:endParaRPr lang="en-GB" dirty="0"/>
+          </a:p>
+        </p:txBody>
+      </p:sp>
+      <p:sp>
+        <p:nvSpPr>
+          <p:cNvPr id="3" name="Rectangle 2"/>
+          <p:cNvSpPr/>
+          <p:nvPr/>
+        </p:nvSpPr>
+        <p:spPr>
+          <a:xfrm>
+            <a:off x="838200" y="2171700"/>
+            <a:ext cx="1828800" cy="457200"/>
+          </a:xfrm>
+          <a:prstGeom prst="rect">
+            <a:avLst/>
+          </a:prstGeom>
+        </p:spPr>
+        <p:style>
+          <a:lnRef idx="2">
+            <a:schemeClr val="accent1">
+              <a:shade val="50000"/>
+            </a:schemeClr>
+          </a:lnRef>
+          <a:fillRef idx="1">
+            <a:schemeClr val="accent1"/>
+          </a:fillRef>
+          <a:effectRef idx="0">
+            <a:schemeClr val="accent1"/>
+          </a:effectRef>
+          <a:fontRef idx="minor">
+            <a:schemeClr val="lt1"/>
+          </a:fontRef>
+        </p:style>
+        <p:txBody>
+          <a:bodyPr rtlCol="0" anchor="ctr"/>
+          <a:lstStyle/>
+          <a:p>
+            <a:r>
+              <a:rPr lang="en-GB" dirty="0" err="1"/>
               <a:t>MemPool</a:t>
             </a:r>
             <a:endParaRPr lang="en-GB" dirty="0"/>
@@ -6839,7 +8541,7 @@
           <a:p>
             <a:pPr algn="ctr"/>
             <a:r>
-              <a:rPr lang="en-GB" sz="1400" dirty="0" smtClean="0"/>
+              <a:rPr lang="en-GB" sz="1400" dirty="0"/>
               <a:t>used</a:t>
             </a:r>
             <a:endParaRPr lang="en-GB" dirty="0"/>
@@ -6883,10 +8585,9 @@
           <a:p>
             <a:pPr algn="ctr"/>
             <a:r>
-              <a:rPr lang="en-GB" sz="1400" dirty="0" smtClean="0"/>
+              <a:rPr lang="en-GB" sz="1400" dirty="0"/>
               <a:t>used</a:t>
             </a:r>
-            <a:endParaRPr lang="en-GB" sz="1400" dirty="0"/>
           </a:p>
         </p:txBody>
       </p:sp>
@@ -6967,10 +8668,9 @@
           <a:p>
             <a:pPr algn="ctr"/>
             <a:r>
-              <a:rPr lang="en-GB" sz="1400" dirty="0" smtClean="0"/>
+              <a:rPr lang="en-GB" sz="1400" dirty="0"/>
               <a:t>used</a:t>
             </a:r>
-            <a:endParaRPr lang="en-GB" sz="1400" dirty="0"/>
           </a:p>
         </p:txBody>
       </p:sp>
@@ -7175,10 +8875,9 @@
           <a:lstStyle/>
           <a:p>
             <a:r>
-              <a:rPr lang="en-GB" sz="1400" dirty="0" smtClean="0"/>
+              <a:rPr lang="en-GB" sz="1400" dirty="0"/>
               <a:t>next</a:t>
             </a:r>
-            <a:endParaRPr lang="en-GB" sz="1400" dirty="0"/>
           </a:p>
         </p:txBody>
       </p:sp>
@@ -7205,10 +8904,9 @@
           <a:lstStyle/>
           <a:p>
             <a:r>
-              <a:rPr lang="en-GB" sz="1400" dirty="0" smtClean="0"/>
+              <a:rPr lang="en-GB" sz="1400" dirty="0"/>
               <a:t>free</a:t>
             </a:r>
-            <a:endParaRPr lang="en-GB" sz="1400" dirty="0"/>
           </a:p>
         </p:txBody>
       </p:sp>
@@ -7235,10 +8933,9 @@
           <a:lstStyle/>
           <a:p>
             <a:r>
-              <a:rPr lang="en-GB" sz="1400" dirty="0" smtClean="0"/>
+              <a:rPr lang="en-GB" sz="1400" dirty="0"/>
               <a:t>next</a:t>
             </a:r>
-            <a:endParaRPr lang="en-GB" sz="1400" dirty="0"/>
           </a:p>
         </p:txBody>
       </p:sp>
@@ -7265,10 +8962,9 @@
           <a:lstStyle/>
           <a:p>
             <a:r>
-              <a:rPr lang="en-GB" sz="1400" dirty="0" smtClean="0"/>
+              <a:rPr lang="en-GB" sz="1400" dirty="0"/>
               <a:t>next</a:t>
             </a:r>
-            <a:endParaRPr lang="en-GB" sz="1400" dirty="0"/>
           </a:p>
         </p:txBody>
       </p:sp>
@@ -7566,4 +9262,299 @@
   <a:objectDefaults/>
   <a:extraClrSchemeLst/>
 </a:theme>
+</file>
+
+<file path=ppt/theme/theme2.xml><?xml version="1.0" encoding="utf-8"?>
+<a:theme xmlns:a="http://schemas.openxmlformats.org/drawingml/2006/main" name="Office Theme">
+  <a:themeElements>
+    <a:clrScheme name="Office">
+      <a:dk1>
+        <a:sysClr val="windowText" lastClr="000000"/>
+      </a:dk1>
+      <a:lt1>
+        <a:sysClr val="window" lastClr="FFFFFF"/>
+      </a:lt1>
+      <a:dk2>
+        <a:srgbClr val="44546A"/>
+      </a:dk2>
+      <a:lt2>
+        <a:srgbClr val="E7E6E6"/>
+      </a:lt2>
+      <a:accent1>
+        <a:srgbClr val="4472C4"/>
+      </a:accent1>
+      <a:accent2>
+        <a:srgbClr val="ED7D31"/>
+      </a:accent2>
+      <a:accent3>
+        <a:srgbClr val="A5A5A5"/>
+      </a:accent3>
+      <a:accent4>
+        <a:srgbClr val="FFC000"/>
+      </a:accent4>
+      <a:accent5>
+        <a:srgbClr val="5B9BD5"/>
+      </a:accent5>
+      <a:accent6>
+        <a:srgbClr val="70AD47"/>
+      </a:accent6>
+      <a:hlink>
+        <a:srgbClr val="0563C1"/>
+      </a:hlink>
+      <a:folHlink>
+        <a:srgbClr val="954F72"/>
+      </a:folHlink>
+    </a:clrScheme>
+    <a:fontScheme name="Office">
+      <a:majorFont>
+        <a:latin typeface="Calibri Light" panose="020F0302020204030204"/>
+        <a:ea typeface=""/>
+        <a:cs typeface=""/>
+        <a:font script="Jpan" typeface="游ゴシック Light"/>
+        <a:font script="Hang" typeface="맑은 고딕"/>
+        <a:font script="Hans" typeface="等线 Light"/>
+        <a:font script="Hant" typeface="新細明體"/>
+        <a:font script="Arab" typeface="Times New Roman"/>
+        <a:font script="Hebr" typeface="Times New Roman"/>
+        <a:font script="Thai" typeface="Angsana New"/>
+        <a:font script="Ethi" typeface="Nyala"/>
+        <a:font script="Beng" typeface="Vrinda"/>
+        <a:font script="Gujr" typeface="Shruti"/>
+        <a:font script="Khmr" typeface="MoolBoran"/>
+        <a:font script="Knda" typeface="Tunga"/>
+        <a:font script="Guru" typeface="Raavi"/>
+        <a:font script="Cans" typeface="Euphemia"/>
+        <a:font script="Cher" typeface="Plantagenet Cherokee"/>
+        <a:font script="Yiii" typeface="Microsoft Yi Baiti"/>
+        <a:font script="Tibt" typeface="Microsoft Himalaya"/>
+        <a:font script="Thaa" typeface="MV Boli"/>
+        <a:font script="Deva" typeface="Mangal"/>
+        <a:font script="Telu" typeface="Gautami"/>
+        <a:font script="Taml" typeface="Latha"/>
+        <a:font script="Syrc" typeface="Estrangelo Edessa"/>
+        <a:font script="Orya" typeface="Kalinga"/>
+        <a:font script="Mlym" typeface="Kartika"/>
+        <a:font script="Laoo" typeface="DokChampa"/>
+        <a:font script="Sinh" typeface="Iskoola Pota"/>
+        <a:font script="Mong" typeface="Mongolian Baiti"/>
+        <a:font script="Viet" typeface="Times New Roman"/>
+        <a:font script="Uigh" typeface="Microsoft Uighur"/>
+        <a:font script="Geor" typeface="Sylfaen"/>
+        <a:font script="Armn" typeface="Arial"/>
+        <a:font script="Bugi" typeface="Leelawadee UI"/>
+        <a:font script="Bopo" typeface="Microsoft JhengHei"/>
+        <a:font script="Java" typeface="Javanese Text"/>
+        <a:font script="Lisu" typeface="Segoe UI"/>
+        <a:font script="Mymr" typeface="Myanmar Text"/>
+        <a:font script="Nkoo" typeface="Ebrima"/>
+        <a:font script="Olck" typeface="Nirmala UI"/>
+        <a:font script="Osma" typeface="Ebrima"/>
+        <a:font script="Phag" typeface="Phagspa"/>
+        <a:font script="Syrn" typeface="Estrangelo Edessa"/>
+        <a:font script="Syrj" typeface="Estrangelo Edessa"/>
+        <a:font script="Syre" typeface="Estrangelo Edessa"/>
+        <a:font script="Sora" typeface="Nirmala UI"/>
+        <a:font script="Tale" typeface="Microsoft Tai Le"/>
+        <a:font script="Talu" typeface="Microsoft New Tai Lue"/>
+        <a:font script="Tfng" typeface="Ebrima"/>
+      </a:majorFont>
+      <a:minorFont>
+        <a:latin typeface="Calibri" panose="020F0502020204030204"/>
+        <a:ea typeface=""/>
+        <a:cs typeface=""/>
+        <a:font script="Jpan" typeface="游ゴシック"/>
+        <a:font script="Hang" typeface="맑은 고딕"/>
+        <a:font script="Hans" typeface="等线"/>
+        <a:font script="Hant" typeface="新細明體"/>
+        <a:font script="Arab" typeface="Arial"/>
+        <a:font script="Hebr" typeface="Arial"/>
+        <a:font script="Thai" typeface="Cordia New"/>
+        <a:font script="Ethi" typeface="Nyala"/>
+        <a:font script="Beng" typeface="Vrinda"/>
+        <a:font script="Gujr" typeface="Shruti"/>
+        <a:font script="Khmr" typeface="DaunPenh"/>
+        <a:font script="Knda" typeface="Tunga"/>
+        <a:font script="Guru" typeface="Raavi"/>
+        <a:font script="Cans" typeface="Euphemia"/>
+        <a:font script="Cher" typeface="Plantagenet Cherokee"/>
+        <a:font script="Yiii" typeface="Microsoft Yi Baiti"/>
+        <a:font script="Tibt" typeface="Microsoft Himalaya"/>
+        <a:font script="Thaa" typeface="MV Boli"/>
+        <a:font script="Deva" typeface="Mangal"/>
+        <a:font script="Telu" typeface="Gautami"/>
+        <a:font script="Taml" typeface="Latha"/>
+        <a:font script="Syrc" typeface="Estrangelo Edessa"/>
+        <a:font script="Orya" typeface="Kalinga"/>
+        <a:font script="Mlym" typeface="Kartika"/>
+        <a:font script="Laoo" typeface="DokChampa"/>
+        <a:font script="Sinh" typeface="Iskoola Pota"/>
+        <a:font script="Mong" typeface="Mongolian Baiti"/>
+        <a:font script="Viet" typeface="Arial"/>
+        <a:font script="Uigh" typeface="Microsoft Uighur"/>
+        <a:font script="Geor" typeface="Sylfaen"/>
+        <a:font script="Armn" typeface="Arial"/>
+        <a:font script="Bugi" typeface="Leelawadee UI"/>
+        <a:font script="Bopo" typeface="Microsoft JhengHei"/>
+        <a:font script="Java" typeface="Javanese Text"/>
+        <a:font script="Lisu" typeface="Segoe UI"/>
+        <a:font script="Mymr" typeface="Myanmar Text"/>
+        <a:font script="Nkoo" typeface="Ebrima"/>
+        <a:font script="Olck" typeface="Nirmala UI"/>
+        <a:font script="Osma" typeface="Ebrima"/>
+        <a:font script="Phag" typeface="Phagspa"/>
+        <a:font script="Syrn" typeface="Estrangelo Edessa"/>
+        <a:font script="Syrj" typeface="Estrangelo Edessa"/>
+        <a:font script="Syre" typeface="Estrangelo Edessa"/>
+        <a:font script="Sora" typeface="Nirmala UI"/>
+        <a:font script="Tale" typeface="Microsoft Tai Le"/>
+        <a:font script="Talu" typeface="Microsoft New Tai Lue"/>
+        <a:font script="Tfng" typeface="Ebrima"/>
+      </a:minorFont>
+    </a:fontScheme>
+    <a:fmtScheme name="Office">
+      <a:fillStyleLst>
+        <a:solidFill>
+          <a:schemeClr val="phClr"/>
+        </a:solidFill>
+        <a:gradFill rotWithShape="1">
+          <a:gsLst>
+            <a:gs pos="0">
+              <a:schemeClr val="phClr">
+                <a:lumMod val="110000"/>
+                <a:satMod val="105000"/>
+                <a:tint val="67000"/>
+              </a:schemeClr>
+            </a:gs>
+            <a:gs pos="50000">
+              <a:schemeClr val="phClr">
+                <a:lumMod val="105000"/>
+                <a:satMod val="103000"/>
+                <a:tint val="73000"/>
+              </a:schemeClr>
+            </a:gs>
+            <a:gs pos="100000">
+              <a:schemeClr val="phClr">
+                <a:lumMod val="105000"/>
+                <a:satMod val="109000"/>
+                <a:tint val="81000"/>
+              </a:schemeClr>
+            </a:gs>
+          </a:gsLst>
+          <a:lin ang="5400000" scaled="0"/>
+        </a:gradFill>
+        <a:gradFill rotWithShape="1">
+          <a:gsLst>
+            <a:gs pos="0">
+              <a:schemeClr val="phClr">
+                <a:satMod val="103000"/>
+                <a:lumMod val="102000"/>
+                <a:tint val="94000"/>
+              </a:schemeClr>
+            </a:gs>
+            <a:gs pos="50000">
+              <a:schemeClr val="phClr">
+                <a:satMod val="110000"/>
+                <a:lumMod val="100000"/>
+                <a:shade val="100000"/>
+              </a:schemeClr>
+            </a:gs>
+            <a:gs pos="100000">
+              <a:schemeClr val="phClr">
+                <a:lumMod val="99000"/>
+                <a:satMod val="120000"/>
+                <a:shade val="78000"/>
+              </a:schemeClr>
+            </a:gs>
+          </a:gsLst>
+          <a:lin ang="5400000" scaled="0"/>
+        </a:gradFill>
+      </a:fillStyleLst>
+      <a:lnStyleLst>
+        <a:ln w="6350" cap="flat" cmpd="sng" algn="ctr">
+          <a:solidFill>
+            <a:schemeClr val="phClr"/>
+          </a:solidFill>
+          <a:prstDash val="solid"/>
+          <a:miter lim="800000"/>
+        </a:ln>
+        <a:ln w="12700" cap="flat" cmpd="sng" algn="ctr">
+          <a:solidFill>
+            <a:schemeClr val="phClr"/>
+          </a:solidFill>
+          <a:prstDash val="solid"/>
+          <a:miter lim="800000"/>
+        </a:ln>
+        <a:ln w="19050" cap="flat" cmpd="sng" algn="ctr">
+          <a:solidFill>
+            <a:schemeClr val="phClr"/>
+          </a:solidFill>
+          <a:prstDash val="solid"/>
+          <a:miter lim="800000"/>
+        </a:ln>
+      </a:lnStyleLst>
+      <a:effectStyleLst>
+        <a:effectStyle>
+          <a:effectLst/>
+        </a:effectStyle>
+        <a:effectStyle>
+          <a:effectLst/>
+        </a:effectStyle>
+        <a:effectStyle>
+          <a:effectLst>
+            <a:outerShdw blurRad="57150" dist="19050" dir="5400000" algn="ctr" rotWithShape="0">
+              <a:srgbClr val="000000">
+                <a:alpha val="63000"/>
+              </a:srgbClr>
+            </a:outerShdw>
+          </a:effectLst>
+        </a:effectStyle>
+      </a:effectStyleLst>
+      <a:bgFillStyleLst>
+        <a:solidFill>
+          <a:schemeClr val="phClr"/>
+        </a:solidFill>
+        <a:solidFill>
+          <a:schemeClr val="phClr">
+            <a:tint val="95000"/>
+            <a:satMod val="170000"/>
+          </a:schemeClr>
+        </a:solidFill>
+        <a:gradFill rotWithShape="1">
+          <a:gsLst>
+            <a:gs pos="0">
+              <a:schemeClr val="phClr">
+                <a:tint val="93000"/>
+                <a:satMod val="150000"/>
+                <a:shade val="98000"/>
+                <a:lumMod val="102000"/>
+              </a:schemeClr>
+            </a:gs>
+            <a:gs pos="50000">
+              <a:schemeClr val="phClr">
+                <a:tint val="98000"/>
+                <a:satMod val="130000"/>
+                <a:shade val="90000"/>
+                <a:lumMod val="103000"/>
+              </a:schemeClr>
+            </a:gs>
+            <a:gs pos="100000">
+              <a:schemeClr val="phClr">
+                <a:shade val="63000"/>
+                <a:satMod val="120000"/>
+              </a:schemeClr>
+            </a:gs>
+          </a:gsLst>
+          <a:lin ang="5400000" scaled="0"/>
+        </a:gradFill>
+      </a:bgFillStyleLst>
+    </a:fmtScheme>
+  </a:themeElements>
+  <a:objectDefaults/>
+  <a:extraClrSchemeLst/>
+  <a:extLst>
+    <a:ext uri="{05A4C25C-085E-4340-85A3-A5531E510DB2}">
+      <thm15:themeFamily xmlns:thm15="http://schemas.microsoft.com/office/thememl/2012/main" name="Office Theme" id="{62F939B6-93AF-4DB8-9C6B-D6C7DFDC589F}" vid="{4A3C46E8-61CC-4603-A589-7422A47A8E4A}"/>
+    </a:ext>
+  </a:extLst>
+</a:theme>
 </file>